--- a/Presentations/Meetings/2020-04-27/Meeting2020-04-27.pptx
+++ b/Presentations/Meetings/2020-04-27/Meeting2020-04-27.pptx
@@ -6,10 +6,11 @@
   </p:sldMasterIdLst>
   <p:sldIdLst>
     <p:sldId id="256" r:id="rId2"/>
-    <p:sldId id="262" r:id="rId3"/>
-    <p:sldId id="264" r:id="rId4"/>
+    <p:sldId id="264" r:id="rId3"/>
+    <p:sldId id="262" r:id="rId4"/>
     <p:sldId id="265" r:id="rId5"/>
     <p:sldId id="266" r:id="rId6"/>
+    <p:sldId id="267" r:id="rId7"/>
   </p:sldIdLst>
   <p:sldSz cx="12192000" cy="6858000"/>
   <p:notesSz cx="6858000" cy="9144000"/>
@@ -292,7 +293,7 @@
           <a:p>
             <a:fld id="{E4D37D77-59F4-4F40-A7D2-FD1165658DD5}" type="datetimeFigureOut">
               <a:rPr lang="en-ZA" smtClean="0"/>
-              <a:t>2020-04-20</a:t>
+              <a:t>2020-04-24</a:t>
             </a:fld>
             <a:endParaRPr lang="en-ZA"/>
           </a:p>
@@ -462,7 +463,7 @@
           <a:p>
             <a:fld id="{E4D37D77-59F4-4F40-A7D2-FD1165658DD5}" type="datetimeFigureOut">
               <a:rPr lang="en-ZA" smtClean="0"/>
-              <a:t>2020-04-20</a:t>
+              <a:t>2020-04-24</a:t>
             </a:fld>
             <a:endParaRPr lang="en-ZA"/>
           </a:p>
@@ -685,7 +686,7 @@
           <a:p>
             <a:fld id="{E4D37D77-59F4-4F40-A7D2-FD1165658DD5}" type="datetimeFigureOut">
               <a:rPr lang="en-ZA" smtClean="0"/>
-              <a:t>2020-04-20</a:t>
+              <a:t>2020-04-24</a:t>
             </a:fld>
             <a:endParaRPr lang="en-ZA"/>
           </a:p>
@@ -865,7 +866,7 @@
           <a:p>
             <a:fld id="{E4D37D77-59F4-4F40-A7D2-FD1165658DD5}" type="datetimeFigureOut">
               <a:rPr lang="en-ZA" smtClean="0"/>
-              <a:t>2020-04-20</a:t>
+              <a:t>2020-04-24</a:t>
             </a:fld>
             <a:endParaRPr lang="en-ZA"/>
           </a:p>
@@ -1171,7 +1172,7 @@
           <a:p>
             <a:fld id="{E4D37D77-59F4-4F40-A7D2-FD1165658DD5}" type="datetimeFigureOut">
               <a:rPr lang="en-ZA" smtClean="0"/>
-              <a:t>2020-04-20</a:t>
+              <a:t>2020-04-24</a:t>
             </a:fld>
             <a:endParaRPr lang="en-ZA"/>
           </a:p>
@@ -1475,7 +1476,7 @@
           <a:p>
             <a:fld id="{E4D37D77-59F4-4F40-A7D2-FD1165658DD5}" type="datetimeFigureOut">
               <a:rPr lang="en-ZA" smtClean="0"/>
-              <a:t>2020-04-20</a:t>
+              <a:t>2020-04-24</a:t>
             </a:fld>
             <a:endParaRPr lang="en-ZA"/>
           </a:p>
@@ -1897,7 +1898,7 @@
           <a:p>
             <a:fld id="{E4D37D77-59F4-4F40-A7D2-FD1165658DD5}" type="datetimeFigureOut">
               <a:rPr lang="en-ZA" smtClean="0"/>
-              <a:t>2020-04-20</a:t>
+              <a:t>2020-04-24</a:t>
             </a:fld>
             <a:endParaRPr lang="en-ZA"/>
           </a:p>
@@ -2015,7 +2016,7 @@
           <a:p>
             <a:fld id="{E4D37D77-59F4-4F40-A7D2-FD1165658DD5}" type="datetimeFigureOut">
               <a:rPr lang="en-ZA" smtClean="0"/>
-              <a:t>2020-04-20</a:t>
+              <a:t>2020-04-24</a:t>
             </a:fld>
             <a:endParaRPr lang="en-ZA"/>
           </a:p>
@@ -2110,7 +2111,7 @@
           <a:p>
             <a:fld id="{E4D37D77-59F4-4F40-A7D2-FD1165658DD5}" type="datetimeFigureOut">
               <a:rPr lang="en-ZA" smtClean="0"/>
-              <a:t>2020-04-20</a:t>
+              <a:t>2020-04-24</a:t>
             </a:fld>
             <a:endParaRPr lang="en-ZA"/>
           </a:p>
@@ -2383,7 +2384,7 @@
           <a:p>
             <a:fld id="{E4D37D77-59F4-4F40-A7D2-FD1165658DD5}" type="datetimeFigureOut">
               <a:rPr lang="en-ZA" smtClean="0"/>
-              <a:t>2020-04-20</a:t>
+              <a:t>2020-04-24</a:t>
             </a:fld>
             <a:endParaRPr lang="en-ZA"/>
           </a:p>
@@ -2648,7 +2649,7 @@
           <a:p>
             <a:fld id="{E4D37D77-59F4-4F40-A7D2-FD1165658DD5}" type="datetimeFigureOut">
               <a:rPr lang="en-ZA" smtClean="0"/>
-              <a:t>2020-04-20</a:t>
+              <a:t>2020-04-24</a:t>
             </a:fld>
             <a:endParaRPr lang="en-ZA"/>
           </a:p>
@@ -2897,7 +2898,7 @@
           <a:p>
             <a:fld id="{E4D37D77-59F4-4F40-A7D2-FD1165658DD5}" type="datetimeFigureOut">
               <a:rPr lang="en-ZA" smtClean="0"/>
-              <a:t>2020-04-20</a:t>
+              <a:t>2020-04-24</a:t>
             </a:fld>
             <a:endParaRPr lang="en-ZA"/>
           </a:p>
@@ -3436,6 +3437,14 @@
 <file path=ppt/slides/slide2.xml><?xml version="1.0" encoding="utf-8"?>
 <p:sld xmlns:a="http://schemas.openxmlformats.org/drawingml/2006/main" xmlns:r="http://schemas.openxmlformats.org/officeDocument/2006/relationships" xmlns:p="http://schemas.openxmlformats.org/presentationml/2006/main">
   <p:cSld>
+    <p:bg>
+      <p:bgPr>
+        <a:solidFill>
+          <a:schemeClr val="bg1"/>
+        </a:solidFill>
+        <a:effectLst/>
+      </p:bgPr>
+    </p:bg>
     <p:spTree>
       <p:nvGrpSpPr>
         <p:cNvPr id="1" name=""/>
@@ -3452,10 +3461,191 @@
       </p:grpSpPr>
       <p:sp>
         <p:nvSpPr>
+          <p:cNvPr id="9" name="Rectangle 8">
+            <a:extLst>
+              <a:ext uri="{FF2B5EF4-FFF2-40B4-BE49-F238E27FC236}">
+                <a16:creationId xmlns:a16="http://schemas.microsoft.com/office/drawing/2014/main" id="{5F9F5EB8-AB42-47FD-8F4A-176C0A4B1B0A}"/>
+              </a:ext>
+              <a:ext uri="{C183D7F6-B498-43B3-948B-1728B52AA6E4}">
+                <adec:decorative xmlns:adec="http://schemas.microsoft.com/office/drawing/2017/decorative" val="1"/>
+              </a:ext>
+            </a:extLst>
+          </p:cNvPr>
+          <p:cNvSpPr>
+            <a:spLocks noGrp="1" noRot="1" noChangeAspect="1" noMove="1" noResize="1" noEditPoints="1" noAdjustHandles="1" noChangeArrowheads="1" noChangeShapeType="1" noTextEdit="1"/>
+          </p:cNvSpPr>
+          <p:nvPr>
+            <p:extLst>
+              <p:ext uri="{386F3935-93C4-4BCD-93E2-E3B085C9AB24}">
+                <p16:designElem xmlns:p16="http://schemas.microsoft.com/office/powerpoint/2015/main" val="1"/>
+              </p:ext>
+            </p:extLst>
+          </p:nvPr>
+        </p:nvSpPr>
+        <p:spPr>
+          <a:xfrm>
+            <a:off x="3048" y="2059012"/>
+            <a:ext cx="12188952" cy="1828800"/>
+          </a:xfrm>
+          <a:prstGeom prst="rect">
+            <a:avLst/>
+          </a:prstGeom>
+          <a:solidFill>
+            <a:schemeClr val="tx1"/>
+          </a:solidFill>
+          <a:ln>
+            <a:noFill/>
+          </a:ln>
+        </p:spPr>
+        <p:style>
+          <a:lnRef idx="2">
+            <a:schemeClr val="accent1">
+              <a:shade val="50000"/>
+            </a:schemeClr>
+          </a:lnRef>
+          <a:fillRef idx="1">
+            <a:schemeClr val="accent1"/>
+          </a:fillRef>
+          <a:effectRef idx="0">
+            <a:schemeClr val="accent1"/>
+          </a:effectRef>
+          <a:fontRef idx="minor">
+            <a:schemeClr val="lt1"/>
+          </a:fontRef>
+        </p:style>
+      </p:sp>
+      <p:sp>
+        <p:nvSpPr>
+          <p:cNvPr id="8" name="Rectangle 10">
+            <a:extLst>
+              <a:ext uri="{FF2B5EF4-FFF2-40B4-BE49-F238E27FC236}">
+                <a16:creationId xmlns:a16="http://schemas.microsoft.com/office/drawing/2014/main" id="{8B3AE79A-6B95-44C3-B0A5-80E2F3E60606}"/>
+              </a:ext>
+              <a:ext uri="{C183D7F6-B498-43B3-948B-1728B52AA6E4}">
+                <adec:decorative xmlns:adec="http://schemas.microsoft.com/office/drawing/2017/decorative" val="1"/>
+              </a:ext>
+            </a:extLst>
+          </p:cNvPr>
+          <p:cNvSpPr>
+            <a:spLocks noGrp="1" noRot="1" noChangeAspect="1" noMove="1" noResize="1" noEditPoints="1" noAdjustHandles="1" noChangeArrowheads="1" noChangeShapeType="1" noTextEdit="1"/>
+          </p:cNvSpPr>
+          <p:nvPr>
+            <p:extLst>
+              <p:ext uri="{386F3935-93C4-4BCD-93E2-E3B085C9AB24}">
+                <p16:designElem xmlns:p16="http://schemas.microsoft.com/office/powerpoint/2015/main" val="1"/>
+              </p:ext>
+            </p:extLst>
+          </p:nvPr>
+        </p:nvSpPr>
+        <p:spPr>
+          <a:xfrm>
+            <a:off x="7540358" y="0"/>
+            <a:ext cx="4651642" cy="6858000"/>
+          </a:xfrm>
+          <a:prstGeom prst="rect">
+            <a:avLst/>
+          </a:prstGeom>
+          <a:solidFill>
+            <a:schemeClr val="tx2"/>
+          </a:solidFill>
+          <a:ln>
+            <a:noFill/>
+          </a:ln>
+        </p:spPr>
+        <p:style>
+          <a:lnRef idx="2">
+            <a:schemeClr val="accent1">
+              <a:shade val="50000"/>
+            </a:schemeClr>
+          </a:lnRef>
+          <a:fillRef idx="1">
+            <a:schemeClr val="accent1"/>
+          </a:fillRef>
+          <a:effectRef idx="0">
+            <a:schemeClr val="accent1"/>
+          </a:effectRef>
+          <a:fontRef idx="minor">
+            <a:schemeClr val="lt1"/>
+          </a:fontRef>
+        </p:style>
+        <p:txBody>
+          <a:bodyPr rtlCol="0" anchor="ctr"/>
+          <a:lstStyle/>
+          <a:p>
+            <a:pPr algn="ctr"/>
+            <a:endParaRPr lang="en-US"/>
+          </a:p>
+        </p:txBody>
+      </p:sp>
+      <p:sp>
+        <p:nvSpPr>
+          <p:cNvPr id="12" name="Rectangle 12">
+            <a:extLst>
+              <a:ext uri="{FF2B5EF4-FFF2-40B4-BE49-F238E27FC236}">
+                <a16:creationId xmlns:a16="http://schemas.microsoft.com/office/drawing/2014/main" id="{4A49FE10-080D-48D7-80FF-9A64D270AD87}"/>
+              </a:ext>
+              <a:ext uri="{C183D7F6-B498-43B3-948B-1728B52AA6E4}">
+                <adec:decorative xmlns:adec="http://schemas.microsoft.com/office/drawing/2017/decorative" val="1"/>
+              </a:ext>
+            </a:extLst>
+          </p:cNvPr>
+          <p:cNvSpPr>
+            <a:spLocks noGrp="1" noRot="1" noChangeAspect="1" noMove="1" noResize="1" noEditPoints="1" noAdjustHandles="1" noChangeArrowheads="1" noChangeShapeType="1" noTextEdit="1"/>
+          </p:cNvSpPr>
+          <p:nvPr>
+            <p:extLst>
+              <p:ext uri="{386F3935-93C4-4BCD-93E2-E3B085C9AB24}">
+                <p16:designElem xmlns:p16="http://schemas.microsoft.com/office/powerpoint/2015/main" val="1"/>
+              </p:ext>
+            </p:extLst>
+          </p:nvPr>
+        </p:nvSpPr>
+        <p:spPr>
+          <a:xfrm>
+            <a:off x="7534551" y="2054942"/>
+            <a:ext cx="4657449" cy="1828799"/>
+          </a:xfrm>
+          <a:prstGeom prst="rect">
+            <a:avLst/>
+          </a:prstGeom>
+          <a:solidFill>
+            <a:schemeClr val="bg1"/>
+          </a:solidFill>
+          <a:ln>
+            <a:noFill/>
+          </a:ln>
+        </p:spPr>
+        <p:style>
+          <a:lnRef idx="2">
+            <a:schemeClr val="accent1">
+              <a:shade val="50000"/>
+            </a:schemeClr>
+          </a:lnRef>
+          <a:fillRef idx="1">
+            <a:schemeClr val="accent1"/>
+          </a:fillRef>
+          <a:effectRef idx="0">
+            <a:schemeClr val="accent1"/>
+          </a:effectRef>
+          <a:fontRef idx="minor">
+            <a:schemeClr val="lt1"/>
+          </a:fontRef>
+        </p:style>
+        <p:txBody>
+          <a:bodyPr rtlCol="0" anchor="ctr"/>
+          <a:lstStyle/>
+          <a:p>
+            <a:pPr algn="ctr"/>
+            <a:endParaRPr lang="en-US"/>
+          </a:p>
+        </p:txBody>
+      </p:sp>
+      <p:sp>
+        <p:nvSpPr>
           <p:cNvPr id="2" name="Title 1">
             <a:extLst>
               <a:ext uri="{FF2B5EF4-FFF2-40B4-BE49-F238E27FC236}">
-                <a16:creationId xmlns:a16="http://schemas.microsoft.com/office/drawing/2014/main" id="{66EE40B8-19D6-448D-ABE0-275272528127}"/>
+                <a16:creationId xmlns:a16="http://schemas.microsoft.com/office/drawing/2014/main" id="{B16416DB-2A27-433E-9FBD-41F8848AAC03}"/>
               </a:ext>
             </a:extLst>
           </p:cNvPr>
@@ -3466,81 +3656,1145 @@
             <p:ph type="title"/>
           </p:nvPr>
         </p:nvSpPr>
-        <p:spPr/>
-        <p:txBody>
-          <a:bodyPr/>
+        <p:spPr>
+          <a:xfrm>
+            <a:off x="7865806" y="2194560"/>
+            <a:ext cx="4001729" cy="1739347"/>
+          </a:xfrm>
+        </p:spPr>
+        <p:txBody>
+          <a:bodyPr vert="horz" lIns="91440" tIns="45720" rIns="91440" bIns="45720" rtlCol="0" anchor="ctr">
+            <a:normAutofit/>
+          </a:bodyPr>
           <a:lstStyle/>
           <a:p>
-            <a:r>
-              <a:rPr lang="en-US" dirty="0"/>
-              <a:t>Theoretical Work</a:t>
-            </a:r>
-            <a:endParaRPr lang="en-ZA" dirty="0"/>
-          </a:p>
-        </p:txBody>
-      </p:sp>
-      <p:sp>
-        <p:nvSpPr>
-          <p:cNvPr id="3" name="Content Placeholder 2">
+            <a:pPr algn="ctr">
+              <a:lnSpc>
+                <a:spcPct val="80000"/>
+              </a:lnSpc>
+            </a:pPr>
+            <a:r>
+              <a:rPr lang="en-US" sz="4800" spc="150">
+                <a:solidFill>
+                  <a:schemeClr val="tx2"/>
+                </a:solidFill>
+              </a:rPr>
+              <a:t>File Hierarchy</a:t>
+            </a:r>
+          </a:p>
+        </p:txBody>
+      </p:sp>
+      <p:sp>
+        <p:nvSpPr>
+          <p:cNvPr id="15" name="Rectangle 14">
             <a:extLst>
               <a:ext uri="{FF2B5EF4-FFF2-40B4-BE49-F238E27FC236}">
-                <a16:creationId xmlns:a16="http://schemas.microsoft.com/office/drawing/2014/main" id="{951FE052-8422-41CB-9F64-A653AB22B3D4}"/>
+                <a16:creationId xmlns:a16="http://schemas.microsoft.com/office/drawing/2014/main" id="{60A9E987-6859-4A62-922F-51B47D50D793}"/>
+              </a:ext>
+              <a:ext uri="{C183D7F6-B498-43B3-948B-1728B52AA6E4}">
+                <adec:decorative xmlns:adec="http://schemas.microsoft.com/office/drawing/2017/decorative" val="1"/>
               </a:ext>
             </a:extLst>
           </p:cNvPr>
           <p:cNvSpPr>
-            <a:spLocks noGrp="1"/>
-          </p:cNvSpPr>
-          <p:nvPr>
-            <p:ph idx="1"/>
+            <a:spLocks noGrp="1" noRot="1" noChangeAspect="1" noMove="1" noResize="1" noEditPoints="1" noAdjustHandles="1" noChangeArrowheads="1" noChangeShapeType="1" noTextEdit="1"/>
+          </p:cNvSpPr>
+          <p:nvPr>
+            <p:extLst>
+              <p:ext uri="{386F3935-93C4-4BCD-93E2-E3B085C9AB24}">
+                <p16:designElem xmlns:p16="http://schemas.microsoft.com/office/powerpoint/2015/main" val="1"/>
+              </p:ext>
+            </p:extLst>
           </p:nvPr>
         </p:nvSpPr>
         <p:spPr>
           <a:xfrm>
-            <a:off x="1202919" y="2011680"/>
-            <a:ext cx="9784080" cy="4206240"/>
+            <a:off x="0" y="0"/>
+            <a:ext cx="7540358" cy="6858000"/>
           </a:xfrm>
+          <a:prstGeom prst="rect">
+            <a:avLst/>
+          </a:prstGeom>
+          <a:solidFill>
+            <a:schemeClr val="bg1"/>
+          </a:solidFill>
+          <a:ln>
+            <a:noFill/>
+          </a:ln>
         </p:spPr>
-        <p:txBody>
-          <a:bodyPr>
-            <a:normAutofit/>
-          </a:bodyPr>
+        <p:style>
+          <a:lnRef idx="2">
+            <a:schemeClr val="accent1">
+              <a:shade val="50000"/>
+            </a:schemeClr>
+          </a:lnRef>
+          <a:fillRef idx="1001">
+            <a:schemeClr val="lt1"/>
+          </a:fillRef>
+          <a:effectRef idx="0">
+            <a:schemeClr val="accent1"/>
+          </a:effectRef>
+          <a:fontRef idx="minor">
+            <a:schemeClr val="lt1"/>
+          </a:fontRef>
+        </p:style>
+        <p:txBody>
+          <a:bodyPr rtlCol="0" anchor="ctr"/>
           <a:lstStyle/>
           <a:p>
-            <a:r>
-              <a:rPr lang="en-US" dirty="0"/>
-              <a:t>Code</a:t>
-            </a:r>
-          </a:p>
-          <a:p>
-            <a:pPr lvl="1"/>
-            <a:r>
-              <a:rPr lang="en-US" dirty="0"/>
-              <a:t>Python library setup</a:t>
-            </a:r>
-          </a:p>
-          <a:p>
-            <a:pPr lvl="2"/>
-            <a:r>
-              <a:rPr lang="en-US" dirty="0"/>
-              <a:t>License?</a:t>
-            </a:r>
-          </a:p>
-          <a:p>
-            <a:pPr lvl="2"/>
+            <a:pPr algn="ctr"/>
             <a:endParaRPr lang="en-US" dirty="0"/>
           </a:p>
         </p:txBody>
       </p:sp>
+      <p:pic>
+        <p:nvPicPr>
+          <p:cNvPr id="4" name="Picture 3" descr="A close up of a map&#10;&#10;Description automatically generated">
+            <a:extLst>
+              <a:ext uri="{FF2B5EF4-FFF2-40B4-BE49-F238E27FC236}">
+                <a16:creationId xmlns:a16="http://schemas.microsoft.com/office/drawing/2014/main" id="{8F27178F-7598-4EA7-B86D-D148CAE838EF}"/>
+              </a:ext>
+            </a:extLst>
+          </p:cNvPr>
+          <p:cNvPicPr>
+            <a:picLocks noChangeAspect="1"/>
+          </p:cNvPicPr>
+          <p:nvPr/>
+        </p:nvPicPr>
+        <p:blipFill>
+          <a:blip r:embed="rId2">
+            <a:extLst>
+              <a:ext uri="{28A0092B-C50C-407E-A947-70E740481C1C}">
+                <a14:useLocalDpi xmlns:a14="http://schemas.microsoft.com/office/drawing/2010/main" val="0"/>
+              </a:ext>
+            </a:extLst>
+          </a:blip>
+          <a:stretch>
+            <a:fillRect/>
+          </a:stretch>
+        </p:blipFill>
+        <p:spPr>
+          <a:xfrm>
+            <a:off x="634275" y="676078"/>
+            <a:ext cx="6266001" cy="5464397"/>
+          </a:xfrm>
+          <a:prstGeom prst="rect">
+            <a:avLst/>
+          </a:prstGeom>
+        </p:spPr>
+      </p:pic>
+      <p:graphicFrame>
+        <p:nvGraphicFramePr>
+          <p:cNvPr id="3" name="Table 4">
+            <a:extLst>
+              <a:ext uri="{FF2B5EF4-FFF2-40B4-BE49-F238E27FC236}">
+                <a16:creationId xmlns:a16="http://schemas.microsoft.com/office/drawing/2014/main" id="{E1E619E1-BA23-4375-A918-EC780D614B73}"/>
+              </a:ext>
+            </a:extLst>
+          </p:cNvPr>
+          <p:cNvGraphicFramePr>
+            <a:graphicFrameLocks noGrp="1"/>
+          </p:cNvGraphicFramePr>
+          <p:nvPr>
+            <p:extLst>
+              <p:ext uri="{D42A27DB-BD31-4B8C-83A1-F6EECF244321}">
+                <p14:modId xmlns:p14="http://schemas.microsoft.com/office/powerpoint/2010/main" val="2596591026"/>
+              </p:ext>
+            </p:extLst>
+          </p:nvPr>
+        </p:nvGraphicFramePr>
+        <p:xfrm>
+          <a:off x="6708378" y="3883741"/>
+          <a:ext cx="5483622" cy="1950720"/>
+        </p:xfrm>
+        <a:graphic>
+          <a:graphicData uri="http://schemas.openxmlformats.org/drawingml/2006/table">
+            <a:tbl>
+              <a:tblPr firstRow="1" bandRow="1">
+                <a:tableStyleId>{5C22544A-7EE6-4342-B048-85BDC9FD1C3A}</a:tableStyleId>
+              </a:tblPr>
+              <a:tblGrid>
+                <a:gridCol w="549593">
+                  <a:extLst>
+                    <a:ext uri="{9D8B030D-6E8A-4147-A177-3AD203B41FA5}">
+                      <a16:colId xmlns:a16="http://schemas.microsoft.com/office/drawing/2014/main" val="4238661218"/>
+                    </a:ext>
+                  </a:extLst>
+                </a:gridCol>
+                <a:gridCol w="2016331">
+                  <a:extLst>
+                    <a:ext uri="{9D8B030D-6E8A-4147-A177-3AD203B41FA5}">
+                      <a16:colId xmlns:a16="http://schemas.microsoft.com/office/drawing/2014/main" val="3564433887"/>
+                    </a:ext>
+                  </a:extLst>
+                </a:gridCol>
+                <a:gridCol w="2917698">
+                  <a:extLst>
+                    <a:ext uri="{9D8B030D-6E8A-4147-A177-3AD203B41FA5}">
+                      <a16:colId xmlns:a16="http://schemas.microsoft.com/office/drawing/2014/main" val="4256588295"/>
+                    </a:ext>
+                  </a:extLst>
+                </a:gridCol>
+              </a:tblGrid>
+              <a:tr h="468563">
+                <a:tc>
+                  <a:txBody>
+                    <a:bodyPr/>
+                    <a:lstStyle/>
+                    <a:p>
+                      <a:r>
+                        <a:rPr lang="en-US" sz="1400" b="0" dirty="0" err="1">
+                          <a:solidFill>
+                            <a:schemeClr val="tx1"/>
+                          </a:solidFill>
+                        </a:rPr>
+                        <a:t>x_e</a:t>
+                      </a:r>
+                      <a:endParaRPr lang="en-ZA" sz="1400" b="0" dirty="0">
+                        <a:solidFill>
+                          <a:schemeClr val="tx1"/>
+                        </a:solidFill>
+                      </a:endParaRPr>
+                    </a:p>
+                  </a:txBody>
+                  <a:tcPr anchor="ctr">
+                    <a:lnR w="12700" cap="flat" cmpd="sng" algn="ctr">
+                      <a:solidFill>
+                        <a:schemeClr val="tx2">
+                          <a:lumMod val="50000"/>
+                        </a:schemeClr>
+                      </a:solidFill>
+                      <a:prstDash val="solid"/>
+                      <a:round/>
+                      <a:headEnd type="none" w="med" len="med"/>
+                      <a:tailEnd type="none" w="med" len="med"/>
+                    </a:lnR>
+                    <a:lnB w="12700" cap="flat" cmpd="sng" algn="ctr">
+                      <a:solidFill>
+                        <a:schemeClr val="tx2">
+                          <a:lumMod val="50000"/>
+                        </a:schemeClr>
+                      </a:solidFill>
+                      <a:prstDash val="solid"/>
+                      <a:round/>
+                      <a:headEnd type="none" w="med" len="med"/>
+                      <a:tailEnd type="none" w="med" len="med"/>
+                    </a:lnB>
+                    <a:solidFill>
+                      <a:schemeClr val="bg1"/>
+                    </a:solidFill>
+                  </a:tcPr>
+                </a:tc>
+                <a:tc>
+                  <a:txBody>
+                    <a:bodyPr/>
+                    <a:lstStyle/>
+                    <a:p>
+                      <a:r>
+                        <a:rPr lang="en-US" sz="1400" b="0" dirty="0">
+                          <a:solidFill>
+                            <a:schemeClr val="tx1"/>
+                          </a:solidFill>
+                        </a:rPr>
+                        <a:t>The number of elements in the x-direction</a:t>
+                      </a:r>
+                      <a:endParaRPr lang="en-ZA" sz="1400" b="0" dirty="0">
+                        <a:solidFill>
+                          <a:schemeClr val="tx1"/>
+                        </a:solidFill>
+                      </a:endParaRPr>
+                    </a:p>
+                  </a:txBody>
+                  <a:tcPr anchor="ctr">
+                    <a:lnL w="12700" cap="flat" cmpd="sng" algn="ctr">
+                      <a:solidFill>
+                        <a:schemeClr val="tx2">
+                          <a:lumMod val="50000"/>
+                        </a:schemeClr>
+                      </a:solidFill>
+                      <a:prstDash val="solid"/>
+                      <a:round/>
+                      <a:headEnd type="none" w="med" len="med"/>
+                      <a:tailEnd type="none" w="med" len="med"/>
+                    </a:lnL>
+                    <a:lnR w="12700" cap="flat" cmpd="sng" algn="ctr">
+                      <a:solidFill>
+                        <a:schemeClr val="tx2">
+                          <a:lumMod val="50000"/>
+                        </a:schemeClr>
+                      </a:solidFill>
+                      <a:prstDash val="solid"/>
+                      <a:round/>
+                      <a:headEnd type="none" w="med" len="med"/>
+                      <a:tailEnd type="none" w="med" len="med"/>
+                    </a:lnR>
+                    <a:lnB w="12700" cap="flat" cmpd="sng" algn="ctr">
+                      <a:solidFill>
+                        <a:schemeClr val="tx2">
+                          <a:lumMod val="50000"/>
+                        </a:schemeClr>
+                      </a:solidFill>
+                      <a:prstDash val="solid"/>
+                      <a:round/>
+                      <a:headEnd type="none" w="med" len="med"/>
+                      <a:tailEnd type="none" w="med" len="med"/>
+                    </a:lnB>
+                    <a:solidFill>
+                      <a:schemeClr val="bg1"/>
+                    </a:solidFill>
+                  </a:tcPr>
+                </a:tc>
+                <a:tc>
+                  <a:txBody>
+                    <a:bodyPr/>
+                    <a:lstStyle/>
+                    <a:p>
+                      <a:r>
+                        <a:rPr lang="en-US" sz="1400" b="0" dirty="0">
+                          <a:solidFill>
+                            <a:schemeClr val="tx1"/>
+                          </a:solidFill>
+                        </a:rPr>
+                        <a:t>5</a:t>
+                      </a:r>
+                      <a:endParaRPr lang="en-ZA" sz="1400" b="0" dirty="0">
+                        <a:solidFill>
+                          <a:schemeClr val="tx1"/>
+                        </a:solidFill>
+                      </a:endParaRPr>
+                    </a:p>
+                  </a:txBody>
+                  <a:tcPr anchor="ctr">
+                    <a:lnL w="12700" cap="flat" cmpd="sng" algn="ctr">
+                      <a:solidFill>
+                        <a:schemeClr val="tx2">
+                          <a:lumMod val="50000"/>
+                        </a:schemeClr>
+                      </a:solidFill>
+                      <a:prstDash val="solid"/>
+                      <a:round/>
+                      <a:headEnd type="none" w="med" len="med"/>
+                      <a:tailEnd type="none" w="med" len="med"/>
+                    </a:lnL>
+                    <a:lnB w="12700" cap="flat" cmpd="sng" algn="ctr">
+                      <a:solidFill>
+                        <a:schemeClr val="tx2">
+                          <a:lumMod val="50000"/>
+                        </a:schemeClr>
+                      </a:solidFill>
+                      <a:prstDash val="solid"/>
+                      <a:round/>
+                      <a:headEnd type="none" w="med" len="med"/>
+                      <a:tailEnd type="none" w="med" len="med"/>
+                    </a:lnB>
+                    <a:solidFill>
+                      <a:schemeClr val="bg1"/>
+                    </a:solidFill>
+                  </a:tcPr>
+                </a:tc>
+                <a:extLst>
+                  <a:ext uri="{0D108BD9-81ED-4DB2-BD59-A6C34878D82A}">
+                    <a16:rowId xmlns:a16="http://schemas.microsoft.com/office/drawing/2014/main" val="1680079461"/>
+                  </a:ext>
+                </a:extLst>
+              </a:tr>
+              <a:tr h="468563">
+                <a:tc>
+                  <a:txBody>
+                    <a:bodyPr/>
+                    <a:lstStyle/>
+                    <a:p>
+                      <a:r>
+                        <a:rPr lang="en-US" sz="1400" b="0" dirty="0" err="1">
+                          <a:solidFill>
+                            <a:schemeClr val="tx1"/>
+                          </a:solidFill>
+                        </a:rPr>
+                        <a:t>y_e</a:t>
+                      </a:r>
+                      <a:endParaRPr lang="en-ZA" sz="1400" b="0" dirty="0">
+                        <a:solidFill>
+                          <a:schemeClr val="tx1"/>
+                        </a:solidFill>
+                      </a:endParaRPr>
+                    </a:p>
+                  </a:txBody>
+                  <a:tcPr anchor="ctr">
+                    <a:lnR w="12700" cap="flat" cmpd="sng" algn="ctr">
+                      <a:solidFill>
+                        <a:schemeClr val="tx2">
+                          <a:lumMod val="50000"/>
+                        </a:schemeClr>
+                      </a:solidFill>
+                      <a:prstDash val="solid"/>
+                      <a:round/>
+                      <a:headEnd type="none" w="med" len="med"/>
+                      <a:tailEnd type="none" w="med" len="med"/>
+                    </a:lnR>
+                    <a:lnT w="12700" cap="flat" cmpd="sng" algn="ctr">
+                      <a:solidFill>
+                        <a:schemeClr val="tx2">
+                          <a:lumMod val="50000"/>
+                        </a:schemeClr>
+                      </a:solidFill>
+                      <a:prstDash val="solid"/>
+                      <a:round/>
+                      <a:headEnd type="none" w="med" len="med"/>
+                      <a:tailEnd type="none" w="med" len="med"/>
+                    </a:lnT>
+                    <a:lnB w="12700" cap="flat" cmpd="sng" algn="ctr">
+                      <a:solidFill>
+                        <a:schemeClr val="tx2">
+                          <a:lumMod val="50000"/>
+                        </a:schemeClr>
+                      </a:solidFill>
+                      <a:prstDash val="solid"/>
+                      <a:round/>
+                      <a:headEnd type="none" w="med" len="med"/>
+                      <a:tailEnd type="none" w="med" len="med"/>
+                    </a:lnB>
+                    <a:solidFill>
+                      <a:schemeClr val="bg1"/>
+                    </a:solidFill>
+                  </a:tcPr>
+                </a:tc>
+                <a:tc>
+                  <a:txBody>
+                    <a:bodyPr/>
+                    <a:lstStyle/>
+                    <a:p>
+                      <a:r>
+                        <a:rPr lang="en-US" sz="1400" b="0" dirty="0">
+                          <a:solidFill>
+                            <a:schemeClr val="tx1"/>
+                          </a:solidFill>
+                        </a:rPr>
+                        <a:t>The number of elements in the y-direction</a:t>
+                      </a:r>
+                      <a:endParaRPr lang="en-ZA" sz="1400" b="0" dirty="0">
+                        <a:solidFill>
+                          <a:schemeClr val="tx1"/>
+                        </a:solidFill>
+                      </a:endParaRPr>
+                    </a:p>
+                  </a:txBody>
+                  <a:tcPr anchor="ctr">
+                    <a:lnL w="12700" cap="flat" cmpd="sng" algn="ctr">
+                      <a:solidFill>
+                        <a:schemeClr val="tx2">
+                          <a:lumMod val="50000"/>
+                        </a:schemeClr>
+                      </a:solidFill>
+                      <a:prstDash val="solid"/>
+                      <a:round/>
+                      <a:headEnd type="none" w="med" len="med"/>
+                      <a:tailEnd type="none" w="med" len="med"/>
+                    </a:lnL>
+                    <a:lnR w="12700" cap="flat" cmpd="sng" algn="ctr">
+                      <a:solidFill>
+                        <a:schemeClr val="tx2">
+                          <a:lumMod val="50000"/>
+                        </a:schemeClr>
+                      </a:solidFill>
+                      <a:prstDash val="solid"/>
+                      <a:round/>
+                      <a:headEnd type="none" w="med" len="med"/>
+                      <a:tailEnd type="none" w="med" len="med"/>
+                    </a:lnR>
+                    <a:lnT w="12700" cap="flat" cmpd="sng" algn="ctr">
+                      <a:solidFill>
+                        <a:schemeClr val="tx2">
+                          <a:lumMod val="50000"/>
+                        </a:schemeClr>
+                      </a:solidFill>
+                      <a:prstDash val="solid"/>
+                      <a:round/>
+                      <a:headEnd type="none" w="med" len="med"/>
+                      <a:tailEnd type="none" w="med" len="med"/>
+                    </a:lnT>
+                    <a:lnB w="12700" cap="flat" cmpd="sng" algn="ctr">
+                      <a:solidFill>
+                        <a:schemeClr val="tx2">
+                          <a:lumMod val="50000"/>
+                        </a:schemeClr>
+                      </a:solidFill>
+                      <a:prstDash val="solid"/>
+                      <a:round/>
+                      <a:headEnd type="none" w="med" len="med"/>
+                      <a:tailEnd type="none" w="med" len="med"/>
+                    </a:lnB>
+                    <a:solidFill>
+                      <a:schemeClr val="bg1"/>
+                    </a:solidFill>
+                  </a:tcPr>
+                </a:tc>
+                <a:tc>
+                  <a:txBody>
+                    <a:bodyPr/>
+                    <a:lstStyle/>
+                    <a:p>
+                      <a:r>
+                        <a:rPr lang="en-US" sz="1400" b="0" dirty="0">
+                          <a:solidFill>
+                            <a:schemeClr val="tx1"/>
+                          </a:solidFill>
+                        </a:rPr>
+                        <a:t>5</a:t>
+                      </a:r>
+                      <a:endParaRPr lang="en-ZA" sz="1400" b="0" dirty="0">
+                        <a:solidFill>
+                          <a:schemeClr val="tx1"/>
+                        </a:solidFill>
+                      </a:endParaRPr>
+                    </a:p>
+                  </a:txBody>
+                  <a:tcPr anchor="ctr">
+                    <a:lnL w="12700" cap="flat" cmpd="sng" algn="ctr">
+                      <a:solidFill>
+                        <a:schemeClr val="tx2">
+                          <a:lumMod val="50000"/>
+                        </a:schemeClr>
+                      </a:solidFill>
+                      <a:prstDash val="solid"/>
+                      <a:round/>
+                      <a:headEnd type="none" w="med" len="med"/>
+                      <a:tailEnd type="none" w="med" len="med"/>
+                    </a:lnL>
+                    <a:lnT w="12700" cap="flat" cmpd="sng" algn="ctr">
+                      <a:solidFill>
+                        <a:schemeClr val="tx2">
+                          <a:lumMod val="50000"/>
+                        </a:schemeClr>
+                      </a:solidFill>
+                      <a:prstDash val="solid"/>
+                      <a:round/>
+                      <a:headEnd type="none" w="med" len="med"/>
+                      <a:tailEnd type="none" w="med" len="med"/>
+                    </a:lnT>
+                    <a:lnB w="12700" cap="flat" cmpd="sng" algn="ctr">
+                      <a:solidFill>
+                        <a:schemeClr val="tx2">
+                          <a:lumMod val="50000"/>
+                        </a:schemeClr>
+                      </a:solidFill>
+                      <a:prstDash val="solid"/>
+                      <a:round/>
+                      <a:headEnd type="none" w="med" len="med"/>
+                      <a:tailEnd type="none" w="med" len="med"/>
+                    </a:lnB>
+                    <a:solidFill>
+                      <a:schemeClr val="bg1"/>
+                    </a:solidFill>
+                  </a:tcPr>
+                </a:tc>
+                <a:extLst>
+                  <a:ext uri="{0D108BD9-81ED-4DB2-BD59-A6C34878D82A}">
+                    <a16:rowId xmlns:a16="http://schemas.microsoft.com/office/drawing/2014/main" val="830187932"/>
+                  </a:ext>
+                </a:extLst>
+              </a:tr>
+              <a:tr h="275625">
+                <a:tc>
+                  <a:txBody>
+                    <a:bodyPr/>
+                    <a:lstStyle/>
+                    <a:p>
+                      <a:r>
+                        <a:rPr lang="en-US" sz="1400" b="0" dirty="0">
+                          <a:solidFill>
+                            <a:schemeClr val="tx1"/>
+                          </a:solidFill>
+                        </a:rPr>
+                        <a:t>case</a:t>
+                      </a:r>
+                      <a:endParaRPr lang="en-ZA" sz="1400" b="0" dirty="0">
+                        <a:solidFill>
+                          <a:schemeClr val="tx1"/>
+                        </a:solidFill>
+                      </a:endParaRPr>
+                    </a:p>
+                  </a:txBody>
+                  <a:tcPr anchor="ctr">
+                    <a:lnR w="12700" cap="flat" cmpd="sng" algn="ctr">
+                      <a:solidFill>
+                        <a:schemeClr val="tx2">
+                          <a:lumMod val="50000"/>
+                        </a:schemeClr>
+                      </a:solidFill>
+                      <a:prstDash val="solid"/>
+                      <a:round/>
+                      <a:headEnd type="none" w="med" len="med"/>
+                      <a:tailEnd type="none" w="med" len="med"/>
+                    </a:lnR>
+                    <a:lnT w="12700" cap="flat" cmpd="sng" algn="ctr">
+                      <a:solidFill>
+                        <a:schemeClr val="tx2">
+                          <a:lumMod val="50000"/>
+                        </a:schemeClr>
+                      </a:solidFill>
+                      <a:prstDash val="solid"/>
+                      <a:round/>
+                      <a:headEnd type="none" w="med" len="med"/>
+                      <a:tailEnd type="none" w="med" len="med"/>
+                    </a:lnT>
+                    <a:lnB w="12700" cap="flat" cmpd="sng" algn="ctr">
+                      <a:solidFill>
+                        <a:schemeClr val="tx2">
+                          <a:lumMod val="50000"/>
+                        </a:schemeClr>
+                      </a:solidFill>
+                      <a:prstDash val="solid"/>
+                      <a:round/>
+                      <a:headEnd type="none" w="med" len="med"/>
+                      <a:tailEnd type="none" w="med" len="med"/>
+                    </a:lnB>
+                    <a:solidFill>
+                      <a:schemeClr val="bg1"/>
+                    </a:solidFill>
+                  </a:tcPr>
+                </a:tc>
+                <a:tc>
+                  <a:txBody>
+                    <a:bodyPr/>
+                    <a:lstStyle/>
+                    <a:p>
+                      <a:r>
+                        <a:rPr lang="en-US" sz="1400" b="0" dirty="0">
+                          <a:solidFill>
+                            <a:schemeClr val="tx1"/>
+                          </a:solidFill>
+                        </a:rPr>
+                        <a:t>The case identifier</a:t>
+                      </a:r>
+                      <a:endParaRPr lang="en-ZA" sz="1400" b="0" dirty="0">
+                        <a:solidFill>
+                          <a:schemeClr val="tx1"/>
+                        </a:solidFill>
+                      </a:endParaRPr>
+                    </a:p>
+                  </a:txBody>
+                  <a:tcPr anchor="ctr">
+                    <a:lnL w="12700" cap="flat" cmpd="sng" algn="ctr">
+                      <a:solidFill>
+                        <a:schemeClr val="tx2">
+                          <a:lumMod val="50000"/>
+                        </a:schemeClr>
+                      </a:solidFill>
+                      <a:prstDash val="solid"/>
+                      <a:round/>
+                      <a:headEnd type="none" w="med" len="med"/>
+                      <a:tailEnd type="none" w="med" len="med"/>
+                    </a:lnL>
+                    <a:lnR w="12700" cap="flat" cmpd="sng" algn="ctr">
+                      <a:solidFill>
+                        <a:schemeClr val="tx2">
+                          <a:lumMod val="50000"/>
+                        </a:schemeClr>
+                      </a:solidFill>
+                      <a:prstDash val="solid"/>
+                      <a:round/>
+                      <a:headEnd type="none" w="med" len="med"/>
+                      <a:tailEnd type="none" w="med" len="med"/>
+                    </a:lnR>
+                    <a:lnT w="12700" cap="flat" cmpd="sng" algn="ctr">
+                      <a:solidFill>
+                        <a:schemeClr val="tx2">
+                          <a:lumMod val="50000"/>
+                        </a:schemeClr>
+                      </a:solidFill>
+                      <a:prstDash val="solid"/>
+                      <a:round/>
+                      <a:headEnd type="none" w="med" len="med"/>
+                      <a:tailEnd type="none" w="med" len="med"/>
+                    </a:lnT>
+                    <a:lnB w="12700" cap="flat" cmpd="sng" algn="ctr">
+                      <a:solidFill>
+                        <a:schemeClr val="tx2">
+                          <a:lumMod val="50000"/>
+                        </a:schemeClr>
+                      </a:solidFill>
+                      <a:prstDash val="solid"/>
+                      <a:round/>
+                      <a:headEnd type="none" w="med" len="med"/>
+                      <a:tailEnd type="none" w="med" len="med"/>
+                    </a:lnB>
+                    <a:solidFill>
+                      <a:schemeClr val="bg1"/>
+                    </a:solidFill>
+                  </a:tcPr>
+                </a:tc>
+                <a:tc>
+                  <a:txBody>
+                    <a:bodyPr/>
+                    <a:lstStyle/>
+                    <a:p>
+                      <a:r>
+                        <a:rPr lang="en-US" sz="1400" b="0" dirty="0">
+                          <a:solidFill>
+                            <a:schemeClr val="tx1"/>
+                          </a:solidFill>
+                        </a:rPr>
+                        <a:t>1</a:t>
+                      </a:r>
+                      <a:endParaRPr lang="en-ZA" sz="1400" b="0" dirty="0">
+                        <a:solidFill>
+                          <a:schemeClr val="tx1"/>
+                        </a:solidFill>
+                      </a:endParaRPr>
+                    </a:p>
+                  </a:txBody>
+                  <a:tcPr anchor="ctr">
+                    <a:lnL w="12700" cap="flat" cmpd="sng" algn="ctr">
+                      <a:solidFill>
+                        <a:schemeClr val="tx2">
+                          <a:lumMod val="50000"/>
+                        </a:schemeClr>
+                      </a:solidFill>
+                      <a:prstDash val="solid"/>
+                      <a:round/>
+                      <a:headEnd type="none" w="med" len="med"/>
+                      <a:tailEnd type="none" w="med" len="med"/>
+                    </a:lnL>
+                    <a:lnT w="12700" cap="flat" cmpd="sng" algn="ctr">
+                      <a:solidFill>
+                        <a:schemeClr val="tx2">
+                          <a:lumMod val="50000"/>
+                        </a:schemeClr>
+                      </a:solidFill>
+                      <a:prstDash val="solid"/>
+                      <a:round/>
+                      <a:headEnd type="none" w="med" len="med"/>
+                      <a:tailEnd type="none" w="med" len="med"/>
+                    </a:lnT>
+                    <a:lnB w="12700" cap="flat" cmpd="sng" algn="ctr">
+                      <a:solidFill>
+                        <a:schemeClr val="tx2">
+                          <a:lumMod val="50000"/>
+                        </a:schemeClr>
+                      </a:solidFill>
+                      <a:prstDash val="solid"/>
+                      <a:round/>
+                      <a:headEnd type="none" w="med" len="med"/>
+                      <a:tailEnd type="none" w="med" len="med"/>
+                    </a:lnB>
+                    <a:solidFill>
+                      <a:schemeClr val="bg1"/>
+                    </a:solidFill>
+                  </a:tcPr>
+                </a:tc>
+                <a:extLst>
+                  <a:ext uri="{0D108BD9-81ED-4DB2-BD59-A6C34878D82A}">
+                    <a16:rowId xmlns:a16="http://schemas.microsoft.com/office/drawing/2014/main" val="1851076095"/>
+                  </a:ext>
+                </a:extLst>
+              </a:tr>
+              <a:tr h="275625">
+                <a:tc>
+                  <a:txBody>
+                    <a:bodyPr/>
+                    <a:lstStyle/>
+                    <a:p>
+                      <a:r>
+                        <a:rPr lang="en-US" sz="1400" b="0" dirty="0">
+                          <a:solidFill>
+                            <a:schemeClr val="tx1"/>
+                          </a:solidFill>
+                        </a:rPr>
+                        <a:t>ID</a:t>
+                      </a:r>
+                      <a:endParaRPr lang="en-ZA" sz="1400" b="0" dirty="0">
+                        <a:solidFill>
+                          <a:schemeClr val="tx1"/>
+                        </a:solidFill>
+                      </a:endParaRPr>
+                    </a:p>
+                  </a:txBody>
+                  <a:tcPr anchor="ctr">
+                    <a:lnR w="12700" cap="flat" cmpd="sng" algn="ctr">
+                      <a:solidFill>
+                        <a:schemeClr val="tx2">
+                          <a:lumMod val="50000"/>
+                        </a:schemeClr>
+                      </a:solidFill>
+                      <a:prstDash val="solid"/>
+                      <a:round/>
+                      <a:headEnd type="none" w="med" len="med"/>
+                      <a:tailEnd type="none" w="med" len="med"/>
+                    </a:lnR>
+                    <a:lnT w="12700" cap="flat" cmpd="sng" algn="ctr">
+                      <a:solidFill>
+                        <a:schemeClr val="tx2">
+                          <a:lumMod val="50000"/>
+                        </a:schemeClr>
+                      </a:solidFill>
+                      <a:prstDash val="solid"/>
+                      <a:round/>
+                      <a:headEnd type="none" w="med" len="med"/>
+                      <a:tailEnd type="none" w="med" len="med"/>
+                    </a:lnT>
+                    <a:lnB w="12700" cap="flat" cmpd="sng" algn="ctr">
+                      <a:solidFill>
+                        <a:schemeClr val="tx2">
+                          <a:lumMod val="50000"/>
+                        </a:schemeClr>
+                      </a:solidFill>
+                      <a:prstDash val="solid"/>
+                      <a:round/>
+                      <a:headEnd type="none" w="med" len="med"/>
+                      <a:tailEnd type="none" w="med" len="med"/>
+                    </a:lnB>
+                    <a:solidFill>
+                      <a:schemeClr val="bg1"/>
+                    </a:solidFill>
+                  </a:tcPr>
+                </a:tc>
+                <a:tc>
+                  <a:txBody>
+                    <a:bodyPr/>
+                    <a:lstStyle/>
+                    <a:p>
+                      <a:r>
+                        <a:rPr lang="en-US" sz="1400" b="0" dirty="0">
+                          <a:solidFill>
+                            <a:schemeClr val="tx1"/>
+                          </a:solidFill>
+                        </a:rPr>
+                        <a:t>The unique model ID</a:t>
+                      </a:r>
+                      <a:endParaRPr lang="en-ZA" sz="1400" b="0" dirty="0">
+                        <a:solidFill>
+                          <a:schemeClr val="tx1"/>
+                        </a:solidFill>
+                      </a:endParaRPr>
+                    </a:p>
+                  </a:txBody>
+                  <a:tcPr anchor="ctr">
+                    <a:lnL w="12700" cap="flat" cmpd="sng" algn="ctr">
+                      <a:solidFill>
+                        <a:schemeClr val="tx2">
+                          <a:lumMod val="50000"/>
+                        </a:schemeClr>
+                      </a:solidFill>
+                      <a:prstDash val="solid"/>
+                      <a:round/>
+                      <a:headEnd type="none" w="med" len="med"/>
+                      <a:tailEnd type="none" w="med" len="med"/>
+                    </a:lnL>
+                    <a:lnR w="12700" cap="flat" cmpd="sng" algn="ctr">
+                      <a:solidFill>
+                        <a:schemeClr val="tx2">
+                          <a:lumMod val="50000"/>
+                        </a:schemeClr>
+                      </a:solidFill>
+                      <a:prstDash val="solid"/>
+                      <a:round/>
+                      <a:headEnd type="none" w="med" len="med"/>
+                      <a:tailEnd type="none" w="med" len="med"/>
+                    </a:lnR>
+                    <a:lnT w="12700" cap="flat" cmpd="sng" algn="ctr">
+                      <a:solidFill>
+                        <a:schemeClr val="tx2">
+                          <a:lumMod val="50000"/>
+                        </a:schemeClr>
+                      </a:solidFill>
+                      <a:prstDash val="solid"/>
+                      <a:round/>
+                      <a:headEnd type="none" w="med" len="med"/>
+                      <a:tailEnd type="none" w="med" len="med"/>
+                    </a:lnT>
+                    <a:lnB w="12700" cap="flat" cmpd="sng" algn="ctr">
+                      <a:solidFill>
+                        <a:schemeClr val="tx2">
+                          <a:lumMod val="50000"/>
+                        </a:schemeClr>
+                      </a:solidFill>
+                      <a:prstDash val="solid"/>
+                      <a:round/>
+                      <a:headEnd type="none" w="med" len="med"/>
+                      <a:tailEnd type="none" w="med" len="med"/>
+                    </a:lnB>
+                    <a:solidFill>
+                      <a:schemeClr val="bg1"/>
+                    </a:solidFill>
+                  </a:tcPr>
+                </a:tc>
+                <a:tc>
+                  <a:txBody>
+                    <a:bodyPr/>
+                    <a:lstStyle/>
+                    <a:p>
+                      <a:pPr marL="0" marR="0" lvl="0" indent="0" algn="l" defTabSz="914400" rtl="0" eaLnBrk="1" fontAlgn="auto" latinLnBrk="0" hangingPunct="1">
+                        <a:lnSpc>
+                          <a:spcPct val="100000"/>
+                        </a:lnSpc>
+                        <a:spcBef>
+                          <a:spcPts val="0"/>
+                        </a:spcBef>
+                        <a:spcAft>
+                          <a:spcPts val="0"/>
+                        </a:spcAft>
+                        <a:buClrTx/>
+                        <a:buSzTx/>
+                        <a:buFontTx/>
+                        <a:buNone/>
+                        <a:tabLst/>
+                        <a:defRPr/>
+                      </a:pPr>
+                      <a:r>
+                        <a:rPr lang="en-ZA" sz="1400" b="0" kern="1200" dirty="0">
+                          <a:solidFill>
+                            <a:schemeClr val="dk1"/>
+                          </a:solidFill>
+                          <a:effectLst/>
+                          <a:latin typeface="+mn-lt"/>
+                          <a:ea typeface="+mn-ea"/>
+                          <a:cs typeface="+mn-cs"/>
+                        </a:rPr>
+                        <a:t>2a853a7cdfd80d15c74683cfa4136769</a:t>
+                      </a:r>
+                    </a:p>
+                  </a:txBody>
+                  <a:tcPr anchor="ctr">
+                    <a:lnL w="12700" cap="flat" cmpd="sng" algn="ctr">
+                      <a:solidFill>
+                        <a:schemeClr val="tx2">
+                          <a:lumMod val="50000"/>
+                        </a:schemeClr>
+                      </a:solidFill>
+                      <a:prstDash val="solid"/>
+                      <a:round/>
+                      <a:headEnd type="none" w="med" len="med"/>
+                      <a:tailEnd type="none" w="med" len="med"/>
+                    </a:lnL>
+                    <a:lnT w="12700" cap="flat" cmpd="sng" algn="ctr">
+                      <a:solidFill>
+                        <a:schemeClr val="tx2">
+                          <a:lumMod val="50000"/>
+                        </a:schemeClr>
+                      </a:solidFill>
+                      <a:prstDash val="solid"/>
+                      <a:round/>
+                      <a:headEnd type="none" w="med" len="med"/>
+                      <a:tailEnd type="none" w="med" len="med"/>
+                    </a:lnT>
+                    <a:lnB w="12700" cap="flat" cmpd="sng" algn="ctr">
+                      <a:solidFill>
+                        <a:schemeClr val="tx2">
+                          <a:lumMod val="50000"/>
+                        </a:schemeClr>
+                      </a:solidFill>
+                      <a:prstDash val="solid"/>
+                      <a:round/>
+                      <a:headEnd type="none" w="med" len="med"/>
+                      <a:tailEnd type="none" w="med" len="med"/>
+                    </a:lnB>
+                    <a:solidFill>
+                      <a:schemeClr val="bg1"/>
+                    </a:solidFill>
+                  </a:tcPr>
+                </a:tc>
+                <a:extLst>
+                  <a:ext uri="{0D108BD9-81ED-4DB2-BD59-A6C34878D82A}">
+                    <a16:rowId xmlns:a16="http://schemas.microsoft.com/office/drawing/2014/main" val="208423854"/>
+                  </a:ext>
+                </a:extLst>
+              </a:tr>
+              <a:tr h="275625">
+                <a:tc>
+                  <a:txBody>
+                    <a:bodyPr/>
+                    <a:lstStyle/>
+                    <a:p>
+                      <a:r>
+                        <a:rPr lang="en-US" sz="1400" b="0" dirty="0">
+                          <a:solidFill>
+                            <a:schemeClr val="tx1"/>
+                          </a:solidFill>
+                        </a:rPr>
+                        <a:t>data</a:t>
+                      </a:r>
+                      <a:endParaRPr lang="en-ZA" sz="1400" b="0" dirty="0">
+                        <a:solidFill>
+                          <a:schemeClr val="tx1"/>
+                        </a:solidFill>
+                      </a:endParaRPr>
+                    </a:p>
+                  </a:txBody>
+                  <a:tcPr anchor="ctr">
+                    <a:lnR w="12700" cap="flat" cmpd="sng" algn="ctr">
+                      <a:solidFill>
+                        <a:schemeClr val="tx2">
+                          <a:lumMod val="50000"/>
+                        </a:schemeClr>
+                      </a:solidFill>
+                      <a:prstDash val="solid"/>
+                      <a:round/>
+                      <a:headEnd type="none" w="med" len="med"/>
+                      <a:tailEnd type="none" w="med" len="med"/>
+                    </a:lnR>
+                    <a:lnT w="12700" cap="flat" cmpd="sng" algn="ctr">
+                      <a:solidFill>
+                        <a:schemeClr val="tx2">
+                          <a:lumMod val="50000"/>
+                        </a:schemeClr>
+                      </a:solidFill>
+                      <a:prstDash val="solid"/>
+                      <a:round/>
+                      <a:headEnd type="none" w="med" len="med"/>
+                      <a:tailEnd type="none" w="med" len="med"/>
+                    </a:lnT>
+                    <a:lnB w="12700" cap="flat" cmpd="sng" algn="ctr">
+                      <a:noFill/>
+                      <a:prstDash val="solid"/>
+                      <a:round/>
+                      <a:headEnd type="none" w="med" len="med"/>
+                      <a:tailEnd type="none" w="med" len="med"/>
+                    </a:lnB>
+                    <a:solidFill>
+                      <a:schemeClr val="bg1"/>
+                    </a:solidFill>
+                  </a:tcPr>
+                </a:tc>
+                <a:tc>
+                  <a:txBody>
+                    <a:bodyPr/>
+                    <a:lstStyle/>
+                    <a:p>
+                      <a:r>
+                        <a:rPr lang="en-US" sz="1400" b="0" dirty="0">
+                          <a:solidFill>
+                            <a:schemeClr val="tx1"/>
+                          </a:solidFill>
+                        </a:rPr>
+                        <a:t>The type of data stored</a:t>
+                      </a:r>
+                      <a:endParaRPr lang="en-ZA" sz="1400" b="0" dirty="0">
+                        <a:solidFill>
+                          <a:schemeClr val="tx1"/>
+                        </a:solidFill>
+                      </a:endParaRPr>
+                    </a:p>
+                  </a:txBody>
+                  <a:tcPr anchor="ctr">
+                    <a:lnL w="12700" cap="flat" cmpd="sng" algn="ctr">
+                      <a:solidFill>
+                        <a:schemeClr val="tx2">
+                          <a:lumMod val="50000"/>
+                        </a:schemeClr>
+                      </a:solidFill>
+                      <a:prstDash val="solid"/>
+                      <a:round/>
+                      <a:headEnd type="none" w="med" len="med"/>
+                      <a:tailEnd type="none" w="med" len="med"/>
+                    </a:lnL>
+                    <a:lnR w="12700" cap="flat" cmpd="sng" algn="ctr">
+                      <a:solidFill>
+                        <a:schemeClr val="tx2">
+                          <a:lumMod val="50000"/>
+                        </a:schemeClr>
+                      </a:solidFill>
+                      <a:prstDash val="solid"/>
+                      <a:round/>
+                      <a:headEnd type="none" w="med" len="med"/>
+                      <a:tailEnd type="none" w="med" len="med"/>
+                    </a:lnR>
+                    <a:lnT w="12700" cap="flat" cmpd="sng" algn="ctr">
+                      <a:solidFill>
+                        <a:schemeClr val="tx2">
+                          <a:lumMod val="50000"/>
+                        </a:schemeClr>
+                      </a:solidFill>
+                      <a:prstDash val="solid"/>
+                      <a:round/>
+                      <a:headEnd type="none" w="med" len="med"/>
+                      <a:tailEnd type="none" w="med" len="med"/>
+                    </a:lnT>
+                    <a:lnB w="12700" cap="flat" cmpd="sng" algn="ctr">
+                      <a:noFill/>
+                      <a:prstDash val="solid"/>
+                      <a:round/>
+                      <a:headEnd type="none" w="med" len="med"/>
+                      <a:tailEnd type="none" w="med" len="med"/>
+                    </a:lnB>
+                    <a:solidFill>
+                      <a:schemeClr val="bg1"/>
+                    </a:solidFill>
+                  </a:tcPr>
+                </a:tc>
+                <a:tc>
+                  <a:txBody>
+                    <a:bodyPr/>
+                    <a:lstStyle/>
+                    <a:p>
+                      <a:r>
+                        <a:rPr lang="en-US" sz="1400" b="0" dirty="0">
+                          <a:solidFill>
+                            <a:schemeClr val="tx1"/>
+                          </a:solidFill>
+                        </a:rPr>
+                        <a:t>Displacement</a:t>
+                      </a:r>
+                      <a:endParaRPr lang="en-ZA" sz="1400" b="0" dirty="0">
+                        <a:solidFill>
+                          <a:schemeClr val="tx1"/>
+                        </a:solidFill>
+                      </a:endParaRPr>
+                    </a:p>
+                  </a:txBody>
+                  <a:tcPr anchor="ctr">
+                    <a:lnL w="12700" cap="flat" cmpd="sng" algn="ctr">
+                      <a:solidFill>
+                        <a:schemeClr val="tx2">
+                          <a:lumMod val="50000"/>
+                        </a:schemeClr>
+                      </a:solidFill>
+                      <a:prstDash val="solid"/>
+                      <a:round/>
+                      <a:headEnd type="none" w="med" len="med"/>
+                      <a:tailEnd type="none" w="med" len="med"/>
+                    </a:lnL>
+                    <a:lnT w="12700" cap="flat" cmpd="sng" algn="ctr">
+                      <a:solidFill>
+                        <a:schemeClr val="tx2">
+                          <a:lumMod val="50000"/>
+                        </a:schemeClr>
+                      </a:solidFill>
+                      <a:prstDash val="solid"/>
+                      <a:round/>
+                      <a:headEnd type="none" w="med" len="med"/>
+                      <a:tailEnd type="none" w="med" len="med"/>
+                    </a:lnT>
+                    <a:lnB w="12700" cap="flat" cmpd="sng" algn="ctr">
+                      <a:noFill/>
+                      <a:prstDash val="solid"/>
+                      <a:round/>
+                      <a:headEnd type="none" w="med" len="med"/>
+                      <a:tailEnd type="none" w="med" len="med"/>
+                    </a:lnB>
+                    <a:solidFill>
+                      <a:schemeClr val="bg1"/>
+                    </a:solidFill>
+                  </a:tcPr>
+                </a:tc>
+                <a:extLst>
+                  <a:ext uri="{0D108BD9-81ED-4DB2-BD59-A6C34878D82A}">
+                    <a16:rowId xmlns:a16="http://schemas.microsoft.com/office/drawing/2014/main" val="249923367"/>
+                  </a:ext>
+                </a:extLst>
+              </a:tr>
+            </a:tbl>
+          </a:graphicData>
+        </a:graphic>
+      </p:graphicFrame>
     </p:spTree>
     <p:extLst>
       <p:ext uri="{BB962C8B-B14F-4D97-AF65-F5344CB8AC3E}">
-        <p14:creationId xmlns:p14="http://schemas.microsoft.com/office/powerpoint/2010/main" val="3770029077"/>
+        <p14:creationId xmlns:p14="http://schemas.microsoft.com/office/powerpoint/2010/main" val="647484047"/>
       </p:ext>
     </p:extLst>
   </p:cSld>
   <p:clrMapOvr>
-    <a:masterClrMapping/>
+    <a:overrideClrMapping bg1="lt1" tx1="dk1" bg2="lt2" tx2="dk2" accent1="accent1" accent2="accent2" accent3="accent3" accent4="accent4" accent5="accent5" accent6="accent6" hlink="hlink" folHlink="folHlink"/>
   </p:clrMapOvr>
 </p:sld>
 </file>
@@ -3567,7 +4821,7 @@
           <p:cNvPr id="2" name="Title 1">
             <a:extLst>
               <a:ext uri="{FF2B5EF4-FFF2-40B4-BE49-F238E27FC236}">
-                <a16:creationId xmlns:a16="http://schemas.microsoft.com/office/drawing/2014/main" id="{B16416DB-2A27-433E-9FBD-41F8848AAC03}"/>
+                <a16:creationId xmlns:a16="http://schemas.microsoft.com/office/drawing/2014/main" id="{66EE40B8-19D6-448D-ABE0-275272528127}"/>
               </a:ext>
             </a:extLst>
           </p:cNvPr>
@@ -3585,18 +4839,562 @@
           <a:p>
             <a:r>
               <a:rPr lang="en-US" dirty="0"/>
-              <a:t>File Hierarchy</a:t>
-            </a:r>
+              <a:t>Code</a:t>
+            </a:r>
+            <a:endParaRPr lang="en-ZA" dirty="0"/>
+          </a:p>
+        </p:txBody>
+      </p:sp>
+      <mc:AlternateContent xmlns:mc="http://schemas.openxmlformats.org/markup-compatibility/2006">
+        <mc:Choice xmlns:a14="http://schemas.microsoft.com/office/drawing/2010/main" Requires="a14">
+          <p:sp>
+            <p:nvSpPr>
+              <p:cNvPr id="3" name="Content Placeholder 2">
+                <a:extLst>
+                  <a:ext uri="{FF2B5EF4-FFF2-40B4-BE49-F238E27FC236}">
+                    <a16:creationId xmlns:a16="http://schemas.microsoft.com/office/drawing/2014/main" id="{951FE052-8422-41CB-9F64-A653AB22B3D4}"/>
+                  </a:ext>
+                </a:extLst>
+              </p:cNvPr>
+              <p:cNvSpPr>
+                <a:spLocks noGrp="1"/>
+              </p:cNvSpPr>
+              <p:nvPr>
+                <p:ph idx="1"/>
+              </p:nvPr>
+            </p:nvSpPr>
+            <p:spPr>
+              <a:xfrm>
+                <a:off x="1202919" y="2011680"/>
+                <a:ext cx="9784080" cy="4206240"/>
+              </a:xfrm>
+            </p:spPr>
+            <p:txBody>
+              <a:bodyPr>
+                <a:normAutofit/>
+              </a:bodyPr>
+              <a:lstStyle/>
+              <a:p>
+                <a:r>
+                  <a:rPr lang="en-US" dirty="0"/>
+                  <a:t>Python library setup</a:t>
+                </a:r>
+              </a:p>
+              <a:p>
+                <a:pPr lvl="1"/>
+                <a:r>
+                  <a:rPr lang="en-US" dirty="0"/>
+                  <a:t>License?</a:t>
+                </a:r>
+              </a:p>
+              <a:p>
+                <a:pPr lvl="1"/>
+                <a:r>
+                  <a:rPr lang="en-US" dirty="0"/>
+                  <a:t>Reopen </a:t>
+                </a:r>
+                <a:r>
+                  <a:rPr lang="en-US" dirty="0" err="1"/>
+                  <a:t>MarcMentat</a:t>
+                </a:r>
+                <a:r>
+                  <a:rPr lang="en-US" dirty="0"/>
+                  <a:t> to register changes</a:t>
+                </a:r>
+              </a:p>
+              <a:p>
+                <a:r>
+                  <a:rPr lang="en-US" dirty="0"/>
+                  <a:t>Boundary energy</a:t>
+                </a:r>
+              </a:p>
+              <a:p>
+                <a:pPr lvl="1"/>
+                <a14:m>
+                  <m:oMath xmlns:m="http://schemas.openxmlformats.org/officeDocument/2006/math">
+                    <m:sSub>
+                      <m:sSubPr>
+                        <m:ctrlPr>
+                          <a:rPr lang="en-US" b="0" i="1" smtClean="0">
+                            <a:latin typeface="Cambria Math" panose="02040503050406030204" pitchFamily="18" charset="0"/>
+                          </a:rPr>
+                        </m:ctrlPr>
+                      </m:sSubPr>
+                      <m:e>
+                        <m:r>
+                          <a:rPr lang="en-US" b="0" i="1" smtClean="0">
+                            <a:latin typeface="Cambria Math" panose="02040503050406030204" pitchFamily="18" charset="0"/>
+                          </a:rPr>
+                          <m:t>𝐸</m:t>
+                        </m:r>
+                      </m:e>
+                      <m:sub>
+                        <m:r>
+                          <a:rPr lang="en-US" b="0" i="1" smtClean="0">
+                            <a:latin typeface="Cambria Math" panose="02040503050406030204" pitchFamily="18" charset="0"/>
+                          </a:rPr>
+                          <m:t>𝐵𝑜𝑢𝑛𝑑𝑎𝑟𝑦</m:t>
+                        </m:r>
+                      </m:sub>
+                    </m:sSub>
+                    <m:r>
+                      <a:rPr lang="en-US" b="0" i="1" smtClean="0">
+                        <a:latin typeface="Cambria Math" panose="02040503050406030204" pitchFamily="18" charset="0"/>
+                      </a:rPr>
+                      <m:t>=</m:t>
+                    </m:r>
+                    <m:nary>
+                      <m:naryPr>
+                        <m:chr m:val="∑"/>
+                        <m:ctrlPr>
+                          <a:rPr lang="en-US" b="0" i="1" smtClean="0">
+                            <a:latin typeface="Cambria Math" panose="02040503050406030204" pitchFamily="18" charset="0"/>
+                          </a:rPr>
+                        </m:ctrlPr>
+                      </m:naryPr>
+                      <m:sub>
+                        <m:r>
+                          <m:rPr>
+                            <m:brk m:alnAt="23"/>
+                          </m:rPr>
+                          <a:rPr lang="en-US" b="0" i="1" smtClean="0">
+                            <a:latin typeface="Cambria Math" panose="02040503050406030204" pitchFamily="18" charset="0"/>
+                          </a:rPr>
+                          <m:t>𝑖</m:t>
+                        </m:r>
+                        <m:r>
+                          <a:rPr lang="en-US" b="0" i="1" smtClean="0">
+                            <a:latin typeface="Cambria Math" panose="02040503050406030204" pitchFamily="18" charset="0"/>
+                          </a:rPr>
+                          <m:t>=1</m:t>
+                        </m:r>
+                      </m:sub>
+                      <m:sup>
+                        <m:sSub>
+                          <m:sSubPr>
+                            <m:ctrlPr>
+                              <a:rPr lang="en-US" b="0" i="1" smtClean="0">
+                                <a:latin typeface="Cambria Math" panose="02040503050406030204" pitchFamily="18" charset="0"/>
+                              </a:rPr>
+                            </m:ctrlPr>
+                          </m:sSubPr>
+                          <m:e>
+                            <m:r>
+                              <a:rPr lang="en-US" b="0" i="1" smtClean="0">
+                                <a:latin typeface="Cambria Math" panose="02040503050406030204" pitchFamily="18" charset="0"/>
+                              </a:rPr>
+                              <m:t>𝑛</m:t>
+                            </m:r>
+                          </m:e>
+                          <m:sub>
+                            <m:r>
+                              <a:rPr lang="en-US" b="0" i="1" smtClean="0">
+                                <a:latin typeface="Cambria Math" panose="02040503050406030204" pitchFamily="18" charset="0"/>
+                              </a:rPr>
+                              <m:t>𝑛</m:t>
+                            </m:r>
+                          </m:sub>
+                        </m:sSub>
+                      </m:sup>
+                      <m:e>
+                        <m:sSub>
+                          <m:sSubPr>
+                            <m:ctrlPr>
+                              <a:rPr lang="en-US" b="0" i="1" smtClean="0">
+                                <a:latin typeface="Cambria Math" panose="02040503050406030204" pitchFamily="18" charset="0"/>
+                              </a:rPr>
+                            </m:ctrlPr>
+                          </m:sSubPr>
+                          <m:e>
+                            <m:r>
+                              <a:rPr lang="en-US" b="0" i="1" smtClean="0">
+                                <a:latin typeface="Cambria Math" panose="02040503050406030204" pitchFamily="18" charset="0"/>
+                              </a:rPr>
+                              <m:t>𝑑</m:t>
+                            </m:r>
+                          </m:e>
+                          <m:sub>
+                            <m:r>
+                              <a:rPr lang="en-US" b="0" i="1" smtClean="0">
+                                <a:latin typeface="Cambria Math" panose="02040503050406030204" pitchFamily="18" charset="0"/>
+                              </a:rPr>
+                              <m:t>𝑖</m:t>
+                            </m:r>
+                          </m:sub>
+                        </m:sSub>
+                        <m:r>
+                          <a:rPr lang="en-US" b="0" i="1" smtClean="0">
+                            <a:latin typeface="Cambria Math" panose="02040503050406030204" pitchFamily="18" charset="0"/>
+                            <a:ea typeface="Cambria Math" panose="02040503050406030204" pitchFamily="18" charset="0"/>
+                          </a:rPr>
+                          <m:t>∙</m:t>
+                        </m:r>
+                        <m:sSub>
+                          <m:sSubPr>
+                            <m:ctrlPr>
+                              <a:rPr lang="en-US" b="0" i="1" smtClean="0">
+                                <a:latin typeface="Cambria Math" panose="02040503050406030204" pitchFamily="18" charset="0"/>
+                              </a:rPr>
+                            </m:ctrlPr>
+                          </m:sSubPr>
+                          <m:e>
+                            <m:r>
+                              <a:rPr lang="en-US" b="0" i="1" smtClean="0">
+                                <a:latin typeface="Cambria Math" panose="02040503050406030204" pitchFamily="18" charset="0"/>
+                              </a:rPr>
+                              <m:t>𝐹</m:t>
+                            </m:r>
+                          </m:e>
+                          <m:sub>
+                            <m:r>
+                              <a:rPr lang="en-US" b="0" i="1" smtClean="0">
+                                <a:latin typeface="Cambria Math" panose="02040503050406030204" pitchFamily="18" charset="0"/>
+                              </a:rPr>
+                              <m:t>𝑖</m:t>
+                            </m:r>
+                          </m:sub>
+                        </m:sSub>
+                      </m:e>
+                    </m:nary>
+                    <m:r>
+                      <a:rPr lang="en-US" b="0" i="1" smtClean="0">
+                        <a:latin typeface="Cambria Math" panose="02040503050406030204" pitchFamily="18" charset="0"/>
+                      </a:rPr>
+                      <m:t> </m:t>
+                    </m:r>
+                    <m:r>
+                      <a:rPr lang="en-US" b="0" i="1" smtClean="0">
+                        <a:latin typeface="Cambria Math" panose="02040503050406030204" pitchFamily="18" charset="0"/>
+                      </a:rPr>
+                      <m:t>𝑖𝑓</m:t>
+                    </m:r>
+                    <m:r>
+                      <a:rPr lang="en-US" b="0" i="1" smtClean="0">
+                        <a:latin typeface="Cambria Math" panose="02040503050406030204" pitchFamily="18" charset="0"/>
+                      </a:rPr>
+                      <m:t> </m:t>
+                    </m:r>
+                    <m:r>
+                      <a:rPr lang="en-US" b="0" i="1" smtClean="0">
+                        <a:latin typeface="Cambria Math" panose="02040503050406030204" pitchFamily="18" charset="0"/>
+                      </a:rPr>
+                      <m:t>𝑖</m:t>
+                    </m:r>
+                    <m:r>
+                      <a:rPr lang="en-US" b="0" i="1" smtClean="0">
+                        <a:latin typeface="Cambria Math" panose="02040503050406030204" pitchFamily="18" charset="0"/>
+                      </a:rPr>
+                      <m:t> </m:t>
+                    </m:r>
+                    <m:r>
+                      <a:rPr lang="en-US" b="0" i="1" smtClean="0">
+                        <a:latin typeface="Cambria Math" panose="02040503050406030204" pitchFamily="18" charset="0"/>
+                      </a:rPr>
+                      <m:t>𝑖𝑠</m:t>
+                    </m:r>
+                    <m:r>
+                      <a:rPr lang="en-US" b="0" i="1" smtClean="0">
+                        <a:latin typeface="Cambria Math" panose="02040503050406030204" pitchFamily="18" charset="0"/>
+                      </a:rPr>
+                      <m:t> </m:t>
+                    </m:r>
+                    <m:r>
+                      <a:rPr lang="en-US" b="0" i="1" smtClean="0">
+                        <a:latin typeface="Cambria Math" panose="02040503050406030204" pitchFamily="18" charset="0"/>
+                      </a:rPr>
+                      <m:t>𝑎</m:t>
+                    </m:r>
+                    <m:r>
+                      <a:rPr lang="en-US" b="0" i="1" smtClean="0">
+                        <a:latin typeface="Cambria Math" panose="02040503050406030204" pitchFamily="18" charset="0"/>
+                      </a:rPr>
+                      <m:t> </m:t>
+                    </m:r>
+                    <m:r>
+                      <a:rPr lang="en-US" b="0" i="1" smtClean="0">
+                        <a:latin typeface="Cambria Math" panose="02040503050406030204" pitchFamily="18" charset="0"/>
+                      </a:rPr>
+                      <m:t>𝑏𝑜𝑢𝑛𝑑𝑎𝑟𝑦</m:t>
+                    </m:r>
+                    <m:r>
+                      <a:rPr lang="en-US" b="0" i="1" smtClean="0">
+                        <a:latin typeface="Cambria Math" panose="02040503050406030204" pitchFamily="18" charset="0"/>
+                      </a:rPr>
+                      <m:t> </m:t>
+                    </m:r>
+                    <m:r>
+                      <a:rPr lang="en-US" b="0" i="1" smtClean="0">
+                        <a:latin typeface="Cambria Math" panose="02040503050406030204" pitchFamily="18" charset="0"/>
+                      </a:rPr>
+                      <m:t>𝑛𝑜𝑑𝑒</m:t>
+                    </m:r>
+                  </m:oMath>
+                </a14:m>
+                <a:endParaRPr lang="en-US" dirty="0"/>
+              </a:p>
+              <a:p>
+                <a:pPr lvl="2"/>
+                <a:r>
+                  <a:rPr lang="en-US" dirty="0"/>
+                  <a:t>Where</a:t>
+                </a:r>
+              </a:p>
+              <a:p>
+                <a:pPr lvl="3"/>
+                <a14:m>
+                  <m:oMath xmlns:m="http://schemas.openxmlformats.org/officeDocument/2006/math">
+                    <m:sSub>
+                      <m:sSubPr>
+                        <m:ctrlPr>
+                          <a:rPr lang="en-US" i="1">
+                            <a:latin typeface="Cambria Math" panose="02040503050406030204" pitchFamily="18" charset="0"/>
+                          </a:rPr>
+                        </m:ctrlPr>
+                      </m:sSubPr>
+                      <m:e>
+                        <m:r>
+                          <a:rPr lang="en-US" i="1">
+                            <a:latin typeface="Cambria Math" panose="02040503050406030204" pitchFamily="18" charset="0"/>
+                          </a:rPr>
+                          <m:t>𝑛</m:t>
+                        </m:r>
+                      </m:e>
+                      <m:sub>
+                        <m:r>
+                          <a:rPr lang="en-US" i="1">
+                            <a:latin typeface="Cambria Math" panose="02040503050406030204" pitchFamily="18" charset="0"/>
+                          </a:rPr>
+                          <m:t>𝑛</m:t>
+                        </m:r>
+                      </m:sub>
+                    </m:sSub>
+                  </m:oMath>
+                </a14:m>
+                <a:r>
+                  <a:rPr lang="en-US" dirty="0"/>
+                  <a:t> is the total number of nodes</a:t>
+                </a:r>
+              </a:p>
+              <a:p>
+                <a:pPr lvl="3"/>
+                <a14:m>
+                  <m:oMath xmlns:m="http://schemas.openxmlformats.org/officeDocument/2006/math">
+                    <m:r>
+                      <a:rPr lang="en-US" i="1">
+                        <a:latin typeface="Cambria Math" panose="02040503050406030204" pitchFamily="18" charset="0"/>
+                      </a:rPr>
+                      <m:t>𝑑</m:t>
+                    </m:r>
+                  </m:oMath>
+                </a14:m>
+                <a:r>
+                  <a:rPr lang="en-US" dirty="0"/>
+                  <a:t> is the absolute displacement of a node</a:t>
+                </a:r>
+              </a:p>
+              <a:p>
+                <a:pPr lvl="3"/>
+                <a14:m>
+                  <m:oMath xmlns:m="http://schemas.openxmlformats.org/officeDocument/2006/math">
+                    <m:r>
+                      <a:rPr lang="en-US" i="1">
+                        <a:latin typeface="Cambria Math" panose="02040503050406030204" pitchFamily="18" charset="0"/>
+                      </a:rPr>
+                      <m:t>𝐹</m:t>
+                    </m:r>
+                  </m:oMath>
+                </a14:m>
+                <a:r>
+                  <a:rPr lang="en-US" dirty="0"/>
+                  <a:t> is the absolute reaction force experienced by </a:t>
+                </a:r>
+                <a:r>
+                  <a:rPr lang="en-US"/>
+                  <a:t>a node</a:t>
+                </a:r>
+                <a:endParaRPr lang="en-US" dirty="0"/>
+              </a:p>
+            </p:txBody>
+          </p:sp>
+        </mc:Choice>
+        <mc:Fallback>
+          <p:sp>
+            <p:nvSpPr>
+              <p:cNvPr id="3" name="Content Placeholder 2">
+                <a:extLst>
+                  <a:ext uri="{FF2B5EF4-FFF2-40B4-BE49-F238E27FC236}">
+                    <a16:creationId xmlns:a16="http://schemas.microsoft.com/office/drawing/2014/main" id="{951FE052-8422-41CB-9F64-A653AB22B3D4}"/>
+                  </a:ext>
+                </a:extLst>
+              </p:cNvPr>
+              <p:cNvSpPr>
+                <a:spLocks noGrp="1" noRot="1" noChangeAspect="1" noMove="1" noResize="1" noEditPoints="1" noAdjustHandles="1" noChangeArrowheads="1" noChangeShapeType="1" noTextEdit="1"/>
+              </p:cNvSpPr>
+              <p:nvPr>
+                <p:ph idx="1"/>
+              </p:nvPr>
+            </p:nvSpPr>
+            <p:spPr>
+              <a:xfrm>
+                <a:off x="1202919" y="2011680"/>
+                <a:ext cx="9784080" cy="4206240"/>
+              </a:xfrm>
+              <a:blipFill>
+                <a:blip r:embed="rId2"/>
+                <a:stretch>
+                  <a:fillRect l="-685" t="-1884"/>
+                </a:stretch>
+              </a:blipFill>
+            </p:spPr>
+            <p:txBody>
+              <a:bodyPr/>
+              <a:lstStyle/>
+              <a:p>
+                <a:r>
+                  <a:rPr lang="en-ZA">
+                    <a:noFill/>
+                  </a:rPr>
+                  <a:t> </a:t>
+                </a:r>
+              </a:p>
+            </p:txBody>
+          </p:sp>
+        </mc:Fallback>
+      </mc:AlternateContent>
+    </p:spTree>
+    <p:extLst>
+      <p:ext uri="{BB962C8B-B14F-4D97-AF65-F5344CB8AC3E}">
+        <p14:creationId xmlns:p14="http://schemas.microsoft.com/office/powerpoint/2010/main" val="3770029077"/>
+      </p:ext>
+    </p:extLst>
+  </p:cSld>
+  <p:clrMapOvr>
+    <a:masterClrMapping/>
+  </p:clrMapOvr>
+</p:sld>
+</file>
+
+<file path=ppt/slides/slide4.xml><?xml version="1.0" encoding="utf-8"?>
+<p:sld xmlns:a="http://schemas.openxmlformats.org/drawingml/2006/main" xmlns:r="http://schemas.openxmlformats.org/officeDocument/2006/relationships" xmlns:p="http://schemas.openxmlformats.org/presentationml/2006/main">
+  <p:cSld>
+    <p:spTree>
+      <p:nvGrpSpPr>
+        <p:cNvPr id="1" name=""/>
+        <p:cNvGrpSpPr/>
+        <p:nvPr/>
+      </p:nvGrpSpPr>
+      <p:grpSpPr>
+        <a:xfrm>
+          <a:off x="0" y="0"/>
+          <a:ext cx="0" cy="0"/>
+          <a:chOff x="0" y="0"/>
+          <a:chExt cx="0" cy="0"/>
+        </a:xfrm>
+      </p:grpSpPr>
+      <p:sp>
+        <p:nvSpPr>
+          <p:cNvPr id="2" name="Title 1">
+            <a:extLst>
+              <a:ext uri="{FF2B5EF4-FFF2-40B4-BE49-F238E27FC236}">
+                <a16:creationId xmlns:a16="http://schemas.microsoft.com/office/drawing/2014/main" id="{98C10B2F-7B12-462B-8DC6-4FA7A118206D}"/>
+              </a:ext>
+            </a:extLst>
+          </p:cNvPr>
+          <p:cNvSpPr>
+            <a:spLocks noGrp="1"/>
+          </p:cNvSpPr>
+          <p:nvPr>
+            <p:ph type="title"/>
+          </p:nvPr>
+        </p:nvSpPr>
+        <p:spPr/>
+        <p:txBody>
+          <a:bodyPr/>
+          <a:lstStyle/>
+          <a:p>
+            <a:r>
+              <a:rPr lang="en-US" dirty="0"/>
+              <a:t>Cases</a:t>
+            </a:r>
+            <a:endParaRPr lang="en-ZA" dirty="0"/>
+          </a:p>
+        </p:txBody>
+      </p:sp>
+      <p:sp>
+        <p:nvSpPr>
+          <p:cNvPr id="3" name="Content Placeholder 2">
+            <a:extLst>
+              <a:ext uri="{FF2B5EF4-FFF2-40B4-BE49-F238E27FC236}">
+                <a16:creationId xmlns:a16="http://schemas.microsoft.com/office/drawing/2014/main" id="{C5BBC7F0-B012-4DF9-94E6-D09D5000315A}"/>
+              </a:ext>
+            </a:extLst>
+          </p:cNvPr>
+          <p:cNvSpPr>
+            <a:spLocks noGrp="1"/>
+          </p:cNvSpPr>
+          <p:nvPr>
+            <p:ph idx="1"/>
+          </p:nvPr>
+        </p:nvSpPr>
+        <p:spPr/>
+        <p:txBody>
+          <a:bodyPr>
+            <a:normAutofit lnSpcReduction="10000"/>
+          </a:bodyPr>
+          <a:lstStyle/>
+          <a:p>
+            <a:r>
+              <a:rPr lang="en-US" dirty="0"/>
+              <a:t>Elongate in one direction while maintaining breadth in the other</a:t>
+            </a:r>
+          </a:p>
+          <a:p>
+            <a:endParaRPr lang="en-US" dirty="0"/>
+          </a:p>
+          <a:p>
+            <a:r>
+              <a:rPr lang="en-US" dirty="0"/>
+              <a:t>Elongate along one edge</a:t>
+            </a:r>
+          </a:p>
+          <a:p>
+            <a:endParaRPr lang="en-US" dirty="0"/>
+          </a:p>
+          <a:p>
+            <a:r>
+              <a:rPr lang="en-US" dirty="0"/>
+              <a:t>Circular shape</a:t>
+            </a:r>
+          </a:p>
+          <a:p>
+            <a:endParaRPr lang="en-US" dirty="0"/>
+          </a:p>
+          <a:p>
+            <a:r>
+              <a:rPr lang="en-US" dirty="0"/>
+              <a:t>Wedge shape</a:t>
+            </a:r>
+          </a:p>
+          <a:p>
+            <a:endParaRPr lang="en-US" dirty="0"/>
+          </a:p>
+          <a:p>
+            <a:r>
+              <a:rPr lang="en-US" dirty="0"/>
+              <a:t>Rhombus shape (pure strain)</a:t>
+            </a:r>
+          </a:p>
+          <a:p>
             <a:endParaRPr lang="en-ZA" dirty="0"/>
           </a:p>
         </p:txBody>
       </p:sp>
       <p:grpSp>
         <p:nvGrpSpPr>
-          <p:cNvPr id="8" name="Group 7">
+          <p:cNvPr id="18" name="Group 17">
             <a:extLst>
               <a:ext uri="{FF2B5EF4-FFF2-40B4-BE49-F238E27FC236}">
-                <a16:creationId xmlns:a16="http://schemas.microsoft.com/office/drawing/2014/main" id="{25C9E47D-EDF0-4D4D-9628-F38E4C291C24}"/>
+                <a16:creationId xmlns:a16="http://schemas.microsoft.com/office/drawing/2014/main" id="{45FD9A7D-D068-43EB-A889-D67D8ABDE968}"/>
               </a:ext>
             </a:extLst>
           </p:cNvPr>
@@ -3605,18 +5403,18 @@
         </p:nvGrpSpPr>
         <p:grpSpPr>
           <a:xfrm>
-            <a:off x="5763119" y="3353237"/>
-            <a:ext cx="707280" cy="1028097"/>
-            <a:chOff x="2618432" y="2872139"/>
-            <a:chExt cx="1341172" cy="1949518"/>
+            <a:off x="9000801" y="1863551"/>
+            <a:ext cx="618688" cy="1053239"/>
+            <a:chOff x="9381801" y="1852259"/>
+            <a:chExt cx="618688" cy="1053239"/>
           </a:xfrm>
         </p:grpSpPr>
         <p:sp>
           <p:nvSpPr>
-            <p:cNvPr id="7" name="Parallelogram 6">
+            <p:cNvPr id="4" name="Rectangle 3">
               <a:extLst>
                 <a:ext uri="{FF2B5EF4-FFF2-40B4-BE49-F238E27FC236}">
-                  <a16:creationId xmlns:a16="http://schemas.microsoft.com/office/drawing/2014/main" id="{36AA6A7D-CB04-4AF7-B105-3469712F3072}"/>
+                  <a16:creationId xmlns:a16="http://schemas.microsoft.com/office/drawing/2014/main" id="{1F8BF7DE-35D8-478A-AA6B-AF0C15BBA7C3}"/>
                 </a:ext>
               </a:extLst>
             </p:cNvPr>
@@ -3624,19 +5422,17 @@
             <p:nvPr/>
           </p:nvSpPr>
           <p:spPr>
-            <a:xfrm rot="16200000" flipV="1">
-              <a:off x="2485688" y="3004883"/>
-              <a:ext cx="1606659" cy="1341172"/>
+            <a:xfrm>
+              <a:off x="9381801" y="2286810"/>
+              <a:ext cx="618688" cy="618688"/>
             </a:xfrm>
-            <a:prstGeom prst="parallelogram">
+            <a:prstGeom prst="rect">
               <a:avLst/>
             </a:prstGeom>
             <a:solidFill>
-              <a:schemeClr val="tx1">
-                <a:lumMod val="95000"/>
-              </a:schemeClr>
+              <a:schemeClr val="tx1"/>
             </a:solidFill>
-            <a:ln>
+            <a:ln w="38100">
               <a:solidFill>
                 <a:schemeClr val="bg2">
                   <a:lumMod val="75000"/>
@@ -3671,10 +5467,10 @@
         </p:sp>
         <p:sp>
           <p:nvSpPr>
-            <p:cNvPr id="6" name="Parallelogram 5">
+            <p:cNvPr id="9" name="Rectangle 8">
               <a:extLst>
                 <a:ext uri="{FF2B5EF4-FFF2-40B4-BE49-F238E27FC236}">
-                  <a16:creationId xmlns:a16="http://schemas.microsoft.com/office/drawing/2014/main" id="{3E6EB4FD-A05A-4F30-8100-7C4B5F181E64}"/>
+                  <a16:creationId xmlns:a16="http://schemas.microsoft.com/office/drawing/2014/main" id="{AEA726CB-F8A6-4EF3-9BDC-B2BC233D8AB8}"/>
                 </a:ext>
               </a:extLst>
             </p:cNvPr>
@@ -3682,19 +5478,1362 @@
             <p:nvPr/>
           </p:nvSpPr>
           <p:spPr>
-            <a:xfrm rot="5400000">
-              <a:off x="2419110" y="3414321"/>
-              <a:ext cx="1606659" cy="1208014"/>
+            <a:xfrm>
+              <a:off x="9381801" y="1852259"/>
+              <a:ext cx="618688" cy="1053239"/>
             </a:xfrm>
-            <a:prstGeom prst="parallelogram">
+            <a:prstGeom prst="rect">
               <a:avLst/>
             </a:prstGeom>
             <a:solidFill>
               <a:schemeClr val="tx1">
-                <a:lumMod val="95000"/>
+                <a:alpha val="50000"/>
               </a:schemeClr>
             </a:solidFill>
-            <a:ln>
+            <a:ln w="38100">
+              <a:solidFill>
+                <a:schemeClr val="bg2">
+                  <a:lumMod val="75000"/>
+                </a:schemeClr>
+              </a:solidFill>
+              <a:prstDash val="dash"/>
+            </a:ln>
+          </p:spPr>
+          <p:style>
+            <a:lnRef idx="2">
+              <a:schemeClr val="accent1">
+                <a:shade val="50000"/>
+              </a:schemeClr>
+            </a:lnRef>
+            <a:fillRef idx="1">
+              <a:schemeClr val="accent1"/>
+            </a:fillRef>
+            <a:effectRef idx="0">
+              <a:schemeClr val="accent1"/>
+            </a:effectRef>
+            <a:fontRef idx="minor">
+              <a:schemeClr val="lt1"/>
+            </a:fontRef>
+          </p:style>
+          <p:txBody>
+            <a:bodyPr rtlCol="0" anchor="ctr"/>
+            <a:lstStyle/>
+            <a:p>
+              <a:pPr algn="ctr"/>
+              <a:endParaRPr lang="en-ZA">
+                <a:ln>
+                  <a:solidFill>
+                    <a:schemeClr val="tx1"/>
+                  </a:solidFill>
+                  <a:prstDash val="dash"/>
+                </a:ln>
+              </a:endParaRPr>
+            </a:p>
+          </p:txBody>
+        </p:sp>
+      </p:grpSp>
+      <p:grpSp>
+        <p:nvGrpSpPr>
+          <p:cNvPr id="19" name="Group 18">
+            <a:extLst>
+              <a:ext uri="{FF2B5EF4-FFF2-40B4-BE49-F238E27FC236}">
+                <a16:creationId xmlns:a16="http://schemas.microsoft.com/office/drawing/2014/main" id="{121F2D31-9FB8-4F9C-8238-E5C286EA4BD1}"/>
+              </a:ext>
+            </a:extLst>
+          </p:cNvPr>
+          <p:cNvGrpSpPr/>
+          <p:nvPr/>
+        </p:nvGrpSpPr>
+        <p:grpSpPr>
+          <a:xfrm>
+            <a:off x="4419450" y="2744326"/>
+            <a:ext cx="924922" cy="619698"/>
+            <a:chOff x="5836141" y="2747434"/>
+            <a:chExt cx="924922" cy="619698"/>
+          </a:xfrm>
+        </p:grpSpPr>
+        <p:sp>
+          <p:nvSpPr>
+            <p:cNvPr id="6" name="Rectangle 5">
+              <a:extLst>
+                <a:ext uri="{FF2B5EF4-FFF2-40B4-BE49-F238E27FC236}">
+                  <a16:creationId xmlns:a16="http://schemas.microsoft.com/office/drawing/2014/main" id="{DFF8A505-0530-463E-A3A0-DBADD412B80D}"/>
+                </a:ext>
+              </a:extLst>
+            </p:cNvPr>
+            <p:cNvSpPr/>
+            <p:nvPr/>
+          </p:nvSpPr>
+          <p:spPr>
+            <a:xfrm>
+              <a:off x="5989258" y="2748444"/>
+              <a:ext cx="618688" cy="618688"/>
+            </a:xfrm>
+            <a:prstGeom prst="rect">
+              <a:avLst/>
+            </a:prstGeom>
+            <a:solidFill>
+              <a:schemeClr val="tx1"/>
+            </a:solidFill>
+            <a:ln w="38100">
+              <a:solidFill>
+                <a:schemeClr val="bg2">
+                  <a:lumMod val="75000"/>
+                </a:schemeClr>
+              </a:solidFill>
+            </a:ln>
+          </p:spPr>
+          <p:style>
+            <a:lnRef idx="2">
+              <a:schemeClr val="accent1">
+                <a:shade val="50000"/>
+              </a:schemeClr>
+            </a:lnRef>
+            <a:fillRef idx="1">
+              <a:schemeClr val="accent1"/>
+            </a:fillRef>
+            <a:effectRef idx="0">
+              <a:schemeClr val="accent1"/>
+            </a:effectRef>
+            <a:fontRef idx="minor">
+              <a:schemeClr val="lt1"/>
+            </a:fontRef>
+          </p:style>
+          <p:txBody>
+            <a:bodyPr rtlCol="0" anchor="ctr"/>
+            <a:lstStyle/>
+            <a:p>
+              <a:pPr algn="ctr"/>
+              <a:endParaRPr lang="en-ZA"/>
+            </a:p>
+          </p:txBody>
+        </p:sp>
+        <p:sp>
+          <p:nvSpPr>
+            <p:cNvPr id="10" name="Flowchart: Manual Operation 9">
+              <a:extLst>
+                <a:ext uri="{FF2B5EF4-FFF2-40B4-BE49-F238E27FC236}">
+                  <a16:creationId xmlns:a16="http://schemas.microsoft.com/office/drawing/2014/main" id="{5400DE7C-DF56-410D-AF62-78A344B8F334}"/>
+                </a:ext>
+              </a:extLst>
+            </p:cNvPr>
+            <p:cNvSpPr/>
+            <p:nvPr/>
+          </p:nvSpPr>
+          <p:spPr>
+            <a:xfrm>
+              <a:off x="5836141" y="2747434"/>
+              <a:ext cx="924922" cy="619698"/>
+            </a:xfrm>
+            <a:prstGeom prst="flowChartManualOperation">
+              <a:avLst/>
+            </a:prstGeom>
+            <a:solidFill>
+              <a:schemeClr val="tx1">
+                <a:alpha val="50000"/>
+              </a:schemeClr>
+            </a:solidFill>
+            <a:ln w="38100">
+              <a:solidFill>
+                <a:schemeClr val="bg2">
+                  <a:lumMod val="75000"/>
+                </a:schemeClr>
+              </a:solidFill>
+              <a:prstDash val="dash"/>
+            </a:ln>
+          </p:spPr>
+          <p:style>
+            <a:lnRef idx="2">
+              <a:schemeClr val="accent1">
+                <a:shade val="50000"/>
+              </a:schemeClr>
+            </a:lnRef>
+            <a:fillRef idx="1">
+              <a:schemeClr val="accent1"/>
+            </a:fillRef>
+            <a:effectRef idx="0">
+              <a:schemeClr val="accent1"/>
+            </a:effectRef>
+            <a:fontRef idx="minor">
+              <a:schemeClr val="lt1"/>
+            </a:fontRef>
+          </p:style>
+          <p:txBody>
+            <a:bodyPr rot="0" spcFirstLastPara="0" vertOverflow="overflow" horzOverflow="overflow" vert="horz" wrap="square" lIns="91440" tIns="45720" rIns="91440" bIns="45720" numCol="1" spcCol="0" rtlCol="0" fromWordArt="0" anchor="ctr" anchorCtr="0" forceAA="0" compatLnSpc="1">
+              <a:prstTxWarp prst="textNoShape">
+                <a:avLst/>
+              </a:prstTxWarp>
+              <a:noAutofit/>
+            </a:bodyPr>
+            <a:lstStyle/>
+            <a:p>
+              <a:pPr algn="ctr"/>
+              <a:endParaRPr lang="en-ZA">
+                <a:ln>
+                  <a:solidFill>
+                    <a:schemeClr val="tx1"/>
+                  </a:solidFill>
+                  <a:prstDash val="dash"/>
+                </a:ln>
+              </a:endParaRPr>
+            </a:p>
+          </p:txBody>
+        </p:sp>
+      </p:grpSp>
+      <p:grpSp>
+        <p:nvGrpSpPr>
+          <p:cNvPr id="20" name="Group 19">
+            <a:extLst>
+              <a:ext uri="{FF2B5EF4-FFF2-40B4-BE49-F238E27FC236}">
+                <a16:creationId xmlns:a16="http://schemas.microsoft.com/office/drawing/2014/main" id="{4DC2E92D-E224-4708-AA35-D04B1659E335}"/>
+              </a:ext>
+            </a:extLst>
+          </p:cNvPr>
+          <p:cNvGrpSpPr/>
+          <p:nvPr/>
+        </p:nvGrpSpPr>
+        <p:grpSpPr>
+          <a:xfrm>
+            <a:off x="3330980" y="3429000"/>
+            <a:ext cx="1015450" cy="1015450"/>
+            <a:chOff x="4683530" y="3438088"/>
+            <a:chExt cx="1015450" cy="1015450"/>
+          </a:xfrm>
+        </p:grpSpPr>
+        <p:sp>
+          <p:nvSpPr>
+            <p:cNvPr id="5" name="Rectangle 4">
+              <a:extLst>
+                <a:ext uri="{FF2B5EF4-FFF2-40B4-BE49-F238E27FC236}">
+                  <a16:creationId xmlns:a16="http://schemas.microsoft.com/office/drawing/2014/main" id="{EB4C3159-8BDF-4571-B66C-570626B36285}"/>
+                </a:ext>
+              </a:extLst>
+            </p:cNvPr>
+            <p:cNvSpPr/>
+            <p:nvPr/>
+          </p:nvSpPr>
+          <p:spPr>
+            <a:xfrm>
+              <a:off x="4881911" y="3639075"/>
+              <a:ext cx="618688" cy="618688"/>
+            </a:xfrm>
+            <a:prstGeom prst="rect">
+              <a:avLst/>
+            </a:prstGeom>
+            <a:solidFill>
+              <a:schemeClr val="tx1"/>
+            </a:solidFill>
+            <a:ln w="38100">
+              <a:solidFill>
+                <a:schemeClr val="bg2">
+                  <a:lumMod val="75000"/>
+                </a:schemeClr>
+              </a:solidFill>
+            </a:ln>
+          </p:spPr>
+          <p:style>
+            <a:lnRef idx="2">
+              <a:schemeClr val="accent1">
+                <a:shade val="50000"/>
+              </a:schemeClr>
+            </a:lnRef>
+            <a:fillRef idx="1">
+              <a:schemeClr val="accent1"/>
+            </a:fillRef>
+            <a:effectRef idx="0">
+              <a:schemeClr val="accent1"/>
+            </a:effectRef>
+            <a:fontRef idx="minor">
+              <a:schemeClr val="lt1"/>
+            </a:fontRef>
+          </p:style>
+          <p:txBody>
+            <a:bodyPr rtlCol="0" anchor="ctr"/>
+            <a:lstStyle/>
+            <a:p>
+              <a:pPr algn="ctr"/>
+              <a:endParaRPr lang="en-ZA"/>
+            </a:p>
+          </p:txBody>
+        </p:sp>
+        <p:sp>
+          <p:nvSpPr>
+            <p:cNvPr id="11" name="Oval 10">
+              <a:extLst>
+                <a:ext uri="{FF2B5EF4-FFF2-40B4-BE49-F238E27FC236}">
+                  <a16:creationId xmlns:a16="http://schemas.microsoft.com/office/drawing/2014/main" id="{A9FB9B9D-1894-4046-9C7B-6E2A34A7E043}"/>
+                </a:ext>
+              </a:extLst>
+            </p:cNvPr>
+            <p:cNvSpPr/>
+            <p:nvPr/>
+          </p:nvSpPr>
+          <p:spPr>
+            <a:xfrm>
+              <a:off x="4683530" y="3438088"/>
+              <a:ext cx="1015450" cy="1015450"/>
+            </a:xfrm>
+            <a:prstGeom prst="ellipse">
+              <a:avLst/>
+            </a:prstGeom>
+            <a:solidFill>
+              <a:schemeClr val="tx1">
+                <a:alpha val="50000"/>
+              </a:schemeClr>
+            </a:solidFill>
+            <a:ln w="38100">
+              <a:solidFill>
+                <a:schemeClr val="bg2">
+                  <a:lumMod val="75000"/>
+                </a:schemeClr>
+              </a:solidFill>
+              <a:prstDash val="dash"/>
+            </a:ln>
+          </p:spPr>
+          <p:style>
+            <a:lnRef idx="2">
+              <a:schemeClr val="accent1">
+                <a:shade val="50000"/>
+              </a:schemeClr>
+            </a:lnRef>
+            <a:fillRef idx="1">
+              <a:schemeClr val="accent1"/>
+            </a:fillRef>
+            <a:effectRef idx="0">
+              <a:schemeClr val="accent1"/>
+            </a:effectRef>
+            <a:fontRef idx="minor">
+              <a:schemeClr val="lt1"/>
+            </a:fontRef>
+          </p:style>
+          <p:txBody>
+            <a:bodyPr rot="0" spcFirstLastPara="0" vertOverflow="overflow" horzOverflow="overflow" vert="horz" wrap="square" lIns="91440" tIns="45720" rIns="91440" bIns="45720" numCol="1" spcCol="0" rtlCol="0" fromWordArt="0" anchor="ctr" anchorCtr="0" forceAA="0" compatLnSpc="1">
+              <a:prstTxWarp prst="textNoShape">
+                <a:avLst/>
+              </a:prstTxWarp>
+              <a:noAutofit/>
+            </a:bodyPr>
+            <a:lstStyle/>
+            <a:p>
+              <a:pPr algn="ctr"/>
+              <a:endParaRPr lang="en-ZA">
+                <a:ln>
+                  <a:solidFill>
+                    <a:schemeClr val="tx1"/>
+                  </a:solidFill>
+                  <a:prstDash val="dash"/>
+                </a:ln>
+              </a:endParaRPr>
+            </a:p>
+          </p:txBody>
+        </p:sp>
+      </p:grpSp>
+      <p:grpSp>
+        <p:nvGrpSpPr>
+          <p:cNvPr id="21" name="Group 20">
+            <a:extLst>
+              <a:ext uri="{FF2B5EF4-FFF2-40B4-BE49-F238E27FC236}">
+                <a16:creationId xmlns:a16="http://schemas.microsoft.com/office/drawing/2014/main" id="{4B18283D-7205-48DF-AC62-64FC4398724C}"/>
+              </a:ext>
+            </a:extLst>
+          </p:cNvPr>
+          <p:cNvGrpSpPr/>
+          <p:nvPr/>
+        </p:nvGrpSpPr>
+        <p:grpSpPr>
+          <a:xfrm>
+            <a:off x="4176753" y="4461948"/>
+            <a:ext cx="823476" cy="899700"/>
+            <a:chOff x="5883557" y="4381420"/>
+            <a:chExt cx="823476" cy="899700"/>
+          </a:xfrm>
+        </p:grpSpPr>
+        <p:sp>
+          <p:nvSpPr>
+            <p:cNvPr id="7" name="Rectangle 6">
+              <a:extLst>
+                <a:ext uri="{FF2B5EF4-FFF2-40B4-BE49-F238E27FC236}">
+                  <a16:creationId xmlns:a16="http://schemas.microsoft.com/office/drawing/2014/main" id="{108EF42E-70B9-46AD-BB8E-70A694EE120F}"/>
+                </a:ext>
+              </a:extLst>
+            </p:cNvPr>
+            <p:cNvSpPr/>
+            <p:nvPr/>
+          </p:nvSpPr>
+          <p:spPr>
+            <a:xfrm>
+              <a:off x="5989258" y="4562214"/>
+              <a:ext cx="618688" cy="618688"/>
+            </a:xfrm>
+            <a:prstGeom prst="rect">
+              <a:avLst/>
+            </a:prstGeom>
+            <a:solidFill>
+              <a:schemeClr val="tx1"/>
+            </a:solidFill>
+            <a:ln w="38100">
+              <a:solidFill>
+                <a:schemeClr val="bg2">
+                  <a:lumMod val="75000"/>
+                </a:schemeClr>
+              </a:solidFill>
+            </a:ln>
+          </p:spPr>
+          <p:style>
+            <a:lnRef idx="2">
+              <a:schemeClr val="accent1">
+                <a:shade val="50000"/>
+              </a:schemeClr>
+            </a:lnRef>
+            <a:fillRef idx="1">
+              <a:schemeClr val="accent1"/>
+            </a:fillRef>
+            <a:effectRef idx="0">
+              <a:schemeClr val="accent1"/>
+            </a:effectRef>
+            <a:fontRef idx="minor">
+              <a:schemeClr val="lt1"/>
+            </a:fontRef>
+          </p:style>
+          <p:txBody>
+            <a:bodyPr rtlCol="0" anchor="ctr"/>
+            <a:lstStyle/>
+            <a:p>
+              <a:pPr algn="ctr"/>
+              <a:endParaRPr lang="en-ZA"/>
+            </a:p>
+          </p:txBody>
+        </p:sp>
+        <p:cxnSp>
+          <p:nvCxnSpPr>
+            <p:cNvPr id="13" name="Straight Connector 12">
+              <a:extLst>
+                <a:ext uri="{FF2B5EF4-FFF2-40B4-BE49-F238E27FC236}">
+                  <a16:creationId xmlns:a16="http://schemas.microsoft.com/office/drawing/2014/main" id="{A5F5B4EB-0D51-4051-A845-BCBB0A66823E}"/>
+                </a:ext>
+              </a:extLst>
+            </p:cNvPr>
+            <p:cNvCxnSpPr/>
+            <p:nvPr/>
+          </p:nvCxnSpPr>
+          <p:spPr>
+            <a:xfrm flipV="1">
+              <a:off x="6502245" y="4561204"/>
+              <a:ext cx="204788" cy="619698"/>
+            </a:xfrm>
+            <a:prstGeom prst="line">
+              <a:avLst/>
+            </a:prstGeom>
+            <a:solidFill>
+              <a:schemeClr val="tx1">
+                <a:alpha val="50000"/>
+              </a:schemeClr>
+            </a:solidFill>
+            <a:ln w="38100">
+              <a:solidFill>
+                <a:schemeClr val="bg2">
+                  <a:lumMod val="75000"/>
+                </a:schemeClr>
+              </a:solidFill>
+              <a:prstDash val="dash"/>
+            </a:ln>
+          </p:spPr>
+          <p:style>
+            <a:lnRef idx="2">
+              <a:schemeClr val="accent1">
+                <a:shade val="50000"/>
+              </a:schemeClr>
+            </a:lnRef>
+            <a:fillRef idx="1">
+              <a:schemeClr val="accent1"/>
+            </a:fillRef>
+            <a:effectRef idx="0">
+              <a:schemeClr val="accent1"/>
+            </a:effectRef>
+            <a:fontRef idx="minor">
+              <a:schemeClr val="lt1"/>
+            </a:fontRef>
+          </p:style>
+        </p:cxnSp>
+        <p:cxnSp>
+          <p:nvCxnSpPr>
+            <p:cNvPr id="14" name="Straight Connector 13">
+              <a:extLst>
+                <a:ext uri="{FF2B5EF4-FFF2-40B4-BE49-F238E27FC236}">
+                  <a16:creationId xmlns:a16="http://schemas.microsoft.com/office/drawing/2014/main" id="{189E78AC-727F-4844-9D4B-83828E194D8C}"/>
+                </a:ext>
+              </a:extLst>
+            </p:cNvPr>
+            <p:cNvCxnSpPr>
+              <a:cxnSpLocks/>
+            </p:cNvCxnSpPr>
+            <p:nvPr/>
+          </p:nvCxnSpPr>
+          <p:spPr>
+            <a:xfrm>
+              <a:off x="5886864" y="4561204"/>
+              <a:ext cx="204788" cy="619698"/>
+            </a:xfrm>
+            <a:prstGeom prst="line">
+              <a:avLst/>
+            </a:prstGeom>
+            <a:solidFill>
+              <a:schemeClr val="tx1">
+                <a:alpha val="50000"/>
+              </a:schemeClr>
+            </a:solidFill>
+            <a:ln w="38100">
+              <a:solidFill>
+                <a:schemeClr val="bg2">
+                  <a:lumMod val="75000"/>
+                </a:schemeClr>
+              </a:solidFill>
+              <a:prstDash val="dash"/>
+            </a:ln>
+          </p:spPr>
+          <p:style>
+            <a:lnRef idx="2">
+              <a:schemeClr val="accent1">
+                <a:shade val="50000"/>
+              </a:schemeClr>
+            </a:lnRef>
+            <a:fillRef idx="1">
+              <a:schemeClr val="accent1"/>
+            </a:fillRef>
+            <a:effectRef idx="0">
+              <a:schemeClr val="accent1"/>
+            </a:effectRef>
+            <a:fontRef idx="minor">
+              <a:schemeClr val="lt1"/>
+            </a:fontRef>
+          </p:style>
+        </p:cxnSp>
+        <p:sp>
+          <p:nvSpPr>
+            <p:cNvPr id="15" name="Block Arc 14">
+              <a:extLst>
+                <a:ext uri="{FF2B5EF4-FFF2-40B4-BE49-F238E27FC236}">
+                  <a16:creationId xmlns:a16="http://schemas.microsoft.com/office/drawing/2014/main" id="{2C285D15-C536-40B9-A936-0EA4C5974E7F}"/>
+                </a:ext>
+              </a:extLst>
+            </p:cNvPr>
+            <p:cNvSpPr/>
+            <p:nvPr/>
+          </p:nvSpPr>
+          <p:spPr>
+            <a:xfrm>
+              <a:off x="5883557" y="4381420"/>
+              <a:ext cx="823476" cy="359568"/>
+            </a:xfrm>
+            <a:prstGeom prst="blockArc">
+              <a:avLst>
+                <a:gd name="adj1" fmla="val 10800000"/>
+                <a:gd name="adj2" fmla="val 0"/>
+                <a:gd name="adj3" fmla="val 0"/>
+              </a:avLst>
+            </a:prstGeom>
+            <a:solidFill>
+              <a:schemeClr val="tx1">
+                <a:alpha val="50000"/>
+              </a:schemeClr>
+            </a:solidFill>
+            <a:ln w="38100">
+              <a:solidFill>
+                <a:schemeClr val="bg2">
+                  <a:lumMod val="75000"/>
+                </a:schemeClr>
+              </a:solidFill>
+              <a:prstDash val="dash"/>
+            </a:ln>
+          </p:spPr>
+          <p:style>
+            <a:lnRef idx="2">
+              <a:schemeClr val="accent1">
+                <a:shade val="50000"/>
+              </a:schemeClr>
+            </a:lnRef>
+            <a:fillRef idx="1">
+              <a:schemeClr val="accent1"/>
+            </a:fillRef>
+            <a:effectRef idx="0">
+              <a:schemeClr val="accent1"/>
+            </a:effectRef>
+            <a:fontRef idx="minor">
+              <a:schemeClr val="lt1"/>
+            </a:fontRef>
+          </p:style>
+          <p:txBody>
+            <a:bodyPr rot="0" spcFirstLastPara="0" vertOverflow="overflow" horzOverflow="overflow" vert="horz" wrap="square" lIns="91440" tIns="45720" rIns="91440" bIns="45720" numCol="1" spcCol="0" rtlCol="0" fromWordArt="0" anchor="ctr" anchorCtr="0" forceAA="0" compatLnSpc="1">
+              <a:prstTxWarp prst="textNoShape">
+                <a:avLst/>
+              </a:prstTxWarp>
+              <a:noAutofit/>
+            </a:bodyPr>
+            <a:lstStyle/>
+            <a:p>
+              <a:pPr algn="ctr"/>
+              <a:endParaRPr lang="en-ZA">
+                <a:ln>
+                  <a:solidFill>
+                    <a:schemeClr val="tx1"/>
+                  </a:solidFill>
+                  <a:prstDash val="dash"/>
+                </a:ln>
+              </a:endParaRPr>
+            </a:p>
+          </p:txBody>
+        </p:sp>
+        <p:sp>
+          <p:nvSpPr>
+            <p:cNvPr id="16" name="Block Arc 15">
+              <a:extLst>
+                <a:ext uri="{FF2B5EF4-FFF2-40B4-BE49-F238E27FC236}">
+                  <a16:creationId xmlns:a16="http://schemas.microsoft.com/office/drawing/2014/main" id="{CCEF3A70-09CF-4F3B-90A0-76AA3082D149}"/>
+                </a:ext>
+              </a:extLst>
+            </p:cNvPr>
+            <p:cNvSpPr/>
+            <p:nvPr/>
+          </p:nvSpPr>
+          <p:spPr>
+            <a:xfrm>
+              <a:off x="6089998" y="5080683"/>
+              <a:ext cx="410593" cy="200437"/>
+            </a:xfrm>
+            <a:prstGeom prst="blockArc">
+              <a:avLst>
+                <a:gd name="adj1" fmla="val 10800000"/>
+                <a:gd name="adj2" fmla="val 0"/>
+                <a:gd name="adj3" fmla="val 0"/>
+              </a:avLst>
+            </a:prstGeom>
+            <a:solidFill>
+              <a:schemeClr val="tx1">
+                <a:alpha val="50000"/>
+              </a:schemeClr>
+            </a:solidFill>
+            <a:ln w="38100">
+              <a:solidFill>
+                <a:schemeClr val="bg2">
+                  <a:lumMod val="75000"/>
+                </a:schemeClr>
+              </a:solidFill>
+              <a:prstDash val="dash"/>
+            </a:ln>
+          </p:spPr>
+          <p:style>
+            <a:lnRef idx="2">
+              <a:schemeClr val="accent1">
+                <a:shade val="50000"/>
+              </a:schemeClr>
+            </a:lnRef>
+            <a:fillRef idx="1">
+              <a:schemeClr val="accent1"/>
+            </a:fillRef>
+            <a:effectRef idx="0">
+              <a:schemeClr val="accent1"/>
+            </a:effectRef>
+            <a:fontRef idx="minor">
+              <a:schemeClr val="lt1"/>
+            </a:fontRef>
+          </p:style>
+          <p:txBody>
+            <a:bodyPr rtlCol="0" anchor="ctr"/>
+            <a:lstStyle/>
+            <a:p>
+              <a:pPr algn="ctr"/>
+              <a:endParaRPr lang="en-ZA">
+                <a:solidFill>
+                  <a:schemeClr val="tx1"/>
+                </a:solidFill>
+              </a:endParaRPr>
+            </a:p>
+          </p:txBody>
+        </p:sp>
+      </p:grpSp>
+      <p:grpSp>
+        <p:nvGrpSpPr>
+          <p:cNvPr id="22" name="Group 21">
+            <a:extLst>
+              <a:ext uri="{FF2B5EF4-FFF2-40B4-BE49-F238E27FC236}">
+                <a16:creationId xmlns:a16="http://schemas.microsoft.com/office/drawing/2014/main" id="{F1FE906E-B845-4746-9547-2937AD087108}"/>
+              </a:ext>
+            </a:extLst>
+          </p:cNvPr>
+          <p:cNvGrpSpPr/>
+          <p:nvPr/>
+        </p:nvGrpSpPr>
+        <p:grpSpPr>
+          <a:xfrm>
+            <a:off x="4881911" y="5389923"/>
+            <a:ext cx="1015450" cy="704338"/>
+            <a:chOff x="6981584" y="5382925"/>
+            <a:chExt cx="1015450" cy="704338"/>
+          </a:xfrm>
+        </p:grpSpPr>
+        <p:sp>
+          <p:nvSpPr>
+            <p:cNvPr id="8" name="Rectangle 7">
+              <a:extLst>
+                <a:ext uri="{FF2B5EF4-FFF2-40B4-BE49-F238E27FC236}">
+                  <a16:creationId xmlns:a16="http://schemas.microsoft.com/office/drawing/2014/main" id="{7C208AB4-B1F5-4F0D-AA04-C4BBDBC9BD77}"/>
+                </a:ext>
+              </a:extLst>
+            </p:cNvPr>
+            <p:cNvSpPr/>
+            <p:nvPr/>
+          </p:nvSpPr>
+          <p:spPr>
+            <a:xfrm>
+              <a:off x="7130161" y="5468575"/>
+              <a:ext cx="618688" cy="618688"/>
+            </a:xfrm>
+            <a:prstGeom prst="rect">
+              <a:avLst/>
+            </a:prstGeom>
+            <a:solidFill>
+              <a:schemeClr val="tx1"/>
+            </a:solidFill>
+            <a:ln w="38100">
+              <a:solidFill>
+                <a:schemeClr val="bg2">
+                  <a:lumMod val="75000"/>
+                </a:schemeClr>
+              </a:solidFill>
+            </a:ln>
+          </p:spPr>
+          <p:style>
+            <a:lnRef idx="2">
+              <a:schemeClr val="accent1">
+                <a:shade val="50000"/>
+              </a:schemeClr>
+            </a:lnRef>
+            <a:fillRef idx="1">
+              <a:schemeClr val="accent1"/>
+            </a:fillRef>
+            <a:effectRef idx="0">
+              <a:schemeClr val="accent1"/>
+            </a:effectRef>
+            <a:fontRef idx="minor">
+              <a:schemeClr val="lt1"/>
+            </a:fontRef>
+          </p:style>
+          <p:txBody>
+            <a:bodyPr rtlCol="0" anchor="ctr"/>
+            <a:lstStyle/>
+            <a:p>
+              <a:pPr algn="ctr"/>
+              <a:endParaRPr lang="en-ZA"/>
+            </a:p>
+          </p:txBody>
+        </p:sp>
+        <p:sp>
+          <p:nvSpPr>
+            <p:cNvPr id="17" name="Flowchart: Decision 16">
+              <a:extLst>
+                <a:ext uri="{FF2B5EF4-FFF2-40B4-BE49-F238E27FC236}">
+                  <a16:creationId xmlns:a16="http://schemas.microsoft.com/office/drawing/2014/main" id="{FA1A22AA-2B70-48A0-B8F5-A35841663324}"/>
+                </a:ext>
+              </a:extLst>
+            </p:cNvPr>
+            <p:cNvSpPr/>
+            <p:nvPr/>
+          </p:nvSpPr>
+          <p:spPr>
+            <a:xfrm rot="18900000">
+              <a:off x="6981584" y="5382925"/>
+              <a:ext cx="1015450" cy="680352"/>
+            </a:xfrm>
+            <a:prstGeom prst="flowChartDecision">
+              <a:avLst/>
+            </a:prstGeom>
+            <a:solidFill>
+              <a:schemeClr val="tx1">
+                <a:alpha val="50000"/>
+              </a:schemeClr>
+            </a:solidFill>
+            <a:ln w="38100">
+              <a:solidFill>
+                <a:schemeClr val="bg2">
+                  <a:lumMod val="75000"/>
+                </a:schemeClr>
+              </a:solidFill>
+              <a:prstDash val="dash"/>
+            </a:ln>
+          </p:spPr>
+          <p:style>
+            <a:lnRef idx="2">
+              <a:schemeClr val="accent1">
+                <a:shade val="50000"/>
+              </a:schemeClr>
+            </a:lnRef>
+            <a:fillRef idx="1">
+              <a:schemeClr val="accent1"/>
+            </a:fillRef>
+            <a:effectRef idx="0">
+              <a:schemeClr val="accent1"/>
+            </a:effectRef>
+            <a:fontRef idx="minor">
+              <a:schemeClr val="lt1"/>
+            </a:fontRef>
+          </p:style>
+          <p:txBody>
+            <a:bodyPr rot="0" spcFirstLastPara="0" vertOverflow="overflow" horzOverflow="overflow" vert="horz" wrap="square" lIns="91440" tIns="45720" rIns="91440" bIns="45720" numCol="1" spcCol="0" rtlCol="0" fromWordArt="0" anchor="ctr" anchorCtr="0" forceAA="0" compatLnSpc="1">
+              <a:prstTxWarp prst="textNoShape">
+                <a:avLst/>
+              </a:prstTxWarp>
+              <a:noAutofit/>
+            </a:bodyPr>
+            <a:lstStyle/>
+            <a:p>
+              <a:pPr algn="ctr"/>
+              <a:endParaRPr lang="en-ZA">
+                <a:ln>
+                  <a:solidFill>
+                    <a:schemeClr val="tx1"/>
+                  </a:solidFill>
+                  <a:prstDash val="dash"/>
+                </a:ln>
+              </a:endParaRPr>
+            </a:p>
+          </p:txBody>
+        </p:sp>
+      </p:grpSp>
+    </p:spTree>
+    <p:extLst>
+      <p:ext uri="{BB962C8B-B14F-4D97-AF65-F5344CB8AC3E}">
+        <p14:creationId xmlns:p14="http://schemas.microsoft.com/office/powerpoint/2010/main" val="4079986749"/>
+      </p:ext>
+    </p:extLst>
+  </p:cSld>
+  <p:clrMapOvr>
+    <a:masterClrMapping/>
+  </p:clrMapOvr>
+</p:sld>
+</file>
+
+<file path=ppt/slides/slide5.xml><?xml version="1.0" encoding="utf-8"?>
+<p:sld xmlns:a="http://schemas.openxmlformats.org/drawingml/2006/main" xmlns:r="http://schemas.openxmlformats.org/officeDocument/2006/relationships" xmlns:p="http://schemas.openxmlformats.org/presentationml/2006/main">
+  <p:cSld>
+    <p:spTree>
+      <p:nvGrpSpPr>
+        <p:cNvPr id="1" name=""/>
+        <p:cNvGrpSpPr/>
+        <p:nvPr/>
+      </p:nvGrpSpPr>
+      <p:grpSpPr>
+        <a:xfrm>
+          <a:off x="0" y="0"/>
+          <a:ext cx="0" cy="0"/>
+          <a:chOff x="0" y="0"/>
+          <a:chExt cx="0" cy="0"/>
+        </a:xfrm>
+      </p:grpSpPr>
+      <p:sp>
+        <p:nvSpPr>
+          <p:cNvPr id="2" name="Title 1">
+            <a:extLst>
+              <a:ext uri="{FF2B5EF4-FFF2-40B4-BE49-F238E27FC236}">
+                <a16:creationId xmlns:a16="http://schemas.microsoft.com/office/drawing/2014/main" id="{0E67177F-1609-4E5A-B0C3-17FF4645F0B9}"/>
+              </a:ext>
+            </a:extLst>
+          </p:cNvPr>
+          <p:cNvSpPr>
+            <a:spLocks noGrp="1"/>
+          </p:cNvSpPr>
+          <p:nvPr>
+            <p:ph type="title"/>
+          </p:nvPr>
+        </p:nvSpPr>
+        <p:spPr/>
+        <p:txBody>
+          <a:bodyPr/>
+          <a:lstStyle/>
+          <a:p>
+            <a:r>
+              <a:rPr lang="en-US" dirty="0"/>
+              <a:t>Code</a:t>
+            </a:r>
+            <a:endParaRPr lang="en-ZA" dirty="0"/>
+          </a:p>
+        </p:txBody>
+      </p:sp>
+      <p:sp>
+        <p:nvSpPr>
+          <p:cNvPr id="3" name="Content Placeholder 2">
+            <a:extLst>
+              <a:ext uri="{FF2B5EF4-FFF2-40B4-BE49-F238E27FC236}">
+                <a16:creationId xmlns:a16="http://schemas.microsoft.com/office/drawing/2014/main" id="{03B2451A-9AC7-4808-8FE0-4BAABC7EED5B}"/>
+              </a:ext>
+            </a:extLst>
+          </p:cNvPr>
+          <p:cNvSpPr>
+            <a:spLocks noGrp="1"/>
+          </p:cNvSpPr>
+          <p:nvPr>
+            <p:ph idx="1"/>
+          </p:nvPr>
+        </p:nvSpPr>
+        <p:spPr/>
+        <p:txBody>
+          <a:bodyPr/>
+          <a:lstStyle/>
+          <a:p>
+            <a:r>
+              <a:rPr lang="en-US" dirty="0"/>
+              <a:t>Random deletion of internal elements</a:t>
+            </a:r>
+          </a:p>
+          <a:p>
+            <a:pPr lvl="1"/>
+            <a:r>
+              <a:rPr lang="en-US" dirty="0"/>
+              <a:t>Remove free floating elements left afterwards</a:t>
+            </a:r>
+          </a:p>
+          <a:p>
+            <a:pPr lvl="1"/>
+            <a:r>
+              <a:rPr lang="en-US" dirty="0"/>
+              <a:t>Does a single node connection count?</a:t>
+            </a:r>
+          </a:p>
+          <a:p>
+            <a:r>
+              <a:rPr lang="en-ZA" dirty="0"/>
+              <a:t>Multiple generations?</a:t>
+            </a:r>
+          </a:p>
+          <a:p>
+            <a:pPr lvl="1"/>
+            <a:r>
+              <a:rPr lang="en-ZA" dirty="0"/>
+              <a:t>Evolve</a:t>
+            </a:r>
+          </a:p>
+          <a:p>
+            <a:pPr lvl="2"/>
+            <a:r>
+              <a:rPr lang="en-ZA" dirty="0"/>
+              <a:t>Add/remove neighbouring elements</a:t>
+            </a:r>
+          </a:p>
+          <a:p>
+            <a:pPr lvl="2"/>
+            <a:r>
+              <a:rPr lang="en-ZA" dirty="0"/>
+              <a:t>Cross-breed grids</a:t>
+            </a:r>
+          </a:p>
+          <a:p>
+            <a:pPr lvl="3"/>
+            <a:r>
+              <a:rPr lang="en-ZA" dirty="0"/>
+              <a:t>Keep overlapping elements and spaces</a:t>
+            </a:r>
+          </a:p>
+          <a:p>
+            <a:pPr lvl="3"/>
+            <a:r>
+              <a:rPr lang="en-ZA" dirty="0"/>
+              <a:t>50/50 on differences</a:t>
+            </a:r>
+          </a:p>
+          <a:p>
+            <a:pPr lvl="2"/>
+            <a:r>
+              <a:rPr lang="en-ZA" dirty="0"/>
+              <a:t>Weight of metric</a:t>
+            </a:r>
+          </a:p>
+          <a:p>
+            <a:pPr lvl="3"/>
+            <a:r>
+              <a:rPr lang="en-ZA" dirty="0"/>
+              <a:t>Maximum node stress</a:t>
+            </a:r>
+          </a:p>
+          <a:p>
+            <a:pPr lvl="3"/>
+            <a:r>
+              <a:rPr lang="en-ZA" dirty="0"/>
+              <a:t>Boundary energy</a:t>
+            </a:r>
+          </a:p>
+        </p:txBody>
+      </p:sp>
+    </p:spTree>
+    <p:extLst>
+      <p:ext uri="{BB962C8B-B14F-4D97-AF65-F5344CB8AC3E}">
+        <p14:creationId xmlns:p14="http://schemas.microsoft.com/office/powerpoint/2010/main" val="404190473"/>
+      </p:ext>
+    </p:extLst>
+  </p:cSld>
+  <p:clrMapOvr>
+    <a:masterClrMapping/>
+  </p:clrMapOvr>
+</p:sld>
+</file>
+
+<file path=ppt/slides/slide6.xml><?xml version="1.0" encoding="utf-8"?>
+<p:sld xmlns:a="http://schemas.openxmlformats.org/drawingml/2006/main" xmlns:r="http://schemas.openxmlformats.org/officeDocument/2006/relationships" xmlns:p="http://schemas.openxmlformats.org/presentationml/2006/main">
+  <p:cSld>
+    <p:spTree>
+      <p:nvGrpSpPr>
+        <p:cNvPr id="1" name=""/>
+        <p:cNvGrpSpPr/>
+        <p:nvPr/>
+      </p:nvGrpSpPr>
+      <p:grpSpPr>
+        <a:xfrm>
+          <a:off x="0" y="0"/>
+          <a:ext cx="0" cy="0"/>
+          <a:chOff x="0" y="0"/>
+          <a:chExt cx="0" cy="0"/>
+        </a:xfrm>
+      </p:grpSpPr>
+      <p:sp>
+        <p:nvSpPr>
+          <p:cNvPr id="2" name="Title 1">
+            <a:extLst>
+              <a:ext uri="{FF2B5EF4-FFF2-40B4-BE49-F238E27FC236}">
+                <a16:creationId xmlns:a16="http://schemas.microsoft.com/office/drawing/2014/main" id="{0E67177F-1609-4E5A-B0C3-17FF4645F0B9}"/>
+              </a:ext>
+            </a:extLst>
+          </p:cNvPr>
+          <p:cNvSpPr>
+            <a:spLocks noGrp="1"/>
+          </p:cNvSpPr>
+          <p:nvPr>
+            <p:ph type="title"/>
+          </p:nvPr>
+        </p:nvSpPr>
+        <p:spPr/>
+        <p:txBody>
+          <a:bodyPr/>
+          <a:lstStyle/>
+          <a:p>
+            <a:r>
+              <a:rPr lang="en-US" dirty="0" err="1"/>
+              <a:t>Loadcase</a:t>
+            </a:r>
+            <a:endParaRPr lang="en-ZA" dirty="0"/>
+          </a:p>
+        </p:txBody>
+      </p:sp>
+      <p:grpSp>
+        <p:nvGrpSpPr>
+          <p:cNvPr id="5" name="Group 4">
+            <a:extLst>
+              <a:ext uri="{FF2B5EF4-FFF2-40B4-BE49-F238E27FC236}">
+                <a16:creationId xmlns:a16="http://schemas.microsoft.com/office/drawing/2014/main" id="{458EFC16-6E78-45F8-98B5-208D51907EE6}"/>
+              </a:ext>
+            </a:extLst>
+          </p:cNvPr>
+          <p:cNvGrpSpPr/>
+          <p:nvPr/>
+        </p:nvGrpSpPr>
+        <p:grpSpPr>
+          <a:xfrm>
+            <a:off x="2781414" y="2673942"/>
+            <a:ext cx="2817722" cy="2178051"/>
+            <a:chOff x="8253325" y="2301262"/>
+            <a:chExt cx="2817722" cy="2178051"/>
+          </a:xfrm>
+        </p:grpSpPr>
+        <p:pic>
+          <p:nvPicPr>
+            <p:cNvPr id="1026" name="Picture 2">
+              <a:extLst>
+                <a:ext uri="{FF2B5EF4-FFF2-40B4-BE49-F238E27FC236}">
+                  <a16:creationId xmlns:a16="http://schemas.microsoft.com/office/drawing/2014/main" id="{7028803D-FEFF-4107-9F18-F985A724055A}"/>
+                </a:ext>
+              </a:extLst>
+            </p:cNvPr>
+            <p:cNvPicPr>
+              <a:picLocks noChangeAspect="1" noChangeArrowheads="1"/>
+            </p:cNvPicPr>
+            <p:nvPr/>
+          </p:nvPicPr>
+          <p:blipFill rotWithShape="1">
+            <a:blip r:embed="rId2">
+              <a:extLst>
+                <a:ext uri="{28A0092B-C50C-407E-A947-70E740481C1C}">
+                  <a14:useLocalDpi xmlns:a14="http://schemas.microsoft.com/office/drawing/2010/main" val="0"/>
+                </a:ext>
+              </a:extLst>
+            </a:blip>
+            <a:srcRect l="3542" t="15704" r="35105" b="17007"/>
+            <a:stretch/>
+          </p:blipFill>
+          <p:spPr bwMode="auto">
+            <a:xfrm>
+              <a:off x="8339050" y="2301263"/>
+              <a:ext cx="2647949" cy="2178050"/>
+            </a:xfrm>
+            <a:prstGeom prst="rect">
+              <a:avLst/>
+            </a:prstGeom>
+            <a:noFill/>
+            <a:extLst>
+              <a:ext uri="{909E8E84-426E-40DD-AFC4-6F175D3DCCD1}">
+                <a14:hiddenFill xmlns:a14="http://schemas.microsoft.com/office/drawing/2010/main">
+                  <a:solidFill>
+                    <a:srgbClr val="FFFFFF"/>
+                  </a:solidFill>
+                </a14:hiddenFill>
+              </a:ext>
+            </a:extLst>
+          </p:spPr>
+        </p:pic>
+        <p:sp>
+          <p:nvSpPr>
+            <p:cNvPr id="4" name="Oval 3">
+              <a:extLst>
+                <a:ext uri="{FF2B5EF4-FFF2-40B4-BE49-F238E27FC236}">
+                  <a16:creationId xmlns:a16="http://schemas.microsoft.com/office/drawing/2014/main" id="{62ED606C-B18C-46FD-833E-A5389F72707B}"/>
+                </a:ext>
+              </a:extLst>
+            </p:cNvPr>
+            <p:cNvSpPr/>
+            <p:nvPr/>
+          </p:nvSpPr>
+          <p:spPr>
+            <a:xfrm>
+              <a:off x="8253325" y="3343275"/>
+              <a:ext cx="171450" cy="171450"/>
+            </a:xfrm>
+            <a:prstGeom prst="ellipse">
+              <a:avLst/>
+            </a:prstGeom>
+            <a:solidFill>
+              <a:schemeClr val="tx1"/>
+            </a:solidFill>
+            <a:ln w="57150">
+              <a:solidFill>
+                <a:schemeClr val="bg2">
+                  <a:lumMod val="75000"/>
+                </a:schemeClr>
+              </a:solidFill>
+            </a:ln>
+          </p:spPr>
+          <p:style>
+            <a:lnRef idx="2">
+              <a:schemeClr val="accent1">
+                <a:shade val="50000"/>
+              </a:schemeClr>
+            </a:lnRef>
+            <a:fillRef idx="1">
+              <a:schemeClr val="accent1"/>
+            </a:fillRef>
+            <a:effectRef idx="0">
+              <a:schemeClr val="accent1"/>
+            </a:effectRef>
+            <a:fontRef idx="minor">
+              <a:schemeClr val="lt1"/>
+            </a:fontRef>
+          </p:style>
+          <p:txBody>
+            <a:bodyPr rtlCol="0" anchor="ctr"/>
+            <a:lstStyle/>
+            <a:p>
+              <a:pPr algn="ctr"/>
+              <a:endParaRPr lang="en-ZA"/>
+            </a:p>
+          </p:txBody>
+        </p:sp>
+        <p:sp>
+          <p:nvSpPr>
+            <p:cNvPr id="6" name="Oval 5">
+              <a:extLst>
+                <a:ext uri="{FF2B5EF4-FFF2-40B4-BE49-F238E27FC236}">
+                  <a16:creationId xmlns:a16="http://schemas.microsoft.com/office/drawing/2014/main" id="{4E245574-98BE-40F3-BFEE-E215483CCC9B}"/>
+                </a:ext>
+              </a:extLst>
+            </p:cNvPr>
+            <p:cNvSpPr/>
+            <p:nvPr/>
+          </p:nvSpPr>
+          <p:spPr>
+            <a:xfrm>
+              <a:off x="9577299" y="3325651"/>
+              <a:ext cx="171450" cy="171450"/>
+            </a:xfrm>
+            <a:prstGeom prst="ellipse">
+              <a:avLst/>
+            </a:prstGeom>
+            <a:solidFill>
+              <a:schemeClr val="tx1"/>
+            </a:solidFill>
+            <a:ln w="57150">
+              <a:solidFill>
+                <a:schemeClr val="bg2">
+                  <a:lumMod val="75000"/>
+                </a:schemeClr>
+              </a:solidFill>
+            </a:ln>
+          </p:spPr>
+          <p:style>
+            <a:lnRef idx="2">
+              <a:schemeClr val="accent1">
+                <a:shade val="50000"/>
+              </a:schemeClr>
+            </a:lnRef>
+            <a:fillRef idx="1">
+              <a:schemeClr val="accent1"/>
+            </a:fillRef>
+            <a:effectRef idx="0">
+              <a:schemeClr val="accent1"/>
+            </a:effectRef>
+            <a:fontRef idx="minor">
+              <a:schemeClr val="lt1"/>
+            </a:fontRef>
+          </p:style>
+          <p:txBody>
+            <a:bodyPr rtlCol="0" anchor="ctr"/>
+            <a:lstStyle/>
+            <a:p>
+              <a:pPr algn="ctr"/>
+              <a:endParaRPr lang="en-ZA"/>
+            </a:p>
+          </p:txBody>
+        </p:sp>
+        <p:sp>
+          <p:nvSpPr>
+            <p:cNvPr id="7" name="Oval 6">
+              <a:extLst>
+                <a:ext uri="{FF2B5EF4-FFF2-40B4-BE49-F238E27FC236}">
+                  <a16:creationId xmlns:a16="http://schemas.microsoft.com/office/drawing/2014/main" id="{4BC521E7-FE03-448F-89E0-A349BB252BBC}"/>
+                </a:ext>
+              </a:extLst>
+            </p:cNvPr>
+            <p:cNvSpPr/>
+            <p:nvPr/>
+          </p:nvSpPr>
+          <p:spPr>
+            <a:xfrm>
+              <a:off x="10899597" y="3325651"/>
+              <a:ext cx="171450" cy="171450"/>
+            </a:xfrm>
+            <a:prstGeom prst="ellipse">
+              <a:avLst/>
+            </a:prstGeom>
+            <a:solidFill>
+              <a:schemeClr val="tx1"/>
+            </a:solidFill>
+            <a:ln w="57150">
+              <a:solidFill>
+                <a:schemeClr val="bg2">
+                  <a:lumMod val="75000"/>
+                </a:schemeClr>
+              </a:solidFill>
+            </a:ln>
+          </p:spPr>
+          <p:style>
+            <a:lnRef idx="2">
+              <a:schemeClr val="accent1">
+                <a:shade val="50000"/>
+              </a:schemeClr>
+            </a:lnRef>
+            <a:fillRef idx="1">
+              <a:schemeClr val="accent1"/>
+            </a:fillRef>
+            <a:effectRef idx="0">
+              <a:schemeClr val="accent1"/>
+            </a:effectRef>
+            <a:fontRef idx="minor">
+              <a:schemeClr val="lt1"/>
+            </a:fontRef>
+          </p:style>
+          <p:txBody>
+            <a:bodyPr rtlCol="0" anchor="ctr"/>
+            <a:lstStyle/>
+            <a:p>
+              <a:pPr algn="ctr"/>
+              <a:endParaRPr lang="en-ZA"/>
+            </a:p>
+          </p:txBody>
+        </p:sp>
+        <p:sp>
+          <p:nvSpPr>
+            <p:cNvPr id="8" name="Oval 7">
+              <a:extLst>
+                <a:ext uri="{FF2B5EF4-FFF2-40B4-BE49-F238E27FC236}">
+                  <a16:creationId xmlns:a16="http://schemas.microsoft.com/office/drawing/2014/main" id="{7ED964FE-2510-4B7F-AFEC-979041832051}"/>
+                </a:ext>
+              </a:extLst>
+            </p:cNvPr>
+            <p:cNvSpPr/>
+            <p:nvPr/>
+          </p:nvSpPr>
+          <p:spPr>
+            <a:xfrm>
+              <a:off x="8935949" y="2301262"/>
+              <a:ext cx="171450" cy="171450"/>
+            </a:xfrm>
+            <a:prstGeom prst="ellipse">
+              <a:avLst/>
+            </a:prstGeom>
+            <a:solidFill>
+              <a:schemeClr val="tx1"/>
+            </a:solidFill>
+            <a:ln w="57150">
+              <a:solidFill>
+                <a:schemeClr val="bg2">
+                  <a:lumMod val="75000"/>
+                </a:schemeClr>
+              </a:solidFill>
+            </a:ln>
+          </p:spPr>
+          <p:style>
+            <a:lnRef idx="2">
+              <a:schemeClr val="accent1">
+                <a:shade val="50000"/>
+              </a:schemeClr>
+            </a:lnRef>
+            <a:fillRef idx="1">
+              <a:schemeClr val="accent1"/>
+            </a:fillRef>
+            <a:effectRef idx="0">
+              <a:schemeClr val="accent1"/>
+            </a:effectRef>
+            <a:fontRef idx="minor">
+              <a:schemeClr val="lt1"/>
+            </a:fontRef>
+          </p:style>
+          <p:txBody>
+            <a:bodyPr rtlCol="0" anchor="ctr"/>
+            <a:lstStyle/>
+            <a:p>
+              <a:pPr algn="ctr"/>
+              <a:endParaRPr lang="en-ZA"/>
+            </a:p>
+          </p:txBody>
+        </p:sp>
+        <p:sp>
+          <p:nvSpPr>
+            <p:cNvPr id="9" name="Oval 8">
+              <a:extLst>
+                <a:ext uri="{FF2B5EF4-FFF2-40B4-BE49-F238E27FC236}">
+                  <a16:creationId xmlns:a16="http://schemas.microsoft.com/office/drawing/2014/main" id="{39A00F35-1734-4731-B014-5FA0A9B65036}"/>
+                </a:ext>
+              </a:extLst>
+            </p:cNvPr>
+            <p:cNvSpPr/>
+            <p:nvPr/>
+          </p:nvSpPr>
+          <p:spPr>
+            <a:xfrm>
+              <a:off x="10256749" y="4307862"/>
+              <a:ext cx="171450" cy="171450"/>
+            </a:xfrm>
+            <a:prstGeom prst="ellipse">
+              <a:avLst/>
+            </a:prstGeom>
+            <a:solidFill>
+              <a:schemeClr val="tx1"/>
+            </a:solidFill>
+            <a:ln w="57150">
               <a:solidFill>
                 <a:schemeClr val="bg2">
                   <a:lumMod val="75000"/>
@@ -3730,10 +6869,10 @@
       </p:grpSp>
       <p:grpSp>
         <p:nvGrpSpPr>
-          <p:cNvPr id="9" name="Group 8">
+          <p:cNvPr id="10" name="Group 9">
             <a:extLst>
               <a:ext uri="{FF2B5EF4-FFF2-40B4-BE49-F238E27FC236}">
-                <a16:creationId xmlns:a16="http://schemas.microsoft.com/office/drawing/2014/main" id="{BA858EA8-5DE2-4A68-95D6-1CAD03E82D0A}"/>
+                <a16:creationId xmlns:a16="http://schemas.microsoft.com/office/drawing/2014/main" id="{131CA41D-1FD3-4D1C-B948-1D7C772CA014}"/>
               </a:ext>
             </a:extLst>
           </p:cNvPr>
@@ -3742,18 +6881,80 @@
         </p:nvGrpSpPr>
         <p:grpSpPr>
           <a:xfrm>
-            <a:off x="8462833" y="3353236"/>
-            <a:ext cx="707280" cy="1028097"/>
-            <a:chOff x="2618432" y="2872139"/>
-            <a:chExt cx="1341172" cy="1949518"/>
+            <a:off x="8491296" y="2673942"/>
+            <a:ext cx="2018164" cy="1973883"/>
+            <a:chOff x="8200120" y="4490417"/>
+            <a:chExt cx="2018164" cy="1973883"/>
           </a:xfrm>
         </p:grpSpPr>
+        <p:pic>
+          <p:nvPicPr>
+            <p:cNvPr id="1028" name="Picture 4" descr="How to Graph Reflections Across Axes, the Origin, and Line y=x ...">
+              <a:extLst>
+                <a:ext uri="{FF2B5EF4-FFF2-40B4-BE49-F238E27FC236}">
+                  <a16:creationId xmlns:a16="http://schemas.microsoft.com/office/drawing/2014/main" id="{4BB59D3A-C3D7-40F3-9A18-408BDFBE54A6}"/>
+                </a:ext>
+              </a:extLst>
+            </p:cNvPr>
+            <p:cNvPicPr>
+              <a:picLocks noChangeAspect="1" noChangeArrowheads="1"/>
+            </p:cNvPicPr>
+            <p:nvPr/>
+          </p:nvPicPr>
+          <p:blipFill rotWithShape="1">
+            <a:blip r:embed="rId3">
+              <a:clrChange>
+                <a:clrFrom>
+                  <a:srgbClr val="FFFFFF"/>
+                </a:clrFrom>
+                <a:clrTo>
+                  <a:srgbClr val="FFFFFF">
+                    <a:alpha val="0"/>
+                  </a:srgbClr>
+                </a:clrTo>
+              </a:clrChange>
+              <a:duotone>
+                <a:schemeClr val="bg2">
+                  <a:shade val="45000"/>
+                  <a:satMod val="135000"/>
+                </a:schemeClr>
+                <a:prstClr val="white"/>
+              </a:duotone>
+              <a:extLst>
+                <a:ext uri="{28A0092B-C50C-407E-A947-70E740481C1C}">
+                  <a14:useLocalDpi xmlns:a14="http://schemas.microsoft.com/office/drawing/2010/main" val="0"/>
+                </a:ext>
+              </a:extLst>
+            </a:blip>
+            <a:srcRect l="47973" t="2187" r="3112" b="48458"/>
+            <a:stretch/>
+          </p:blipFill>
+          <p:spPr bwMode="auto">
+            <a:xfrm>
+              <a:off x="8214860" y="4490417"/>
+              <a:ext cx="2003424" cy="1946247"/>
+            </a:xfrm>
+            <a:prstGeom prst="rect">
+              <a:avLst/>
+            </a:prstGeom>
+            <a:noFill/>
+            <a:extLst>
+              <a:ext uri="{909E8E84-426E-40DD-AFC4-6F175D3DCCD1}">
+                <a14:hiddenFill xmlns:a14="http://schemas.microsoft.com/office/drawing/2010/main">
+                  <a:solidFill>
+                    <a:srgbClr val="FFFFFF"/>
+                  </a:solidFill>
+                </a14:hiddenFill>
+              </a:ext>
+            </a:extLst>
+          </p:spPr>
+        </p:pic>
         <p:sp>
           <p:nvSpPr>
-            <p:cNvPr id="10" name="Parallelogram 9">
+            <p:cNvPr id="12" name="Oval 11">
               <a:extLst>
                 <a:ext uri="{FF2B5EF4-FFF2-40B4-BE49-F238E27FC236}">
-                  <a16:creationId xmlns:a16="http://schemas.microsoft.com/office/drawing/2014/main" id="{BD56A14F-3B27-47E0-8E8D-ADC28C380227}"/>
+                  <a16:creationId xmlns:a16="http://schemas.microsoft.com/office/drawing/2014/main" id="{9491643E-46C7-4C50-BE86-CC54DA6694F6}"/>
                 </a:ext>
               </a:extLst>
             </p:cNvPr>
@@ -3761,19 +6962,17 @@
             <p:nvPr/>
           </p:nvSpPr>
           <p:spPr>
-            <a:xfrm rot="16200000" flipV="1">
-              <a:off x="2485688" y="3004883"/>
-              <a:ext cx="1606659" cy="1341172"/>
+            <a:xfrm>
+              <a:off x="8200120" y="6292850"/>
+              <a:ext cx="171450" cy="171450"/>
             </a:xfrm>
-            <a:prstGeom prst="parallelogram">
+            <a:prstGeom prst="ellipse">
               <a:avLst/>
             </a:prstGeom>
             <a:solidFill>
-              <a:schemeClr val="tx1">
-                <a:lumMod val="95000"/>
-              </a:schemeClr>
+              <a:schemeClr val="tx1"/>
             </a:solidFill>
-            <a:ln>
+            <a:ln w="57150">
               <a:solidFill>
                 <a:schemeClr val="bg2">
                   <a:lumMod val="75000"/>
@@ -3808,10 +7007,10 @@
         </p:sp>
         <p:sp>
           <p:nvSpPr>
-            <p:cNvPr id="11" name="Parallelogram 10">
+            <p:cNvPr id="13" name="Oval 12">
               <a:extLst>
                 <a:ext uri="{FF2B5EF4-FFF2-40B4-BE49-F238E27FC236}">
-                  <a16:creationId xmlns:a16="http://schemas.microsoft.com/office/drawing/2014/main" id="{292EFC1A-1D4C-41E7-9005-C75343B7F294}"/>
+                  <a16:creationId xmlns:a16="http://schemas.microsoft.com/office/drawing/2014/main" id="{7D22C04F-EB11-4EC5-A0FA-3DD11B382B7B}"/>
                 </a:ext>
               </a:extLst>
             </p:cNvPr>
@@ -3819,19 +7018,17 @@
             <p:nvPr/>
           </p:nvSpPr>
           <p:spPr>
-            <a:xfrm rot="5400000">
-              <a:off x="2419110" y="3414321"/>
-              <a:ext cx="1606659" cy="1208014"/>
+            <a:xfrm>
+              <a:off x="9424082" y="5090160"/>
+              <a:ext cx="171450" cy="171450"/>
             </a:xfrm>
-            <a:prstGeom prst="parallelogram">
+            <a:prstGeom prst="ellipse">
               <a:avLst/>
             </a:prstGeom>
             <a:solidFill>
-              <a:schemeClr val="tx1">
-                <a:lumMod val="95000"/>
-              </a:schemeClr>
+              <a:schemeClr val="tx1"/>
             </a:solidFill>
-            <a:ln>
+            <a:ln w="57150">
               <a:solidFill>
                 <a:schemeClr val="bg2">
                   <a:lumMod val="75000"/>
@@ -3865,286 +7062,12 @@
           </p:txBody>
         </p:sp>
       </p:grpSp>
-      <p:grpSp>
-        <p:nvGrpSpPr>
-          <p:cNvPr id="12" name="Group 11">
+      <p:sp>
+        <p:nvSpPr>
+          <p:cNvPr id="11" name="Rectangle 10">
             <a:extLst>
               <a:ext uri="{FF2B5EF4-FFF2-40B4-BE49-F238E27FC236}">
-                <a16:creationId xmlns:a16="http://schemas.microsoft.com/office/drawing/2014/main" id="{67786570-5AFF-458D-887E-E08748EC5FD5}"/>
-              </a:ext>
-            </a:extLst>
-          </p:cNvPr>
-          <p:cNvGrpSpPr/>
-          <p:nvPr/>
-        </p:nvGrpSpPr>
-        <p:grpSpPr>
-          <a:xfrm>
-            <a:off x="5763122" y="1792936"/>
-            <a:ext cx="707280" cy="1028097"/>
-            <a:chOff x="2618432" y="2872139"/>
-            <a:chExt cx="1341172" cy="1949518"/>
-          </a:xfrm>
-        </p:grpSpPr>
-        <p:sp>
-          <p:nvSpPr>
-            <p:cNvPr id="13" name="Parallelogram 12">
-              <a:extLst>
-                <a:ext uri="{FF2B5EF4-FFF2-40B4-BE49-F238E27FC236}">
-                  <a16:creationId xmlns:a16="http://schemas.microsoft.com/office/drawing/2014/main" id="{C96F3308-6F17-47AA-AD12-85B18D6A284A}"/>
-                </a:ext>
-              </a:extLst>
-            </p:cNvPr>
-            <p:cNvSpPr/>
-            <p:nvPr/>
-          </p:nvSpPr>
-          <p:spPr>
-            <a:xfrm rot="16200000" flipV="1">
-              <a:off x="2485688" y="3004883"/>
-              <a:ext cx="1606659" cy="1341172"/>
-            </a:xfrm>
-            <a:prstGeom prst="parallelogram">
-              <a:avLst/>
-            </a:prstGeom>
-            <a:solidFill>
-              <a:schemeClr val="tx1">
-                <a:lumMod val="95000"/>
-              </a:schemeClr>
-            </a:solidFill>
-            <a:ln>
-              <a:solidFill>
-                <a:schemeClr val="bg2">
-                  <a:lumMod val="75000"/>
-                </a:schemeClr>
-              </a:solidFill>
-            </a:ln>
-          </p:spPr>
-          <p:style>
-            <a:lnRef idx="2">
-              <a:schemeClr val="accent1">
-                <a:shade val="50000"/>
-              </a:schemeClr>
-            </a:lnRef>
-            <a:fillRef idx="1">
-              <a:schemeClr val="accent1"/>
-            </a:fillRef>
-            <a:effectRef idx="0">
-              <a:schemeClr val="accent1"/>
-            </a:effectRef>
-            <a:fontRef idx="minor">
-              <a:schemeClr val="lt1"/>
-            </a:fontRef>
-          </p:style>
-          <p:txBody>
-            <a:bodyPr rtlCol="0" anchor="ctr"/>
-            <a:lstStyle/>
-            <a:p>
-              <a:pPr algn="ctr"/>
-              <a:endParaRPr lang="en-ZA"/>
-            </a:p>
-          </p:txBody>
-        </p:sp>
-        <p:sp>
-          <p:nvSpPr>
-            <p:cNvPr id="14" name="Parallelogram 13">
-              <a:extLst>
-                <a:ext uri="{FF2B5EF4-FFF2-40B4-BE49-F238E27FC236}">
-                  <a16:creationId xmlns:a16="http://schemas.microsoft.com/office/drawing/2014/main" id="{F36C6292-5C18-4670-AD3D-F1D44E1DD7A8}"/>
-                </a:ext>
-              </a:extLst>
-            </p:cNvPr>
-            <p:cNvSpPr/>
-            <p:nvPr/>
-          </p:nvSpPr>
-          <p:spPr>
-            <a:xfrm rot="5400000">
-              <a:off x="2419110" y="3414321"/>
-              <a:ext cx="1606659" cy="1208014"/>
-            </a:xfrm>
-            <a:prstGeom prst="parallelogram">
-              <a:avLst/>
-            </a:prstGeom>
-            <a:solidFill>
-              <a:schemeClr val="tx1">
-                <a:lumMod val="95000"/>
-              </a:schemeClr>
-            </a:solidFill>
-            <a:ln>
-              <a:solidFill>
-                <a:schemeClr val="bg2">
-                  <a:lumMod val="75000"/>
-                </a:schemeClr>
-              </a:solidFill>
-            </a:ln>
-          </p:spPr>
-          <p:style>
-            <a:lnRef idx="2">
-              <a:schemeClr val="accent1">
-                <a:shade val="50000"/>
-              </a:schemeClr>
-            </a:lnRef>
-            <a:fillRef idx="1">
-              <a:schemeClr val="accent1"/>
-            </a:fillRef>
-            <a:effectRef idx="0">
-              <a:schemeClr val="accent1"/>
-            </a:effectRef>
-            <a:fontRef idx="minor">
-              <a:schemeClr val="lt1"/>
-            </a:fontRef>
-          </p:style>
-          <p:txBody>
-            <a:bodyPr rtlCol="0" anchor="ctr"/>
-            <a:lstStyle/>
-            <a:p>
-              <a:pPr algn="ctr"/>
-              <a:endParaRPr lang="en-ZA"/>
-            </a:p>
-          </p:txBody>
-        </p:sp>
-      </p:grpSp>
-      <p:grpSp>
-        <p:nvGrpSpPr>
-          <p:cNvPr id="15" name="Group 14">
-            <a:extLst>
-              <a:ext uri="{FF2B5EF4-FFF2-40B4-BE49-F238E27FC236}">
-                <a16:creationId xmlns:a16="http://schemas.microsoft.com/office/drawing/2014/main" id="{CE9364A2-C1CC-4708-AC1A-6633C5302331}"/>
-              </a:ext>
-            </a:extLst>
-          </p:cNvPr>
-          <p:cNvGrpSpPr/>
-          <p:nvPr/>
-        </p:nvGrpSpPr>
-        <p:grpSpPr>
-          <a:xfrm>
-            <a:off x="3063410" y="3353236"/>
-            <a:ext cx="707280" cy="1028097"/>
-            <a:chOff x="2618432" y="2872139"/>
-            <a:chExt cx="1341172" cy="1949518"/>
-          </a:xfrm>
-        </p:grpSpPr>
-        <p:sp>
-          <p:nvSpPr>
-            <p:cNvPr id="16" name="Parallelogram 15">
-              <a:extLst>
-                <a:ext uri="{FF2B5EF4-FFF2-40B4-BE49-F238E27FC236}">
-                  <a16:creationId xmlns:a16="http://schemas.microsoft.com/office/drawing/2014/main" id="{CCE8E528-9C9E-493A-A94A-398F5EB61ABC}"/>
-                </a:ext>
-              </a:extLst>
-            </p:cNvPr>
-            <p:cNvSpPr/>
-            <p:nvPr/>
-          </p:nvSpPr>
-          <p:spPr>
-            <a:xfrm rot="16200000" flipV="1">
-              <a:off x="2485688" y="3004883"/>
-              <a:ext cx="1606659" cy="1341172"/>
-            </a:xfrm>
-            <a:prstGeom prst="parallelogram">
-              <a:avLst/>
-            </a:prstGeom>
-            <a:solidFill>
-              <a:schemeClr val="tx1">
-                <a:lumMod val="95000"/>
-              </a:schemeClr>
-            </a:solidFill>
-            <a:ln>
-              <a:solidFill>
-                <a:schemeClr val="bg2">
-                  <a:lumMod val="75000"/>
-                </a:schemeClr>
-              </a:solidFill>
-            </a:ln>
-          </p:spPr>
-          <p:style>
-            <a:lnRef idx="2">
-              <a:schemeClr val="accent1">
-                <a:shade val="50000"/>
-              </a:schemeClr>
-            </a:lnRef>
-            <a:fillRef idx="1">
-              <a:schemeClr val="accent1"/>
-            </a:fillRef>
-            <a:effectRef idx="0">
-              <a:schemeClr val="accent1"/>
-            </a:effectRef>
-            <a:fontRef idx="minor">
-              <a:schemeClr val="lt1"/>
-            </a:fontRef>
-          </p:style>
-          <p:txBody>
-            <a:bodyPr rtlCol="0" anchor="ctr"/>
-            <a:lstStyle/>
-            <a:p>
-              <a:pPr algn="ctr"/>
-              <a:endParaRPr lang="en-ZA"/>
-            </a:p>
-          </p:txBody>
-        </p:sp>
-        <p:sp>
-          <p:nvSpPr>
-            <p:cNvPr id="17" name="Parallelogram 16">
-              <a:extLst>
-                <a:ext uri="{FF2B5EF4-FFF2-40B4-BE49-F238E27FC236}">
-                  <a16:creationId xmlns:a16="http://schemas.microsoft.com/office/drawing/2014/main" id="{154BA43D-E935-428D-BE24-E0B0773105AD}"/>
-                </a:ext>
-              </a:extLst>
-            </p:cNvPr>
-            <p:cNvSpPr/>
-            <p:nvPr/>
-          </p:nvSpPr>
-          <p:spPr>
-            <a:xfrm rot="5400000">
-              <a:off x="2419110" y="3414321"/>
-              <a:ext cx="1606659" cy="1208014"/>
-            </a:xfrm>
-            <a:prstGeom prst="parallelogram">
-              <a:avLst/>
-            </a:prstGeom>
-            <a:solidFill>
-              <a:schemeClr val="tx1">
-                <a:lumMod val="95000"/>
-              </a:schemeClr>
-            </a:solidFill>
-            <a:ln>
-              <a:solidFill>
-                <a:schemeClr val="bg2">
-                  <a:lumMod val="75000"/>
-                </a:schemeClr>
-              </a:solidFill>
-            </a:ln>
-          </p:spPr>
-          <p:style>
-            <a:lnRef idx="2">
-              <a:schemeClr val="accent1">
-                <a:shade val="50000"/>
-              </a:schemeClr>
-            </a:lnRef>
-            <a:fillRef idx="1">
-              <a:schemeClr val="accent1"/>
-            </a:fillRef>
-            <a:effectRef idx="0">
-              <a:schemeClr val="accent1"/>
-            </a:effectRef>
-            <a:fontRef idx="minor">
-              <a:schemeClr val="lt1"/>
-            </a:fontRef>
-          </p:style>
-          <p:txBody>
-            <a:bodyPr rtlCol="0" anchor="ctr"/>
-            <a:lstStyle/>
-            <a:p>
-              <a:pPr algn="ctr"/>
-              <a:endParaRPr lang="en-ZA"/>
-            </a:p>
-          </p:txBody>
-        </p:sp>
-      </p:grpSp>
-      <p:sp>
-        <p:nvSpPr>
-          <p:cNvPr id="18" name="Rectangle: Folded Corner 17">
-            <a:extLst>
-              <a:ext uri="{FF2B5EF4-FFF2-40B4-BE49-F238E27FC236}">
-                <a16:creationId xmlns:a16="http://schemas.microsoft.com/office/drawing/2014/main" id="{2577CB87-1483-4D5B-9004-91ACFA0987C4}"/>
+                <a16:creationId xmlns:a16="http://schemas.microsoft.com/office/drawing/2014/main" id="{EE0170BE-8B8E-4816-891B-0226855D089D}"/>
               </a:ext>
             </a:extLst>
           </p:cNvPr>
@@ -4153,56 +7076,32 @@
         </p:nvSpPr>
         <p:spPr>
           <a:xfrm>
-            <a:off x="223689" y="3428657"/>
-            <a:ext cx="847288" cy="847288"/>
+            <a:off x="8491296" y="1859730"/>
+            <a:ext cx="2023311" cy="461665"/>
           </a:xfrm>
-          <a:prstGeom prst="foldedCorner">
+          <a:prstGeom prst="rect">
             <a:avLst/>
           </a:prstGeom>
-          <a:solidFill>
-            <a:schemeClr val="tx1">
-              <a:lumMod val="95000"/>
-            </a:schemeClr>
-          </a:solidFill>
-          <a:ln>
-            <a:solidFill>
-              <a:schemeClr val="bg2">
-                <a:lumMod val="75000"/>
-              </a:schemeClr>
-            </a:solidFill>
-          </a:ln>
         </p:spPr>
-        <p:style>
-          <a:lnRef idx="2">
-            <a:schemeClr val="accent1">
-              <a:shade val="50000"/>
-            </a:schemeClr>
-          </a:lnRef>
-          <a:fillRef idx="1">
-            <a:schemeClr val="accent1"/>
-          </a:fillRef>
-          <a:effectRef idx="0">
-            <a:schemeClr val="accent1"/>
-          </a:effectRef>
-          <a:fontRef idx="minor">
-            <a:schemeClr val="lt1"/>
-          </a:fontRef>
-        </p:style>
-        <p:txBody>
-          <a:bodyPr rtlCol="0" anchor="ctr"/>
+        <p:txBody>
+          <a:bodyPr wrap="none">
+            <a:spAutoFit/>
+          </a:bodyPr>
           <a:lstStyle/>
           <a:p>
-            <a:pPr algn="ctr"/>
-            <a:endParaRPr lang="en-ZA"/>
-          </a:p>
-        </p:txBody>
-      </p:sp>
-      <p:sp>
-        <p:nvSpPr>
-          <p:cNvPr id="19" name="Rectangle 18">
+            <a:r>
+              <a:rPr lang="en-US" sz="2400" dirty="0"/>
+              <a:t>Evaluate ramp</a:t>
+            </a:r>
+          </a:p>
+        </p:txBody>
+      </p:sp>
+      <p:sp>
+        <p:nvSpPr>
+          <p:cNvPr id="15" name="Rectangle 14">
             <a:extLst>
               <a:ext uri="{FF2B5EF4-FFF2-40B4-BE49-F238E27FC236}">
-                <a16:creationId xmlns:a16="http://schemas.microsoft.com/office/drawing/2014/main" id="{9E1E3AD9-0D72-4F42-9E1F-1CA800A2003E}"/>
+                <a16:creationId xmlns:a16="http://schemas.microsoft.com/office/drawing/2014/main" id="{E21DCD72-1CBE-4EA0-BBC0-E5A014BC808A}"/>
               </a:ext>
             </a:extLst>
           </p:cNvPr>
@@ -4211,8 +7110,8 @@
         </p:nvSpPr>
         <p:spPr>
           <a:xfrm>
-            <a:off x="6470402" y="2102001"/>
-            <a:ext cx="1366080" cy="369332"/>
+            <a:off x="1202919" y="1859731"/>
+            <a:ext cx="5974713" cy="461665"/>
           </a:xfrm>
           <a:prstGeom prst="rect">
             <a:avLst/>
@@ -4225,1887 +7124,21 @@
           <a:lstStyle/>
           <a:p>
             <a:r>
-              <a:rPr lang="en-US" dirty="0" err="1"/>
-              <a:t>MarcMentat</a:t>
-            </a:r>
-            <a:endParaRPr lang="en-US" dirty="0"/>
-          </a:p>
-        </p:txBody>
-      </p:sp>
-      <p:sp>
-        <p:nvSpPr>
-          <p:cNvPr id="20" name="Rectangle 19">
-            <a:extLst>
-              <a:ext uri="{FF2B5EF4-FFF2-40B4-BE49-F238E27FC236}">
-                <a16:creationId xmlns:a16="http://schemas.microsoft.com/office/drawing/2014/main" id="{20C89B23-6B36-4D55-B56E-F7026BCDB5F4}"/>
-              </a:ext>
-            </a:extLst>
-          </p:cNvPr>
-          <p:cNvSpPr/>
-          <p:nvPr/>
-        </p:nvSpPr>
-        <p:spPr>
-          <a:xfrm>
-            <a:off x="3770690" y="3667635"/>
-            <a:ext cx="1452642" cy="369332"/>
-          </a:xfrm>
-          <a:prstGeom prst="rect">
-            <a:avLst/>
-          </a:prstGeom>
-        </p:spPr>
-        <p:txBody>
-          <a:bodyPr wrap="none">
-            <a:spAutoFit/>
-          </a:bodyPr>
-          <a:lstStyle/>
-          <a:p>
-            <a:r>
-              <a:rPr lang="en-US" dirty="0" err="1"/>
-              <a:t>Base_Models</a:t>
-            </a:r>
-            <a:endParaRPr lang="en-US" dirty="0"/>
-          </a:p>
-        </p:txBody>
-      </p:sp>
-      <p:sp>
-        <p:nvSpPr>
-          <p:cNvPr id="21" name="Rectangle 20">
-            <a:extLst>
-              <a:ext uri="{FF2B5EF4-FFF2-40B4-BE49-F238E27FC236}">
-                <a16:creationId xmlns:a16="http://schemas.microsoft.com/office/drawing/2014/main" id="{975FD190-D446-4ADA-AC3D-2C38370A736F}"/>
-              </a:ext>
-            </a:extLst>
-          </p:cNvPr>
-          <p:cNvSpPr/>
-          <p:nvPr/>
-        </p:nvSpPr>
-        <p:spPr>
-          <a:xfrm>
-            <a:off x="6464952" y="3667635"/>
-            <a:ext cx="881973" cy="369332"/>
-          </a:xfrm>
-          <a:prstGeom prst="rect">
-            <a:avLst/>
-          </a:prstGeom>
-        </p:spPr>
-        <p:txBody>
-          <a:bodyPr wrap="none">
-            <a:spAutoFit/>
-          </a:bodyPr>
-          <a:lstStyle/>
-          <a:p>
-            <a:r>
-              <a:rPr lang="en-US" dirty="0"/>
-              <a:t>Models</a:t>
-            </a:r>
-          </a:p>
-        </p:txBody>
-      </p:sp>
-      <p:sp>
-        <p:nvSpPr>
-          <p:cNvPr id="22" name="Rectangle 21">
-            <a:extLst>
-              <a:ext uri="{FF2B5EF4-FFF2-40B4-BE49-F238E27FC236}">
-                <a16:creationId xmlns:a16="http://schemas.microsoft.com/office/drawing/2014/main" id="{03D2ED82-4D3A-4D72-A01E-FB3D3F931C9F}"/>
-              </a:ext>
-            </a:extLst>
-          </p:cNvPr>
-          <p:cNvSpPr/>
-          <p:nvPr/>
-        </p:nvSpPr>
-        <p:spPr>
-          <a:xfrm>
-            <a:off x="9170113" y="3667635"/>
-            <a:ext cx="871072" cy="369332"/>
-          </a:xfrm>
-          <a:prstGeom prst="rect">
-            <a:avLst/>
-          </a:prstGeom>
-        </p:spPr>
-        <p:txBody>
-          <a:bodyPr wrap="none">
-            <a:spAutoFit/>
-          </a:bodyPr>
-          <a:lstStyle/>
-          <a:p>
-            <a:r>
-              <a:rPr lang="en-US" dirty="0"/>
-              <a:t>Results</a:t>
-            </a:r>
-          </a:p>
-        </p:txBody>
-      </p:sp>
-      <p:sp>
-        <p:nvSpPr>
-          <p:cNvPr id="23" name="Rectangle 22">
-            <a:extLst>
-              <a:ext uri="{FF2B5EF4-FFF2-40B4-BE49-F238E27FC236}">
-                <a16:creationId xmlns:a16="http://schemas.microsoft.com/office/drawing/2014/main" id="{6418267C-D7DD-48C1-BEF2-7F50F354127F}"/>
-              </a:ext>
-            </a:extLst>
-          </p:cNvPr>
-          <p:cNvSpPr/>
-          <p:nvPr/>
-        </p:nvSpPr>
-        <p:spPr>
-          <a:xfrm>
-            <a:off x="1070977" y="3667635"/>
-            <a:ext cx="1819729" cy="369332"/>
-          </a:xfrm>
-          <a:prstGeom prst="rect">
-            <a:avLst/>
-          </a:prstGeom>
-        </p:spPr>
-        <p:txBody>
-          <a:bodyPr wrap="none">
-            <a:spAutoFit/>
-          </a:bodyPr>
-          <a:lstStyle/>
-          <a:p>
-            <a:r>
-              <a:rPr lang="en-US" dirty="0"/>
-              <a:t>Python code files</a:t>
-            </a:r>
-          </a:p>
-        </p:txBody>
-      </p:sp>
-      <p:cxnSp>
-        <p:nvCxnSpPr>
-          <p:cNvPr id="25" name="Connector: Elbow 24">
-            <a:extLst>
-              <a:ext uri="{FF2B5EF4-FFF2-40B4-BE49-F238E27FC236}">
-                <a16:creationId xmlns:a16="http://schemas.microsoft.com/office/drawing/2014/main" id="{648BEDBC-FB0E-4041-966F-5A2C77105766}"/>
-              </a:ext>
-            </a:extLst>
-          </p:cNvPr>
-          <p:cNvCxnSpPr>
-            <a:stCxn id="14" idx="2"/>
-            <a:endCxn id="18" idx="0"/>
-          </p:cNvCxnSpPr>
-          <p:nvPr/>
-        </p:nvCxnSpPr>
-        <p:spPr>
-          <a:xfrm rot="5400000">
-            <a:off x="3020866" y="367870"/>
-            <a:ext cx="687255" cy="5434319"/>
-          </a:xfrm>
-          <a:prstGeom prst="bentConnector3">
-            <a:avLst/>
-          </a:prstGeom>
-          <a:ln w="19050">
-            <a:solidFill>
-              <a:schemeClr val="tx1"/>
-            </a:solidFill>
-            <a:tailEnd type="triangle"/>
-          </a:ln>
-        </p:spPr>
-        <p:style>
-          <a:lnRef idx="1">
-            <a:schemeClr val="accent1"/>
-          </a:lnRef>
-          <a:fillRef idx="0">
-            <a:schemeClr val="accent1"/>
-          </a:fillRef>
-          <a:effectRef idx="0">
-            <a:schemeClr val="accent1"/>
-          </a:effectRef>
-          <a:fontRef idx="minor">
-            <a:schemeClr val="tx1"/>
-          </a:fontRef>
-        </p:style>
-      </p:cxnSp>
-      <p:cxnSp>
-        <p:nvCxnSpPr>
-          <p:cNvPr id="26" name="Connector: Elbow 25">
-            <a:extLst>
-              <a:ext uri="{FF2B5EF4-FFF2-40B4-BE49-F238E27FC236}">
-                <a16:creationId xmlns:a16="http://schemas.microsoft.com/office/drawing/2014/main" id="{5A24DE1D-24F6-404F-9973-8C7A55AEDABB}"/>
-              </a:ext>
-            </a:extLst>
-          </p:cNvPr>
-          <p:cNvCxnSpPr>
-            <a:cxnSpLocks/>
-            <a:stCxn id="14" idx="2"/>
-            <a:endCxn id="16" idx="2"/>
-          </p:cNvCxnSpPr>
-          <p:nvPr/>
-        </p:nvCxnSpPr>
-        <p:spPr>
-          <a:xfrm rot="5400000">
-            <a:off x="4399229" y="1759223"/>
-            <a:ext cx="700245" cy="2664602"/>
-          </a:xfrm>
-          <a:prstGeom prst="bentConnector3">
-            <a:avLst>
-              <a:gd name="adj1" fmla="val 50000"/>
-            </a:avLst>
-          </a:prstGeom>
-          <a:ln w="19050">
-            <a:solidFill>
-              <a:schemeClr val="tx1"/>
-            </a:solidFill>
-            <a:tailEnd type="triangle"/>
-          </a:ln>
-        </p:spPr>
-        <p:style>
-          <a:lnRef idx="1">
-            <a:schemeClr val="accent1"/>
-          </a:lnRef>
-          <a:fillRef idx="0">
-            <a:schemeClr val="accent1"/>
-          </a:fillRef>
-          <a:effectRef idx="0">
-            <a:schemeClr val="accent1"/>
-          </a:effectRef>
-          <a:fontRef idx="minor">
-            <a:schemeClr val="tx1"/>
-          </a:fontRef>
-        </p:style>
-      </p:cxnSp>
-      <p:cxnSp>
-        <p:nvCxnSpPr>
-          <p:cNvPr id="29" name="Connector: Elbow 28">
-            <a:extLst>
-              <a:ext uri="{FF2B5EF4-FFF2-40B4-BE49-F238E27FC236}">
-                <a16:creationId xmlns:a16="http://schemas.microsoft.com/office/drawing/2014/main" id="{5BB578D8-FEB2-42B1-9D7B-3D2DA7432821}"/>
-              </a:ext>
-            </a:extLst>
-          </p:cNvPr>
-          <p:cNvCxnSpPr>
-            <a:cxnSpLocks/>
-            <a:stCxn id="14" idx="2"/>
-            <a:endCxn id="7" idx="2"/>
-          </p:cNvCxnSpPr>
-          <p:nvPr/>
-        </p:nvCxnSpPr>
-        <p:spPr>
-          <a:xfrm rot="16200000" flipH="1">
-            <a:off x="5749082" y="3073971"/>
-            <a:ext cx="700246" cy="35107"/>
-          </a:xfrm>
-          <a:prstGeom prst="bentConnector3">
-            <a:avLst>
-              <a:gd name="adj1" fmla="val 50000"/>
-            </a:avLst>
-          </a:prstGeom>
-          <a:ln w="19050">
-            <a:solidFill>
-              <a:schemeClr val="tx1"/>
-            </a:solidFill>
-            <a:tailEnd type="triangle"/>
-          </a:ln>
-        </p:spPr>
-        <p:style>
-          <a:lnRef idx="1">
-            <a:schemeClr val="accent1"/>
-          </a:lnRef>
-          <a:fillRef idx="0">
-            <a:schemeClr val="accent1"/>
-          </a:fillRef>
-          <a:effectRef idx="0">
-            <a:schemeClr val="accent1"/>
-          </a:effectRef>
-          <a:fontRef idx="minor">
-            <a:schemeClr val="tx1"/>
-          </a:fontRef>
-        </p:style>
-      </p:cxnSp>
-      <p:cxnSp>
-        <p:nvCxnSpPr>
-          <p:cNvPr id="32" name="Connector: Elbow 31">
-            <a:extLst>
-              <a:ext uri="{FF2B5EF4-FFF2-40B4-BE49-F238E27FC236}">
-                <a16:creationId xmlns:a16="http://schemas.microsoft.com/office/drawing/2014/main" id="{33A4948E-FCB4-4304-AD65-0D69274A244A}"/>
-              </a:ext>
-            </a:extLst>
-          </p:cNvPr>
-          <p:cNvCxnSpPr>
-            <a:cxnSpLocks/>
-            <a:stCxn id="14" idx="2"/>
-            <a:endCxn id="10" idx="2"/>
-          </p:cNvCxnSpPr>
-          <p:nvPr/>
-        </p:nvCxnSpPr>
-        <p:spPr>
-          <a:xfrm rot="16200000" flipH="1">
-            <a:off x="7098940" y="1724113"/>
-            <a:ext cx="700245" cy="2734821"/>
-          </a:xfrm>
-          <a:prstGeom prst="bentConnector3">
-            <a:avLst>
-              <a:gd name="adj1" fmla="val 50000"/>
-            </a:avLst>
-          </a:prstGeom>
-          <a:ln w="19050">
-            <a:solidFill>
-              <a:schemeClr val="tx1"/>
-            </a:solidFill>
-            <a:tailEnd type="triangle"/>
-          </a:ln>
-        </p:spPr>
-        <p:style>
-          <a:lnRef idx="1">
-            <a:schemeClr val="accent1"/>
-          </a:lnRef>
-          <a:fillRef idx="0">
-            <a:schemeClr val="accent1"/>
-          </a:fillRef>
-          <a:effectRef idx="0">
-            <a:schemeClr val="accent1"/>
-          </a:effectRef>
-          <a:fontRef idx="minor">
-            <a:schemeClr val="tx1"/>
-          </a:fontRef>
-        </p:style>
-      </p:cxnSp>
-      <p:grpSp>
-        <p:nvGrpSpPr>
-          <p:cNvPr id="35" name="Group 34">
-            <a:extLst>
-              <a:ext uri="{FF2B5EF4-FFF2-40B4-BE49-F238E27FC236}">
-                <a16:creationId xmlns:a16="http://schemas.microsoft.com/office/drawing/2014/main" id="{D2EDC50F-E4C8-4CCE-B75C-7EFD73EF8E7B}"/>
-              </a:ext>
-            </a:extLst>
-          </p:cNvPr>
-          <p:cNvGrpSpPr/>
-          <p:nvPr/>
-        </p:nvGrpSpPr>
-        <p:grpSpPr>
-          <a:xfrm>
-            <a:off x="3063410" y="4998877"/>
-            <a:ext cx="707280" cy="1028097"/>
-            <a:chOff x="2618432" y="2872139"/>
-            <a:chExt cx="1341172" cy="1949518"/>
-          </a:xfrm>
-        </p:grpSpPr>
-        <p:sp>
-          <p:nvSpPr>
-            <p:cNvPr id="36" name="Parallelogram 35">
-              <a:extLst>
-                <a:ext uri="{FF2B5EF4-FFF2-40B4-BE49-F238E27FC236}">
-                  <a16:creationId xmlns:a16="http://schemas.microsoft.com/office/drawing/2014/main" id="{7A9A1BCE-009B-4755-AD16-8D131E7C6558}"/>
-                </a:ext>
-              </a:extLst>
-            </p:cNvPr>
-            <p:cNvSpPr/>
-            <p:nvPr/>
-          </p:nvSpPr>
-          <p:spPr>
-            <a:xfrm rot="16200000" flipV="1">
-              <a:off x="2485688" y="3004883"/>
-              <a:ext cx="1606659" cy="1341172"/>
-            </a:xfrm>
-            <a:prstGeom prst="parallelogram">
-              <a:avLst/>
-            </a:prstGeom>
-            <a:solidFill>
-              <a:schemeClr val="tx1">
-                <a:lumMod val="95000"/>
-              </a:schemeClr>
-            </a:solidFill>
-            <a:ln>
-              <a:solidFill>
-                <a:schemeClr val="bg2">
-                  <a:lumMod val="75000"/>
-                </a:schemeClr>
-              </a:solidFill>
-            </a:ln>
-          </p:spPr>
-          <p:style>
-            <a:lnRef idx="2">
-              <a:schemeClr val="accent1">
-                <a:shade val="50000"/>
-              </a:schemeClr>
-            </a:lnRef>
-            <a:fillRef idx="1">
-              <a:schemeClr val="accent1"/>
-            </a:fillRef>
-            <a:effectRef idx="0">
-              <a:schemeClr val="accent1"/>
-            </a:effectRef>
-            <a:fontRef idx="minor">
-              <a:schemeClr val="lt1"/>
-            </a:fontRef>
-          </p:style>
-          <p:txBody>
-            <a:bodyPr rtlCol="0" anchor="ctr"/>
-            <a:lstStyle/>
-            <a:p>
-              <a:pPr algn="ctr"/>
-              <a:endParaRPr lang="en-ZA"/>
-            </a:p>
-          </p:txBody>
-        </p:sp>
-        <p:sp>
-          <p:nvSpPr>
-            <p:cNvPr id="37" name="Parallelogram 36">
-              <a:extLst>
-                <a:ext uri="{FF2B5EF4-FFF2-40B4-BE49-F238E27FC236}">
-                  <a16:creationId xmlns:a16="http://schemas.microsoft.com/office/drawing/2014/main" id="{1D860ADD-3A36-4B4C-A466-12AA0E24885F}"/>
-                </a:ext>
-              </a:extLst>
-            </p:cNvPr>
-            <p:cNvSpPr/>
-            <p:nvPr/>
-          </p:nvSpPr>
-          <p:spPr>
-            <a:xfrm rot="5400000">
-              <a:off x="2419110" y="3414321"/>
-              <a:ext cx="1606659" cy="1208014"/>
-            </a:xfrm>
-            <a:prstGeom prst="parallelogram">
-              <a:avLst/>
-            </a:prstGeom>
-            <a:solidFill>
-              <a:schemeClr val="tx1">
-                <a:lumMod val="95000"/>
-              </a:schemeClr>
-            </a:solidFill>
-            <a:ln>
-              <a:solidFill>
-                <a:schemeClr val="bg2">
-                  <a:lumMod val="75000"/>
-                </a:schemeClr>
-              </a:solidFill>
-            </a:ln>
-          </p:spPr>
-          <p:style>
-            <a:lnRef idx="2">
-              <a:schemeClr val="accent1">
-                <a:shade val="50000"/>
-              </a:schemeClr>
-            </a:lnRef>
-            <a:fillRef idx="1">
-              <a:schemeClr val="accent1"/>
-            </a:fillRef>
-            <a:effectRef idx="0">
-              <a:schemeClr val="accent1"/>
-            </a:effectRef>
-            <a:fontRef idx="minor">
-              <a:schemeClr val="lt1"/>
-            </a:fontRef>
-          </p:style>
-          <p:txBody>
-            <a:bodyPr rtlCol="0" anchor="ctr"/>
-            <a:lstStyle/>
-            <a:p>
-              <a:pPr algn="ctr"/>
-              <a:endParaRPr lang="en-ZA"/>
-            </a:p>
-          </p:txBody>
-        </p:sp>
-      </p:grpSp>
-      <p:grpSp>
-        <p:nvGrpSpPr>
-          <p:cNvPr id="38" name="Group 37">
-            <a:extLst>
-              <a:ext uri="{FF2B5EF4-FFF2-40B4-BE49-F238E27FC236}">
-                <a16:creationId xmlns:a16="http://schemas.microsoft.com/office/drawing/2014/main" id="{6C6652E3-510E-4666-9BB6-438B51DA66B9}"/>
-              </a:ext>
-            </a:extLst>
-          </p:cNvPr>
-          <p:cNvGrpSpPr/>
-          <p:nvPr/>
-        </p:nvGrpSpPr>
-        <p:grpSpPr>
-          <a:xfrm>
-            <a:off x="5757672" y="4998877"/>
-            <a:ext cx="707280" cy="1028097"/>
-            <a:chOff x="2618432" y="2872139"/>
-            <a:chExt cx="1341172" cy="1949518"/>
-          </a:xfrm>
-        </p:grpSpPr>
-        <p:sp>
-          <p:nvSpPr>
-            <p:cNvPr id="39" name="Parallelogram 38">
-              <a:extLst>
-                <a:ext uri="{FF2B5EF4-FFF2-40B4-BE49-F238E27FC236}">
-                  <a16:creationId xmlns:a16="http://schemas.microsoft.com/office/drawing/2014/main" id="{E375F2D7-9338-44A7-8DD1-551B46BCB23C}"/>
-                </a:ext>
-              </a:extLst>
-            </p:cNvPr>
-            <p:cNvSpPr/>
-            <p:nvPr/>
-          </p:nvSpPr>
-          <p:spPr>
-            <a:xfrm rot="16200000" flipV="1">
-              <a:off x="2485688" y="3004883"/>
-              <a:ext cx="1606659" cy="1341172"/>
-            </a:xfrm>
-            <a:prstGeom prst="parallelogram">
-              <a:avLst/>
-            </a:prstGeom>
-            <a:solidFill>
-              <a:schemeClr val="tx1">
-                <a:lumMod val="95000"/>
-              </a:schemeClr>
-            </a:solidFill>
-            <a:ln>
-              <a:solidFill>
-                <a:schemeClr val="bg2">
-                  <a:lumMod val="75000"/>
-                </a:schemeClr>
-              </a:solidFill>
-            </a:ln>
-          </p:spPr>
-          <p:style>
-            <a:lnRef idx="2">
-              <a:schemeClr val="accent1">
-                <a:shade val="50000"/>
-              </a:schemeClr>
-            </a:lnRef>
-            <a:fillRef idx="1">
-              <a:schemeClr val="accent1"/>
-            </a:fillRef>
-            <a:effectRef idx="0">
-              <a:schemeClr val="accent1"/>
-            </a:effectRef>
-            <a:fontRef idx="minor">
-              <a:schemeClr val="lt1"/>
-            </a:fontRef>
-          </p:style>
-          <p:txBody>
-            <a:bodyPr rtlCol="0" anchor="ctr"/>
-            <a:lstStyle/>
-            <a:p>
-              <a:pPr algn="ctr"/>
-              <a:endParaRPr lang="en-ZA"/>
-            </a:p>
-          </p:txBody>
-        </p:sp>
-        <p:sp>
-          <p:nvSpPr>
-            <p:cNvPr id="40" name="Parallelogram 39">
-              <a:extLst>
-                <a:ext uri="{FF2B5EF4-FFF2-40B4-BE49-F238E27FC236}">
-                  <a16:creationId xmlns:a16="http://schemas.microsoft.com/office/drawing/2014/main" id="{44909FAB-C6F6-4C67-AA20-6CD08C182683}"/>
-                </a:ext>
-              </a:extLst>
-            </p:cNvPr>
-            <p:cNvSpPr/>
-            <p:nvPr/>
-          </p:nvSpPr>
-          <p:spPr>
-            <a:xfrm rot="5400000">
-              <a:off x="2419110" y="3414321"/>
-              <a:ext cx="1606659" cy="1208014"/>
-            </a:xfrm>
-            <a:prstGeom prst="parallelogram">
-              <a:avLst/>
-            </a:prstGeom>
-            <a:solidFill>
-              <a:schemeClr val="tx1">
-                <a:lumMod val="95000"/>
-              </a:schemeClr>
-            </a:solidFill>
-            <a:ln>
-              <a:solidFill>
-                <a:schemeClr val="bg2">
-                  <a:lumMod val="75000"/>
-                </a:schemeClr>
-              </a:solidFill>
-            </a:ln>
-          </p:spPr>
-          <p:style>
-            <a:lnRef idx="2">
-              <a:schemeClr val="accent1">
-                <a:shade val="50000"/>
-              </a:schemeClr>
-            </a:lnRef>
-            <a:fillRef idx="1">
-              <a:schemeClr val="accent1"/>
-            </a:fillRef>
-            <a:effectRef idx="0">
-              <a:schemeClr val="accent1"/>
-            </a:effectRef>
-            <a:fontRef idx="minor">
-              <a:schemeClr val="lt1"/>
-            </a:fontRef>
-          </p:style>
-          <p:txBody>
-            <a:bodyPr rtlCol="0" anchor="ctr"/>
-            <a:lstStyle/>
-            <a:p>
-              <a:pPr algn="ctr"/>
-              <a:endParaRPr lang="en-ZA"/>
-            </a:p>
-          </p:txBody>
-        </p:sp>
-      </p:grpSp>
-      <p:cxnSp>
-        <p:nvCxnSpPr>
-          <p:cNvPr id="48" name="Connector: Elbow 47">
-            <a:extLst>
-              <a:ext uri="{FF2B5EF4-FFF2-40B4-BE49-F238E27FC236}">
-                <a16:creationId xmlns:a16="http://schemas.microsoft.com/office/drawing/2014/main" id="{4D8B62D9-1884-4273-9C71-3BEDE22E2A79}"/>
-              </a:ext>
-            </a:extLst>
-          </p:cNvPr>
-          <p:cNvCxnSpPr>
-            <a:cxnSpLocks/>
-            <a:stCxn id="17" idx="2"/>
-            <a:endCxn id="36" idx="2"/>
-          </p:cNvCxnSpPr>
-          <p:nvPr/>
-        </p:nvCxnSpPr>
-        <p:spPr>
-          <a:xfrm rot="16200000" flipH="1">
-            <a:off x="3006702" y="4676940"/>
-            <a:ext cx="785586" cy="35110"/>
-          </a:xfrm>
-          <a:prstGeom prst="bentConnector3">
-            <a:avLst>
-              <a:gd name="adj1" fmla="val 50000"/>
-            </a:avLst>
-          </a:prstGeom>
-          <a:ln w="19050">
-            <a:solidFill>
-              <a:schemeClr val="tx1"/>
-            </a:solidFill>
-            <a:tailEnd type="triangle"/>
-          </a:ln>
-        </p:spPr>
-        <p:style>
-          <a:lnRef idx="1">
-            <a:schemeClr val="accent1"/>
-          </a:lnRef>
-          <a:fillRef idx="0">
-            <a:schemeClr val="accent1"/>
-          </a:fillRef>
-          <a:effectRef idx="0">
-            <a:schemeClr val="accent1"/>
-          </a:effectRef>
-          <a:fontRef idx="minor">
-            <a:schemeClr val="tx1"/>
-          </a:fontRef>
-        </p:style>
-      </p:cxnSp>
-      <p:cxnSp>
-        <p:nvCxnSpPr>
-          <p:cNvPr id="51" name="Connector: Elbow 50">
-            <a:extLst>
-              <a:ext uri="{FF2B5EF4-FFF2-40B4-BE49-F238E27FC236}">
-                <a16:creationId xmlns:a16="http://schemas.microsoft.com/office/drawing/2014/main" id="{762FB8AF-EE7D-4C4D-BE68-A7E48D2D7F3C}"/>
-              </a:ext>
-            </a:extLst>
-          </p:cNvPr>
-          <p:cNvCxnSpPr>
-            <a:cxnSpLocks/>
-            <a:stCxn id="6" idx="2"/>
-            <a:endCxn id="39" idx="2"/>
-          </p:cNvCxnSpPr>
-          <p:nvPr/>
-        </p:nvCxnSpPr>
-        <p:spPr>
-          <a:xfrm rot="16200000" flipH="1">
-            <a:off x="5703688" y="4679663"/>
-            <a:ext cx="785585" cy="29663"/>
-          </a:xfrm>
-          <a:prstGeom prst="bentConnector3">
-            <a:avLst>
-              <a:gd name="adj1" fmla="val 50000"/>
-            </a:avLst>
-          </a:prstGeom>
-          <a:ln w="19050">
-            <a:solidFill>
-              <a:schemeClr val="tx1"/>
-            </a:solidFill>
-            <a:tailEnd type="triangle"/>
-          </a:ln>
-        </p:spPr>
-        <p:style>
-          <a:lnRef idx="1">
-            <a:schemeClr val="accent1"/>
-          </a:lnRef>
-          <a:fillRef idx="0">
-            <a:schemeClr val="accent1"/>
-          </a:fillRef>
-          <a:effectRef idx="0">
-            <a:schemeClr val="accent1"/>
-          </a:effectRef>
-          <a:fontRef idx="minor">
-            <a:schemeClr val="tx1"/>
-          </a:fontRef>
-        </p:style>
-      </p:cxnSp>
-      <p:sp>
-        <p:nvSpPr>
-          <p:cNvPr id="54" name="Rectangle 53">
-            <a:extLst>
-              <a:ext uri="{FF2B5EF4-FFF2-40B4-BE49-F238E27FC236}">
-                <a16:creationId xmlns:a16="http://schemas.microsoft.com/office/drawing/2014/main" id="{9A0E3958-4B2C-40F0-86A7-E077B9200696}"/>
-              </a:ext>
-            </a:extLst>
-          </p:cNvPr>
-          <p:cNvSpPr/>
-          <p:nvPr/>
-        </p:nvSpPr>
-        <p:spPr>
-          <a:xfrm>
-            <a:off x="3770690" y="5313276"/>
-            <a:ext cx="1404552" cy="369332"/>
-          </a:xfrm>
-          <a:prstGeom prst="rect">
-            <a:avLst/>
-          </a:prstGeom>
-        </p:spPr>
-        <p:txBody>
-          <a:bodyPr wrap="none">
-            <a:spAutoFit/>
-          </a:bodyPr>
-          <a:lstStyle/>
-          <a:p>
-            <a:r>
-              <a:rPr lang="en-US" dirty="0"/>
-              <a:t>e.g. grid_5x5</a:t>
-            </a:r>
-          </a:p>
-        </p:txBody>
-      </p:sp>
-      <p:sp>
-        <p:nvSpPr>
-          <p:cNvPr id="55" name="Rectangle: Folded Corner 54">
-            <a:extLst>
-              <a:ext uri="{FF2B5EF4-FFF2-40B4-BE49-F238E27FC236}">
-                <a16:creationId xmlns:a16="http://schemas.microsoft.com/office/drawing/2014/main" id="{F24E2B8B-6DE9-438B-A9D4-F690DA417062}"/>
-              </a:ext>
-            </a:extLst>
-          </p:cNvPr>
-          <p:cNvSpPr/>
-          <p:nvPr/>
-        </p:nvSpPr>
-        <p:spPr>
-          <a:xfrm>
-            <a:off x="223689" y="5074298"/>
-            <a:ext cx="847288" cy="847288"/>
-          </a:xfrm>
-          <a:prstGeom prst="foldedCorner">
-            <a:avLst/>
-          </a:prstGeom>
-          <a:solidFill>
-            <a:schemeClr val="tx1">
-              <a:lumMod val="95000"/>
-            </a:schemeClr>
-          </a:solidFill>
-          <a:ln>
-            <a:solidFill>
-              <a:schemeClr val="bg2">
-                <a:lumMod val="75000"/>
-              </a:schemeClr>
-            </a:solidFill>
-          </a:ln>
-        </p:spPr>
-        <p:style>
-          <a:lnRef idx="2">
-            <a:schemeClr val="accent1">
-              <a:shade val="50000"/>
-            </a:schemeClr>
-          </a:lnRef>
-          <a:fillRef idx="1">
-            <a:schemeClr val="accent1"/>
-          </a:fillRef>
-          <a:effectRef idx="0">
-            <a:schemeClr val="accent1"/>
-          </a:effectRef>
-          <a:fontRef idx="minor">
-            <a:schemeClr val="lt1"/>
-          </a:fontRef>
-        </p:style>
-        <p:txBody>
-          <a:bodyPr rtlCol="0" anchor="ctr"/>
-          <a:lstStyle/>
-          <a:p>
-            <a:pPr algn="ctr"/>
-            <a:endParaRPr lang="en-ZA"/>
-          </a:p>
-        </p:txBody>
-      </p:sp>
-      <p:sp>
-        <p:nvSpPr>
-          <p:cNvPr id="56" name="Rectangle 55">
-            <a:extLst>
-              <a:ext uri="{FF2B5EF4-FFF2-40B4-BE49-F238E27FC236}">
-                <a16:creationId xmlns:a16="http://schemas.microsoft.com/office/drawing/2014/main" id="{7CDD960A-79A1-4E50-85C9-31B4AE7F0558}"/>
-              </a:ext>
-            </a:extLst>
-          </p:cNvPr>
-          <p:cNvSpPr/>
-          <p:nvPr/>
-        </p:nvSpPr>
-        <p:spPr>
-          <a:xfrm>
-            <a:off x="1070977" y="5313276"/>
-            <a:ext cx="1494320" cy="369332"/>
-          </a:xfrm>
-          <a:prstGeom prst="rect">
-            <a:avLst/>
-          </a:prstGeom>
-        </p:spPr>
-        <p:txBody>
-          <a:bodyPr wrap="none">
-            <a:spAutoFit/>
-          </a:bodyPr>
-          <a:lstStyle/>
-          <a:p>
-            <a:r>
-              <a:rPr lang="en-US" dirty="0"/>
-              <a:t>grid_5x5.mud</a:t>
-            </a:r>
-          </a:p>
-        </p:txBody>
-      </p:sp>
-      <p:cxnSp>
-        <p:nvCxnSpPr>
-          <p:cNvPr id="57" name="Connector: Elbow 56">
-            <a:extLst>
-              <a:ext uri="{FF2B5EF4-FFF2-40B4-BE49-F238E27FC236}">
-                <a16:creationId xmlns:a16="http://schemas.microsoft.com/office/drawing/2014/main" id="{4F77EDF6-1666-46EF-8BF4-7A6AFFE51937}"/>
-              </a:ext>
-            </a:extLst>
-          </p:cNvPr>
-          <p:cNvCxnSpPr>
-            <a:cxnSpLocks/>
-            <a:stCxn id="37" idx="2"/>
-            <a:endCxn id="55" idx="2"/>
-          </p:cNvCxnSpPr>
-          <p:nvPr/>
-        </p:nvCxnSpPr>
-        <p:spPr>
-          <a:xfrm rot="5400000" flipH="1">
-            <a:off x="2001758" y="4567162"/>
-            <a:ext cx="25757" cy="2734607"/>
-          </a:xfrm>
-          <a:prstGeom prst="bentConnector3">
-            <a:avLst>
-              <a:gd name="adj1" fmla="val -788590"/>
-            </a:avLst>
-          </a:prstGeom>
-          <a:ln w="19050">
-            <a:solidFill>
-              <a:schemeClr val="tx1"/>
-            </a:solidFill>
-            <a:tailEnd type="triangle"/>
-          </a:ln>
-        </p:spPr>
-        <p:style>
-          <a:lnRef idx="1">
-            <a:schemeClr val="accent1"/>
-          </a:lnRef>
-          <a:fillRef idx="0">
-            <a:schemeClr val="accent1"/>
-          </a:fillRef>
-          <a:effectRef idx="0">
-            <a:schemeClr val="accent1"/>
-          </a:effectRef>
-          <a:fontRef idx="minor">
-            <a:schemeClr val="tx1"/>
-          </a:fontRef>
-        </p:style>
-      </p:cxnSp>
-      <p:sp>
-        <p:nvSpPr>
-          <p:cNvPr id="60" name="Rectangle: Folded Corner 59">
-            <a:extLst>
-              <a:ext uri="{FF2B5EF4-FFF2-40B4-BE49-F238E27FC236}">
-                <a16:creationId xmlns:a16="http://schemas.microsoft.com/office/drawing/2014/main" id="{E6B75C33-480C-4F35-9F56-460644F08D94}"/>
-              </a:ext>
-            </a:extLst>
-          </p:cNvPr>
-          <p:cNvSpPr/>
-          <p:nvPr/>
-        </p:nvSpPr>
-        <p:spPr>
-          <a:xfrm>
-            <a:off x="11092326" y="3428657"/>
-            <a:ext cx="847288" cy="847288"/>
-          </a:xfrm>
-          <a:prstGeom prst="foldedCorner">
-            <a:avLst/>
-          </a:prstGeom>
-          <a:solidFill>
-            <a:schemeClr val="tx1">
-              <a:lumMod val="95000"/>
-            </a:schemeClr>
-          </a:solidFill>
-          <a:ln>
-            <a:solidFill>
-              <a:schemeClr val="bg2">
-                <a:lumMod val="75000"/>
-              </a:schemeClr>
-            </a:solidFill>
-          </a:ln>
-        </p:spPr>
-        <p:style>
-          <a:lnRef idx="2">
-            <a:schemeClr val="accent1">
-              <a:shade val="50000"/>
-            </a:schemeClr>
-          </a:lnRef>
-          <a:fillRef idx="1">
-            <a:schemeClr val="accent1"/>
-          </a:fillRef>
-          <a:effectRef idx="0">
-            <a:schemeClr val="accent1"/>
-          </a:effectRef>
-          <a:fontRef idx="minor">
-            <a:schemeClr val="lt1"/>
-          </a:fontRef>
-        </p:style>
-        <p:txBody>
-          <a:bodyPr rtlCol="0" anchor="ctr"/>
-          <a:lstStyle/>
-          <a:p>
-            <a:pPr algn="ctr"/>
-            <a:endParaRPr lang="en-ZA"/>
-          </a:p>
-        </p:txBody>
-      </p:sp>
-      <p:grpSp>
-        <p:nvGrpSpPr>
-          <p:cNvPr id="61" name="Group 60">
-            <a:extLst>
-              <a:ext uri="{FF2B5EF4-FFF2-40B4-BE49-F238E27FC236}">
-                <a16:creationId xmlns:a16="http://schemas.microsoft.com/office/drawing/2014/main" id="{CC808214-657A-488B-9581-D1BEB8167AF7}"/>
-              </a:ext>
-            </a:extLst>
-          </p:cNvPr>
-          <p:cNvGrpSpPr/>
-          <p:nvPr/>
-        </p:nvGrpSpPr>
-        <p:grpSpPr>
-          <a:xfrm>
-            <a:off x="8464403" y="4983893"/>
-            <a:ext cx="707280" cy="1028097"/>
-            <a:chOff x="2618432" y="2872139"/>
-            <a:chExt cx="1341172" cy="1949518"/>
-          </a:xfrm>
-        </p:grpSpPr>
-        <p:sp>
-          <p:nvSpPr>
-            <p:cNvPr id="62" name="Parallelogram 61">
-              <a:extLst>
-                <a:ext uri="{FF2B5EF4-FFF2-40B4-BE49-F238E27FC236}">
-                  <a16:creationId xmlns:a16="http://schemas.microsoft.com/office/drawing/2014/main" id="{8730F785-125F-4E8E-A160-8037D75D6DB3}"/>
-                </a:ext>
-              </a:extLst>
-            </p:cNvPr>
-            <p:cNvSpPr/>
-            <p:nvPr/>
-          </p:nvSpPr>
-          <p:spPr>
-            <a:xfrm rot="16200000" flipV="1">
-              <a:off x="2485688" y="3004883"/>
-              <a:ext cx="1606659" cy="1341172"/>
-            </a:xfrm>
-            <a:prstGeom prst="parallelogram">
-              <a:avLst/>
-            </a:prstGeom>
-            <a:solidFill>
-              <a:schemeClr val="tx1">
-                <a:lumMod val="95000"/>
-              </a:schemeClr>
-            </a:solidFill>
-            <a:ln>
-              <a:solidFill>
-                <a:schemeClr val="bg2">
-                  <a:lumMod val="75000"/>
-                </a:schemeClr>
-              </a:solidFill>
-            </a:ln>
-          </p:spPr>
-          <p:style>
-            <a:lnRef idx="2">
-              <a:schemeClr val="accent1">
-                <a:shade val="50000"/>
-              </a:schemeClr>
-            </a:lnRef>
-            <a:fillRef idx="1">
-              <a:schemeClr val="accent1"/>
-            </a:fillRef>
-            <a:effectRef idx="0">
-              <a:schemeClr val="accent1"/>
-            </a:effectRef>
-            <a:fontRef idx="minor">
-              <a:schemeClr val="lt1"/>
-            </a:fontRef>
-          </p:style>
-          <p:txBody>
-            <a:bodyPr rtlCol="0" anchor="ctr"/>
-            <a:lstStyle/>
-            <a:p>
-              <a:pPr algn="ctr"/>
-              <a:endParaRPr lang="en-ZA"/>
-            </a:p>
-          </p:txBody>
-        </p:sp>
-        <p:sp>
-          <p:nvSpPr>
-            <p:cNvPr id="63" name="Parallelogram 62">
-              <a:extLst>
-                <a:ext uri="{FF2B5EF4-FFF2-40B4-BE49-F238E27FC236}">
-                  <a16:creationId xmlns:a16="http://schemas.microsoft.com/office/drawing/2014/main" id="{454A236C-94CE-4279-AC11-40857F8F1F20}"/>
-                </a:ext>
-              </a:extLst>
-            </p:cNvPr>
-            <p:cNvSpPr/>
-            <p:nvPr/>
-          </p:nvSpPr>
-          <p:spPr>
-            <a:xfrm rot="5400000">
-              <a:off x="2419110" y="3414321"/>
-              <a:ext cx="1606659" cy="1208014"/>
-            </a:xfrm>
-            <a:prstGeom prst="parallelogram">
-              <a:avLst/>
-            </a:prstGeom>
-            <a:solidFill>
-              <a:schemeClr val="tx1">
-                <a:lumMod val="95000"/>
-              </a:schemeClr>
-            </a:solidFill>
-            <a:ln>
-              <a:solidFill>
-                <a:schemeClr val="bg2">
-                  <a:lumMod val="75000"/>
-                </a:schemeClr>
-              </a:solidFill>
-            </a:ln>
-          </p:spPr>
-          <p:style>
-            <a:lnRef idx="2">
-              <a:schemeClr val="accent1">
-                <a:shade val="50000"/>
-              </a:schemeClr>
-            </a:lnRef>
-            <a:fillRef idx="1">
-              <a:schemeClr val="accent1"/>
-            </a:fillRef>
-            <a:effectRef idx="0">
-              <a:schemeClr val="accent1"/>
-            </a:effectRef>
-            <a:fontRef idx="minor">
-              <a:schemeClr val="lt1"/>
-            </a:fontRef>
-          </p:style>
-          <p:txBody>
-            <a:bodyPr rtlCol="0" anchor="ctr"/>
-            <a:lstStyle/>
-            <a:p>
-              <a:pPr algn="ctr"/>
-              <a:endParaRPr lang="en-ZA"/>
-            </a:p>
-          </p:txBody>
-        </p:sp>
-      </p:grpSp>
-      <p:cxnSp>
-        <p:nvCxnSpPr>
-          <p:cNvPr id="66" name="Connector: Elbow 65">
-            <a:extLst>
-              <a:ext uri="{FF2B5EF4-FFF2-40B4-BE49-F238E27FC236}">
-                <a16:creationId xmlns:a16="http://schemas.microsoft.com/office/drawing/2014/main" id="{BC816F58-EE5A-45DA-B205-A533EE6BE510}"/>
-              </a:ext>
-            </a:extLst>
-          </p:cNvPr>
-          <p:cNvCxnSpPr>
-            <a:cxnSpLocks/>
-            <a:stCxn id="40" idx="2"/>
-            <a:endCxn id="63" idx="4"/>
-          </p:cNvCxnSpPr>
-          <p:nvPr/>
-        </p:nvCxnSpPr>
-        <p:spPr>
-          <a:xfrm rot="5400000" flipH="1" flipV="1">
-            <a:off x="7090805" y="4573745"/>
-            <a:ext cx="358995" cy="2388202"/>
-          </a:xfrm>
-          <a:prstGeom prst="bentConnector4">
-            <a:avLst>
-              <a:gd name="adj1" fmla="val -63678"/>
-              <a:gd name="adj2" fmla="val 80286"/>
-            </a:avLst>
-          </a:prstGeom>
-          <a:ln w="19050">
-            <a:solidFill>
-              <a:schemeClr val="tx1"/>
-            </a:solidFill>
-            <a:tailEnd type="triangle"/>
-          </a:ln>
-        </p:spPr>
-        <p:style>
-          <a:lnRef idx="1">
-            <a:schemeClr val="accent1"/>
-          </a:lnRef>
-          <a:fillRef idx="0">
-            <a:schemeClr val="accent1"/>
-          </a:fillRef>
-          <a:effectRef idx="0">
-            <a:schemeClr val="accent1"/>
-          </a:effectRef>
-          <a:fontRef idx="minor">
-            <a:schemeClr val="tx1"/>
-          </a:fontRef>
-        </p:style>
-      </p:cxnSp>
-      <p:sp>
-        <p:nvSpPr>
-          <p:cNvPr id="71" name="Rectangle 70">
-            <a:extLst>
-              <a:ext uri="{FF2B5EF4-FFF2-40B4-BE49-F238E27FC236}">
-                <a16:creationId xmlns:a16="http://schemas.microsoft.com/office/drawing/2014/main" id="{0FF3A310-17FA-471F-840A-A53A2E69093E}"/>
-              </a:ext>
-            </a:extLst>
-          </p:cNvPr>
-          <p:cNvSpPr/>
-          <p:nvPr/>
-        </p:nvSpPr>
-        <p:spPr>
-          <a:xfrm>
-            <a:off x="6464952" y="5310916"/>
-            <a:ext cx="917239" cy="369332"/>
-          </a:xfrm>
-          <a:prstGeom prst="rect">
-            <a:avLst/>
-          </a:prstGeom>
-        </p:spPr>
-        <p:txBody>
-          <a:bodyPr wrap="none">
-            <a:spAutoFit/>
-          </a:bodyPr>
-          <a:lstStyle/>
-          <a:p>
-            <a:r>
-              <a:rPr lang="en-US" dirty="0"/>
-              <a:t>e.g. 5x5</a:t>
-            </a:r>
-          </a:p>
-        </p:txBody>
-      </p:sp>
-      <p:sp>
-        <p:nvSpPr>
-          <p:cNvPr id="72" name="Rectangle 71">
-            <a:extLst>
-              <a:ext uri="{FF2B5EF4-FFF2-40B4-BE49-F238E27FC236}">
-                <a16:creationId xmlns:a16="http://schemas.microsoft.com/office/drawing/2014/main" id="{ED51B866-0826-43F7-8CEB-A30229F77868}"/>
-              </a:ext>
-            </a:extLst>
-          </p:cNvPr>
-          <p:cNvSpPr/>
-          <p:nvPr/>
-        </p:nvSpPr>
-        <p:spPr>
-          <a:xfrm>
-            <a:off x="9170113" y="5310916"/>
-            <a:ext cx="2881623" cy="276999"/>
-          </a:xfrm>
-          <a:prstGeom prst="rect">
-            <a:avLst/>
-          </a:prstGeom>
-        </p:spPr>
-        <p:txBody>
-          <a:bodyPr wrap="none">
-            <a:spAutoFit/>
-          </a:bodyPr>
-          <a:lstStyle/>
-          <a:p>
-            <a:r>
-              <a:rPr lang="en-ZA" sz="1200" dirty="0"/>
-              <a:t>grid_470b1add31d0e27a125b5047a7c9a88f</a:t>
-            </a:r>
-          </a:p>
-        </p:txBody>
-      </p:sp>
-      <p:cxnSp>
-        <p:nvCxnSpPr>
-          <p:cNvPr id="73" name="Connector: Elbow 72">
-            <a:extLst>
-              <a:ext uri="{FF2B5EF4-FFF2-40B4-BE49-F238E27FC236}">
-                <a16:creationId xmlns:a16="http://schemas.microsoft.com/office/drawing/2014/main" id="{16F82B2E-C49F-4BA7-B998-66716D25285F}"/>
-              </a:ext>
-            </a:extLst>
-          </p:cNvPr>
-          <p:cNvCxnSpPr>
-            <a:cxnSpLocks/>
-            <a:stCxn id="11" idx="2"/>
-            <a:endCxn id="60" idx="2"/>
-          </p:cNvCxnSpPr>
-          <p:nvPr/>
-        </p:nvCxnSpPr>
-        <p:spPr>
-          <a:xfrm rot="5400000" flipH="1" flipV="1">
-            <a:off x="10135787" y="2921520"/>
-            <a:ext cx="25757" cy="2734607"/>
-          </a:xfrm>
-          <a:prstGeom prst="bentConnector3">
-            <a:avLst>
-              <a:gd name="adj1" fmla="val -788590"/>
-            </a:avLst>
-          </a:prstGeom>
-          <a:ln w="19050">
-            <a:solidFill>
-              <a:schemeClr val="tx1"/>
-            </a:solidFill>
-            <a:tailEnd type="triangle"/>
-          </a:ln>
-        </p:spPr>
-        <p:style>
-          <a:lnRef idx="1">
-            <a:schemeClr val="accent1"/>
-          </a:lnRef>
-          <a:fillRef idx="0">
-            <a:schemeClr val="accent1"/>
-          </a:fillRef>
-          <a:effectRef idx="0">
-            <a:schemeClr val="accent1"/>
-          </a:effectRef>
-          <a:fontRef idx="minor">
-            <a:schemeClr val="tx1"/>
-          </a:fontRef>
-        </p:style>
-      </p:cxnSp>
-      <p:sp>
-        <p:nvSpPr>
-          <p:cNvPr id="76" name="Rectangle 75">
-            <a:extLst>
-              <a:ext uri="{FF2B5EF4-FFF2-40B4-BE49-F238E27FC236}">
-                <a16:creationId xmlns:a16="http://schemas.microsoft.com/office/drawing/2014/main" id="{7B75BD21-D70B-4933-972F-2448F05840A7}"/>
-              </a:ext>
-            </a:extLst>
-          </p:cNvPr>
-          <p:cNvSpPr/>
-          <p:nvPr/>
-        </p:nvSpPr>
-        <p:spPr>
-          <a:xfrm>
-            <a:off x="10361781" y="3059325"/>
-            <a:ext cx="1566454" cy="369332"/>
-          </a:xfrm>
-          <a:prstGeom prst="rect">
-            <a:avLst/>
-          </a:prstGeom>
-        </p:spPr>
-        <p:txBody>
-          <a:bodyPr wrap="none">
-            <a:spAutoFit/>
-          </a:bodyPr>
-          <a:lstStyle/>
-          <a:p>
-            <a:r>
-              <a:rPr lang="en-US" dirty="0"/>
-              <a:t>.csv result files</a:t>
-            </a:r>
-          </a:p>
-        </p:txBody>
-      </p:sp>
-      <p:sp>
-        <p:nvSpPr>
-          <p:cNvPr id="77" name="Rectangle: Folded Corner 76">
-            <a:extLst>
-              <a:ext uri="{FF2B5EF4-FFF2-40B4-BE49-F238E27FC236}">
-                <a16:creationId xmlns:a16="http://schemas.microsoft.com/office/drawing/2014/main" id="{81E5751D-5423-4215-AB1C-91837A9FC67D}"/>
-              </a:ext>
-            </a:extLst>
-          </p:cNvPr>
-          <p:cNvSpPr/>
-          <p:nvPr/>
-        </p:nvSpPr>
-        <p:spPr>
-          <a:xfrm>
-            <a:off x="11092325" y="5831181"/>
-            <a:ext cx="847288" cy="847288"/>
-          </a:xfrm>
-          <a:prstGeom prst="foldedCorner">
-            <a:avLst/>
-          </a:prstGeom>
-          <a:solidFill>
-            <a:schemeClr val="tx1">
-              <a:lumMod val="95000"/>
-            </a:schemeClr>
-          </a:solidFill>
-          <a:ln>
-            <a:solidFill>
-              <a:schemeClr val="bg2">
-                <a:lumMod val="75000"/>
-              </a:schemeClr>
-            </a:solidFill>
-          </a:ln>
-        </p:spPr>
-        <p:style>
-          <a:lnRef idx="2">
-            <a:schemeClr val="accent1">
-              <a:shade val="50000"/>
-            </a:schemeClr>
-          </a:lnRef>
-          <a:fillRef idx="1">
-            <a:schemeClr val="accent1"/>
-          </a:fillRef>
-          <a:effectRef idx="0">
-            <a:schemeClr val="accent1"/>
-          </a:effectRef>
-          <a:fontRef idx="minor">
-            <a:schemeClr val="lt1"/>
-          </a:fontRef>
-        </p:style>
-        <p:txBody>
-          <a:bodyPr rtlCol="0" anchor="ctr"/>
-          <a:lstStyle/>
-          <a:p>
-            <a:pPr algn="ctr"/>
-            <a:endParaRPr lang="en-ZA"/>
-          </a:p>
-        </p:txBody>
-      </p:sp>
-      <p:sp>
-        <p:nvSpPr>
-          <p:cNvPr id="80" name="Rectangle 79">
-            <a:extLst>
-              <a:ext uri="{FF2B5EF4-FFF2-40B4-BE49-F238E27FC236}">
-                <a16:creationId xmlns:a16="http://schemas.microsoft.com/office/drawing/2014/main" id="{44859699-9516-414B-A158-08F128C7D336}"/>
-              </a:ext>
-            </a:extLst>
-          </p:cNvPr>
-          <p:cNvSpPr/>
-          <p:nvPr/>
-        </p:nvSpPr>
-        <p:spPr>
-          <a:xfrm>
-            <a:off x="9780747" y="6026975"/>
-            <a:ext cx="1311578" cy="461665"/>
-          </a:xfrm>
-          <a:prstGeom prst="rect">
-            <a:avLst/>
-          </a:prstGeom>
-        </p:spPr>
-        <p:txBody>
-          <a:bodyPr wrap="none">
-            <a:spAutoFit/>
-          </a:bodyPr>
-          <a:lstStyle/>
-          <a:p>
-            <a:r>
-              <a:rPr lang="en-US" sz="1200" dirty="0"/>
-              <a:t>.mud and all Marc</a:t>
-            </a:r>
-          </a:p>
-          <a:p>
-            <a:r>
-              <a:rPr lang="en-US" sz="1200" dirty="0"/>
-              <a:t>generated files</a:t>
-            </a:r>
-          </a:p>
-        </p:txBody>
-      </p:sp>
-      <p:cxnSp>
-        <p:nvCxnSpPr>
-          <p:cNvPr id="81" name="Connector: Elbow 80">
-            <a:extLst>
-              <a:ext uri="{FF2B5EF4-FFF2-40B4-BE49-F238E27FC236}">
-                <a16:creationId xmlns:a16="http://schemas.microsoft.com/office/drawing/2014/main" id="{EA844F25-4E17-4035-BE1C-5A88840CE4C8}"/>
-              </a:ext>
-            </a:extLst>
-          </p:cNvPr>
-          <p:cNvCxnSpPr>
-            <a:cxnSpLocks/>
-            <a:stCxn id="63" idx="2"/>
-            <a:endCxn id="77" idx="0"/>
-          </p:cNvCxnSpPr>
-          <p:nvPr/>
-        </p:nvCxnSpPr>
-        <p:spPr>
-          <a:xfrm rot="5400000" flipH="1" flipV="1">
-            <a:off x="10098862" y="4515252"/>
-            <a:ext cx="101178" cy="2733036"/>
-          </a:xfrm>
-          <a:prstGeom prst="bentConnector5">
-            <a:avLst>
-              <a:gd name="adj1" fmla="val -225938"/>
-              <a:gd name="adj2" fmla="val 27174"/>
-              <a:gd name="adj3" fmla="val 241475"/>
-            </a:avLst>
-          </a:prstGeom>
-          <a:ln w="19050">
-            <a:solidFill>
-              <a:schemeClr val="tx1"/>
-            </a:solidFill>
-            <a:tailEnd type="triangle"/>
-          </a:ln>
-        </p:spPr>
-        <p:style>
-          <a:lnRef idx="1">
-            <a:schemeClr val="accent1"/>
-          </a:lnRef>
-          <a:fillRef idx="0">
-            <a:schemeClr val="accent1"/>
-          </a:fillRef>
-          <a:effectRef idx="0">
-            <a:schemeClr val="accent1"/>
-          </a:effectRef>
-          <a:fontRef idx="minor">
-            <a:schemeClr val="tx1"/>
-          </a:fontRef>
-        </p:style>
-      </p:cxnSp>
+              <a:rPr lang="en-US" sz="2400" dirty="0"/>
+              <a:t>Evaluate sinusoidal wave at peaks and neutral</a:t>
+            </a:r>
+          </a:p>
+        </p:txBody>
+      </p:sp>
     </p:spTree>
     <p:extLst>
       <p:ext uri="{BB962C8B-B14F-4D97-AF65-F5344CB8AC3E}">
-        <p14:creationId xmlns:p14="http://schemas.microsoft.com/office/powerpoint/2010/main" val="647484047"/>
+        <p14:creationId xmlns:p14="http://schemas.microsoft.com/office/powerpoint/2010/main" val="3962903896"/>
       </p:ext>
     </p:extLst>
   </p:cSld>
   <p:clrMapOvr>
     <a:masterClrMapping/>
-  </p:clrMapOvr>
-</p:sld>
-</file>
-
-<file path=ppt/slides/slide4.xml><?xml version="1.0" encoding="utf-8"?>
-<p:sld xmlns:a="http://schemas.openxmlformats.org/drawingml/2006/main" xmlns:r="http://schemas.openxmlformats.org/officeDocument/2006/relationships" xmlns:p="http://schemas.openxmlformats.org/presentationml/2006/main">
-  <p:cSld>
-    <p:spTree>
-      <p:nvGrpSpPr>
-        <p:cNvPr id="1" name=""/>
-        <p:cNvGrpSpPr/>
-        <p:nvPr/>
-      </p:nvGrpSpPr>
-      <p:grpSpPr>
-        <a:xfrm>
-          <a:off x="0" y="0"/>
-          <a:ext cx="0" cy="0"/>
-          <a:chOff x="0" y="0"/>
-          <a:chExt cx="0" cy="0"/>
-        </a:xfrm>
-      </p:grpSpPr>
-      <p:sp>
-        <p:nvSpPr>
-          <p:cNvPr id="2" name="Title 1">
-            <a:extLst>
-              <a:ext uri="{FF2B5EF4-FFF2-40B4-BE49-F238E27FC236}">
-                <a16:creationId xmlns:a16="http://schemas.microsoft.com/office/drawing/2014/main" id="{E1D73B11-48F9-472E-8E77-9A5E527E3E1E}"/>
-              </a:ext>
-            </a:extLst>
-          </p:cNvPr>
-          <p:cNvSpPr>
-            <a:spLocks noGrp="1"/>
-          </p:cNvSpPr>
-          <p:nvPr>
-            <p:ph type="title"/>
-          </p:nvPr>
-        </p:nvSpPr>
-        <p:spPr/>
-        <p:txBody>
-          <a:bodyPr/>
-          <a:lstStyle/>
-          <a:p>
-            <a:r>
-              <a:rPr lang="en-US" dirty="0"/>
-              <a:t>Boundary Energy</a:t>
-            </a:r>
-            <a:endParaRPr lang="en-ZA" dirty="0"/>
-          </a:p>
-        </p:txBody>
-      </p:sp>
-      <p:sp>
-        <p:nvSpPr>
-          <p:cNvPr id="3" name="Content Placeholder 2">
-            <a:extLst>
-              <a:ext uri="{FF2B5EF4-FFF2-40B4-BE49-F238E27FC236}">
-                <a16:creationId xmlns:a16="http://schemas.microsoft.com/office/drawing/2014/main" id="{22D61542-A8AB-4F43-831E-EB8AB6581F05}"/>
-              </a:ext>
-            </a:extLst>
-          </p:cNvPr>
-          <p:cNvSpPr>
-            <a:spLocks noGrp="1"/>
-          </p:cNvSpPr>
-          <p:nvPr>
-            <p:ph idx="1"/>
-          </p:nvPr>
-        </p:nvSpPr>
-        <p:spPr/>
-        <p:txBody>
-          <a:bodyPr/>
-          <a:lstStyle/>
-          <a:p>
-            <a:r>
-              <a:rPr lang="en-US" dirty="0"/>
-              <a:t>Boundary energy = Reaction force * Displacement</a:t>
-            </a:r>
-          </a:p>
-          <a:p>
-            <a:endParaRPr lang="en-ZA" dirty="0"/>
-          </a:p>
-        </p:txBody>
-      </p:sp>
-    </p:spTree>
-    <p:extLst>
-      <p:ext uri="{BB962C8B-B14F-4D97-AF65-F5344CB8AC3E}">
-        <p14:creationId xmlns:p14="http://schemas.microsoft.com/office/powerpoint/2010/main" val="2795547850"/>
-      </p:ext>
-    </p:extLst>
-  </p:cSld>
-  <p:clrMapOvr>
-    <a:masterClrMapping/>
-  </p:clrMapOvr>
-</p:sld>
-</file>
-
-<file path=ppt/slides/slide5.xml><?xml version="1.0" encoding="utf-8"?>
-<p:sld xmlns:a="http://schemas.openxmlformats.org/drawingml/2006/main" xmlns:r="http://schemas.openxmlformats.org/officeDocument/2006/relationships" xmlns:p="http://schemas.openxmlformats.org/presentationml/2006/main">
-  <p:cSld>
-    <p:bg>
-      <p:bgPr>
-        <a:solidFill>
-          <a:schemeClr val="bg1"/>
-        </a:solidFill>
-        <a:effectLst/>
-      </p:bgPr>
-    </p:bg>
-    <p:spTree>
-      <p:nvGrpSpPr>
-        <p:cNvPr id="1" name=""/>
-        <p:cNvGrpSpPr/>
-        <p:nvPr/>
-      </p:nvGrpSpPr>
-      <p:grpSpPr>
-        <a:xfrm>
-          <a:off x="0" y="0"/>
-          <a:ext cx="0" cy="0"/>
-          <a:chOff x="0" y="0"/>
-          <a:chExt cx="0" cy="0"/>
-        </a:xfrm>
-      </p:grpSpPr>
-      <p:sp>
-        <p:nvSpPr>
-          <p:cNvPr id="10" name="Rectangle 9">
-            <a:extLst>
-              <a:ext uri="{FF2B5EF4-FFF2-40B4-BE49-F238E27FC236}">
-                <a16:creationId xmlns:a16="http://schemas.microsoft.com/office/drawing/2014/main" id="{5F9F5EB8-AB42-47FD-8F4A-176C0A4B1B0A}"/>
-              </a:ext>
-              <a:ext uri="{C183D7F6-B498-43B3-948B-1728B52AA6E4}">
-                <adec:decorative xmlns:adec="http://schemas.microsoft.com/office/drawing/2017/decorative" val="1"/>
-              </a:ext>
-            </a:extLst>
-          </p:cNvPr>
-          <p:cNvSpPr>
-            <a:spLocks noGrp="1" noRot="1" noChangeAspect="1" noMove="1" noResize="1" noEditPoints="1" noAdjustHandles="1" noChangeArrowheads="1" noChangeShapeType="1" noTextEdit="1"/>
-          </p:cNvSpPr>
-          <p:nvPr>
-            <p:extLst>
-              <p:ext uri="{386F3935-93C4-4BCD-93E2-E3B085C9AB24}">
-                <p16:designElem xmlns:p16="http://schemas.microsoft.com/office/powerpoint/2015/main" val="1"/>
-              </p:ext>
-            </p:extLst>
-          </p:nvPr>
-        </p:nvSpPr>
-        <p:spPr>
-          <a:xfrm>
-            <a:off x="3048" y="2059012"/>
-            <a:ext cx="12188952" cy="1828800"/>
-          </a:xfrm>
-          <a:prstGeom prst="rect">
-            <a:avLst/>
-          </a:prstGeom>
-          <a:solidFill>
-            <a:schemeClr val="tx1"/>
-          </a:solidFill>
-          <a:ln>
-            <a:noFill/>
-          </a:ln>
-        </p:spPr>
-        <p:style>
-          <a:lnRef idx="2">
-            <a:schemeClr val="accent1">
-              <a:shade val="50000"/>
-            </a:schemeClr>
-          </a:lnRef>
-          <a:fillRef idx="1">
-            <a:schemeClr val="accent1"/>
-          </a:fillRef>
-          <a:effectRef idx="0">
-            <a:schemeClr val="accent1"/>
-          </a:effectRef>
-          <a:fontRef idx="minor">
-            <a:schemeClr val="lt1"/>
-          </a:fontRef>
-        </p:style>
-      </p:sp>
-      <p:sp>
-        <p:nvSpPr>
-          <p:cNvPr id="12" name="Rectangle 11">
-            <a:extLst>
-              <a:ext uri="{FF2B5EF4-FFF2-40B4-BE49-F238E27FC236}">
-                <a16:creationId xmlns:a16="http://schemas.microsoft.com/office/drawing/2014/main" id="{8B3AE79A-6B95-44C3-B0A5-80E2F3E60606}"/>
-              </a:ext>
-              <a:ext uri="{C183D7F6-B498-43B3-948B-1728B52AA6E4}">
-                <adec:decorative xmlns:adec="http://schemas.microsoft.com/office/drawing/2017/decorative" val="1"/>
-              </a:ext>
-            </a:extLst>
-          </p:cNvPr>
-          <p:cNvSpPr>
-            <a:spLocks noGrp="1" noRot="1" noChangeAspect="1" noMove="1" noResize="1" noEditPoints="1" noAdjustHandles="1" noChangeArrowheads="1" noChangeShapeType="1" noTextEdit="1"/>
-          </p:cNvSpPr>
-          <p:nvPr>
-            <p:extLst>
-              <p:ext uri="{386F3935-93C4-4BCD-93E2-E3B085C9AB24}">
-                <p16:designElem xmlns:p16="http://schemas.microsoft.com/office/powerpoint/2015/main" val="1"/>
-              </p:ext>
-            </p:extLst>
-          </p:nvPr>
-        </p:nvSpPr>
-        <p:spPr>
-          <a:xfrm>
-            <a:off x="7540358" y="0"/>
-            <a:ext cx="4651642" cy="6858000"/>
-          </a:xfrm>
-          <a:prstGeom prst="rect">
-            <a:avLst/>
-          </a:prstGeom>
-          <a:solidFill>
-            <a:schemeClr val="tx2"/>
-          </a:solidFill>
-          <a:ln>
-            <a:noFill/>
-          </a:ln>
-        </p:spPr>
-        <p:style>
-          <a:lnRef idx="2">
-            <a:schemeClr val="accent1">
-              <a:shade val="50000"/>
-            </a:schemeClr>
-          </a:lnRef>
-          <a:fillRef idx="1">
-            <a:schemeClr val="accent1"/>
-          </a:fillRef>
-          <a:effectRef idx="0">
-            <a:schemeClr val="accent1"/>
-          </a:effectRef>
-          <a:fontRef idx="minor">
-            <a:schemeClr val="lt1"/>
-          </a:fontRef>
-        </p:style>
-        <p:txBody>
-          <a:bodyPr rtlCol="0" anchor="ctr"/>
-          <a:lstStyle/>
-          <a:p>
-            <a:pPr algn="ctr"/>
-            <a:endParaRPr lang="en-US"/>
-          </a:p>
-        </p:txBody>
-      </p:sp>
-      <p:sp>
-        <p:nvSpPr>
-          <p:cNvPr id="14" name="Rectangle 13">
-            <a:extLst>
-              <a:ext uri="{FF2B5EF4-FFF2-40B4-BE49-F238E27FC236}">
-                <a16:creationId xmlns:a16="http://schemas.microsoft.com/office/drawing/2014/main" id="{4A49FE10-080D-48D7-80FF-9A64D270AD87}"/>
-              </a:ext>
-              <a:ext uri="{C183D7F6-B498-43B3-948B-1728B52AA6E4}">
-                <adec:decorative xmlns:adec="http://schemas.microsoft.com/office/drawing/2017/decorative" val="1"/>
-              </a:ext>
-            </a:extLst>
-          </p:cNvPr>
-          <p:cNvSpPr>
-            <a:spLocks noGrp="1" noRot="1" noChangeAspect="1" noMove="1" noResize="1" noEditPoints="1" noAdjustHandles="1" noChangeArrowheads="1" noChangeShapeType="1" noTextEdit="1"/>
-          </p:cNvSpPr>
-          <p:nvPr>
-            <p:extLst>
-              <p:ext uri="{386F3935-93C4-4BCD-93E2-E3B085C9AB24}">
-                <p16:designElem xmlns:p16="http://schemas.microsoft.com/office/powerpoint/2015/main" val="1"/>
-              </p:ext>
-            </p:extLst>
-          </p:nvPr>
-        </p:nvSpPr>
-        <p:spPr>
-          <a:xfrm>
-            <a:off x="7534551" y="2054942"/>
-            <a:ext cx="4657449" cy="1828799"/>
-          </a:xfrm>
-          <a:prstGeom prst="rect">
-            <a:avLst/>
-          </a:prstGeom>
-          <a:solidFill>
-            <a:schemeClr val="bg1"/>
-          </a:solidFill>
-          <a:ln>
-            <a:noFill/>
-          </a:ln>
-        </p:spPr>
-        <p:style>
-          <a:lnRef idx="2">
-            <a:schemeClr val="accent1">
-              <a:shade val="50000"/>
-            </a:schemeClr>
-          </a:lnRef>
-          <a:fillRef idx="1">
-            <a:schemeClr val="accent1"/>
-          </a:fillRef>
-          <a:effectRef idx="0">
-            <a:schemeClr val="accent1"/>
-          </a:effectRef>
-          <a:fontRef idx="minor">
-            <a:schemeClr val="lt1"/>
-          </a:fontRef>
-        </p:style>
-        <p:txBody>
-          <a:bodyPr rtlCol="0" anchor="ctr"/>
-          <a:lstStyle/>
-          <a:p>
-            <a:pPr algn="ctr"/>
-            <a:endParaRPr lang="en-US"/>
-          </a:p>
-        </p:txBody>
-      </p:sp>
-      <p:sp>
-        <p:nvSpPr>
-          <p:cNvPr id="2" name="Title 1">
-            <a:extLst>
-              <a:ext uri="{FF2B5EF4-FFF2-40B4-BE49-F238E27FC236}">
-                <a16:creationId xmlns:a16="http://schemas.microsoft.com/office/drawing/2014/main" id="{C9B38D5E-3826-49D5-B01F-F27B51B442DC}"/>
-              </a:ext>
-            </a:extLst>
-          </p:cNvPr>
-          <p:cNvSpPr>
-            <a:spLocks noGrp="1"/>
-          </p:cNvSpPr>
-          <p:nvPr>
-            <p:ph type="title"/>
-          </p:nvPr>
-        </p:nvSpPr>
-        <p:spPr>
-          <a:xfrm>
-            <a:off x="7865806" y="2194560"/>
-            <a:ext cx="4001729" cy="1739347"/>
-          </a:xfrm>
-        </p:spPr>
-        <p:txBody>
-          <a:bodyPr vert="horz" lIns="91440" tIns="45720" rIns="91440" bIns="45720" rtlCol="0" anchor="ctr">
-            <a:normAutofit/>
-          </a:bodyPr>
-          <a:lstStyle/>
-          <a:p>
-            <a:pPr algn="ctr">
-              <a:lnSpc>
-                <a:spcPct val="80000"/>
-              </a:lnSpc>
-            </a:pPr>
-            <a:r>
-              <a:rPr lang="en-US" sz="4800" spc="150">
-                <a:solidFill>
-                  <a:schemeClr val="tx2"/>
-                </a:solidFill>
-              </a:rPr>
-              <a:t>Boundary Energy</a:t>
-            </a:r>
-          </a:p>
-        </p:txBody>
-      </p:sp>
-      <p:sp>
-        <p:nvSpPr>
-          <p:cNvPr id="16" name="Rectangle 15">
-            <a:extLst>
-              <a:ext uri="{FF2B5EF4-FFF2-40B4-BE49-F238E27FC236}">
-                <a16:creationId xmlns:a16="http://schemas.microsoft.com/office/drawing/2014/main" id="{60A9E987-6859-4A62-922F-51B47D50D793}"/>
-              </a:ext>
-              <a:ext uri="{C183D7F6-B498-43B3-948B-1728B52AA6E4}">
-                <adec:decorative xmlns:adec="http://schemas.microsoft.com/office/drawing/2017/decorative" val="1"/>
-              </a:ext>
-            </a:extLst>
-          </p:cNvPr>
-          <p:cNvSpPr>
-            <a:spLocks noGrp="1" noRot="1" noChangeAspect="1" noMove="1" noResize="1" noEditPoints="1" noAdjustHandles="1" noChangeArrowheads="1" noChangeShapeType="1" noTextEdit="1"/>
-          </p:cNvSpPr>
-          <p:nvPr>
-            <p:extLst>
-              <p:ext uri="{386F3935-93C4-4BCD-93E2-E3B085C9AB24}">
-                <p16:designElem xmlns:p16="http://schemas.microsoft.com/office/powerpoint/2015/main" val="1"/>
-              </p:ext>
-            </p:extLst>
-          </p:nvPr>
-        </p:nvSpPr>
-        <p:spPr>
-          <a:xfrm>
-            <a:off x="0" y="0"/>
-            <a:ext cx="7540358" cy="6858000"/>
-          </a:xfrm>
-          <a:prstGeom prst="rect">
-            <a:avLst/>
-          </a:prstGeom>
-          <a:solidFill>
-            <a:schemeClr val="bg1"/>
-          </a:solidFill>
-          <a:ln>
-            <a:noFill/>
-          </a:ln>
-        </p:spPr>
-        <p:style>
-          <a:lnRef idx="2">
-            <a:schemeClr val="accent1">
-              <a:shade val="50000"/>
-            </a:schemeClr>
-          </a:lnRef>
-          <a:fillRef idx="1001">
-            <a:schemeClr val="lt1"/>
-          </a:fillRef>
-          <a:effectRef idx="0">
-            <a:schemeClr val="accent1"/>
-          </a:effectRef>
-          <a:fontRef idx="minor">
-            <a:schemeClr val="lt1"/>
-          </a:fontRef>
-        </p:style>
-        <p:txBody>
-          <a:bodyPr rtlCol="0" anchor="ctr"/>
-          <a:lstStyle/>
-          <a:p>
-            <a:pPr algn="ctr"/>
-            <a:endParaRPr lang="en-US" dirty="0"/>
-          </a:p>
-        </p:txBody>
-      </p:sp>
-      <p:pic>
-        <p:nvPicPr>
-          <p:cNvPr id="5" name="Content Placeholder 4" descr="A screenshot of a cell phone&#10;&#10;Description automatically generated">
-            <a:extLst>
-              <a:ext uri="{FF2B5EF4-FFF2-40B4-BE49-F238E27FC236}">
-                <a16:creationId xmlns:a16="http://schemas.microsoft.com/office/drawing/2014/main" id="{4FE43D70-CFC3-4B72-B159-9C408D52C00B}"/>
-              </a:ext>
-            </a:extLst>
-          </p:cNvPr>
-          <p:cNvPicPr>
-            <a:picLocks noGrp="1" noChangeAspect="1"/>
-          </p:cNvPicPr>
-          <p:nvPr>
-            <p:ph idx="1"/>
-          </p:nvPr>
-        </p:nvPicPr>
-        <p:blipFill rotWithShape="1">
-          <a:blip r:embed="rId2">
-            <a:extLst>
-              <a:ext uri="{28A0092B-C50C-407E-A947-70E740481C1C}">
-                <a14:useLocalDpi xmlns:a14="http://schemas.microsoft.com/office/drawing/2010/main" val="0"/>
-              </a:ext>
-            </a:extLst>
-          </a:blip>
-          <a:srcRect l="33110" r="28845"/>
-          <a:stretch/>
-        </p:blipFill>
-        <p:spPr>
-          <a:xfrm>
-            <a:off x="1111552" y="598634"/>
-            <a:ext cx="5311447" cy="5619286"/>
-          </a:xfrm>
-          <a:prstGeom prst="rect">
-            <a:avLst/>
-          </a:prstGeom>
-        </p:spPr>
-      </p:pic>
-    </p:spTree>
-    <p:extLst>
-      <p:ext uri="{BB962C8B-B14F-4D97-AF65-F5344CB8AC3E}">
-        <p14:creationId xmlns:p14="http://schemas.microsoft.com/office/powerpoint/2010/main" val="3193851220"/>
-      </p:ext>
-    </p:extLst>
-  </p:cSld>
-  <p:clrMapOvr>
-    <a:overrideClrMapping bg1="lt1" tx1="dk1" bg2="lt2" tx2="dk2" accent1="accent1" accent2="accent2" accent3="accent3" accent4="accent4" accent5="accent5" accent6="accent6" hlink="hlink" folHlink="folHlink"/>
   </p:clrMapOvr>
 </p:sld>
 </file>
